--- a/docker.pptx
+++ b/docker.pptx
@@ -41,6 +41,13 @@
     <p:sldId id="286" r:id="rId38"/>
     <p:sldId id="287" r:id="rId39"/>
     <p:sldId id="288" r:id="rId40"/>
+    <p:sldId id="289" r:id="rId41"/>
+    <p:sldId id="290" r:id="rId42"/>
+    <p:sldId id="291" r:id="rId43"/>
+    <p:sldId id="292" r:id="rId44"/>
+    <p:sldId id="293" r:id="rId45"/>
+    <p:sldId id="294" r:id="rId46"/>
+    <p:sldId id="295" r:id="rId47"/>
   </p:sldIdLst>
   <p:sldSz cx="13004800" cy="9753600"/>
   <p:notesSz cx="6858000" cy="9144000"/>
@@ -86,7 +93,7 @@
       <a:buFontTx/>
       <a:buNone/>
       <a:tabLst/>
-      <a:defRPr b="1" baseline="0" cap="none" i="0" spc="0" strike="noStrike" sz="2400" u="none" kumimoji="0" normalizeH="0">
+      <a:defRPr b="0" baseline="0" cap="none" i="0" spc="0" strike="noStrike" sz="2400" u="none" kumimoji="0" normalizeH="0">
         <a:ln>
           <a:noFill/>
         </a:ln>
@@ -95,13 +102,13 @@
         </a:solidFill>
         <a:effectLst/>
         <a:uFillTx/>
-        <a:latin typeface="Helvetica Neue"/>
-        <a:ea typeface="Helvetica Neue"/>
-        <a:cs typeface="Helvetica Neue"/>
-        <a:sym typeface="Helvetica Neue"/>
+        <a:latin typeface="Helvetica Neue Medium"/>
+        <a:ea typeface="Helvetica Neue Medium"/>
+        <a:cs typeface="Helvetica Neue Medium"/>
+        <a:sym typeface="Helvetica Neue Medium"/>
       </a:defRPr>
     </a:lvl1pPr>
-    <a:lvl2pPr marL="0" marR="0" indent="228600" algn="ctr" defTabSz="584200" rtl="0" fontAlgn="auto" latinLnBrk="0" hangingPunct="0">
+    <a:lvl2pPr marL="0" marR="0" indent="0" algn="ctr" defTabSz="584200" rtl="0" fontAlgn="auto" latinLnBrk="0" hangingPunct="0">
       <a:lnSpc>
         <a:spcPct val="100000"/>
       </a:lnSpc>
@@ -116,7 +123,7 @@
       <a:buFontTx/>
       <a:buNone/>
       <a:tabLst/>
-      <a:defRPr b="1" baseline="0" cap="none" i="0" spc="0" strike="noStrike" sz="2400" u="none" kumimoji="0" normalizeH="0">
+      <a:defRPr b="0" baseline="0" cap="none" i="0" spc="0" strike="noStrike" sz="2400" u="none" kumimoji="0" normalizeH="0">
         <a:ln>
           <a:noFill/>
         </a:ln>
@@ -125,13 +132,13 @@
         </a:solidFill>
         <a:effectLst/>
         <a:uFillTx/>
-        <a:latin typeface="Helvetica Neue"/>
-        <a:ea typeface="Helvetica Neue"/>
-        <a:cs typeface="Helvetica Neue"/>
-        <a:sym typeface="Helvetica Neue"/>
+        <a:latin typeface="Helvetica Neue Medium"/>
+        <a:ea typeface="Helvetica Neue Medium"/>
+        <a:cs typeface="Helvetica Neue Medium"/>
+        <a:sym typeface="Helvetica Neue Medium"/>
       </a:defRPr>
     </a:lvl2pPr>
-    <a:lvl3pPr marL="0" marR="0" indent="457200" algn="ctr" defTabSz="584200" rtl="0" fontAlgn="auto" latinLnBrk="0" hangingPunct="0">
+    <a:lvl3pPr marL="0" marR="0" indent="0" algn="ctr" defTabSz="584200" rtl="0" fontAlgn="auto" latinLnBrk="0" hangingPunct="0">
       <a:lnSpc>
         <a:spcPct val="100000"/>
       </a:lnSpc>
@@ -146,7 +153,7 @@
       <a:buFontTx/>
       <a:buNone/>
       <a:tabLst/>
-      <a:defRPr b="1" baseline="0" cap="none" i="0" spc="0" strike="noStrike" sz="2400" u="none" kumimoji="0" normalizeH="0">
+      <a:defRPr b="0" baseline="0" cap="none" i="0" spc="0" strike="noStrike" sz="2400" u="none" kumimoji="0" normalizeH="0">
         <a:ln>
           <a:noFill/>
         </a:ln>
@@ -155,13 +162,13 @@
         </a:solidFill>
         <a:effectLst/>
         <a:uFillTx/>
-        <a:latin typeface="Helvetica Neue"/>
-        <a:ea typeface="Helvetica Neue"/>
-        <a:cs typeface="Helvetica Neue"/>
-        <a:sym typeface="Helvetica Neue"/>
+        <a:latin typeface="Helvetica Neue Medium"/>
+        <a:ea typeface="Helvetica Neue Medium"/>
+        <a:cs typeface="Helvetica Neue Medium"/>
+        <a:sym typeface="Helvetica Neue Medium"/>
       </a:defRPr>
     </a:lvl3pPr>
-    <a:lvl4pPr marL="0" marR="0" indent="685800" algn="ctr" defTabSz="584200" rtl="0" fontAlgn="auto" latinLnBrk="0" hangingPunct="0">
+    <a:lvl4pPr marL="0" marR="0" indent="0" algn="ctr" defTabSz="584200" rtl="0" fontAlgn="auto" latinLnBrk="0" hangingPunct="0">
       <a:lnSpc>
         <a:spcPct val="100000"/>
       </a:lnSpc>
@@ -176,7 +183,7 @@
       <a:buFontTx/>
       <a:buNone/>
       <a:tabLst/>
-      <a:defRPr b="1" baseline="0" cap="none" i="0" spc="0" strike="noStrike" sz="2400" u="none" kumimoji="0" normalizeH="0">
+      <a:defRPr b="0" baseline="0" cap="none" i="0" spc="0" strike="noStrike" sz="2400" u="none" kumimoji="0" normalizeH="0">
         <a:ln>
           <a:noFill/>
         </a:ln>
@@ -185,13 +192,13 @@
         </a:solidFill>
         <a:effectLst/>
         <a:uFillTx/>
-        <a:latin typeface="Helvetica Neue"/>
-        <a:ea typeface="Helvetica Neue"/>
-        <a:cs typeface="Helvetica Neue"/>
-        <a:sym typeface="Helvetica Neue"/>
+        <a:latin typeface="Helvetica Neue Medium"/>
+        <a:ea typeface="Helvetica Neue Medium"/>
+        <a:cs typeface="Helvetica Neue Medium"/>
+        <a:sym typeface="Helvetica Neue Medium"/>
       </a:defRPr>
     </a:lvl4pPr>
-    <a:lvl5pPr marL="0" marR="0" indent="914400" algn="ctr" defTabSz="584200" rtl="0" fontAlgn="auto" latinLnBrk="0" hangingPunct="0">
+    <a:lvl5pPr marL="0" marR="0" indent="0" algn="ctr" defTabSz="584200" rtl="0" fontAlgn="auto" latinLnBrk="0" hangingPunct="0">
       <a:lnSpc>
         <a:spcPct val="100000"/>
       </a:lnSpc>
@@ -206,7 +213,7 @@
       <a:buFontTx/>
       <a:buNone/>
       <a:tabLst/>
-      <a:defRPr b="1" baseline="0" cap="none" i="0" spc="0" strike="noStrike" sz="2400" u="none" kumimoji="0" normalizeH="0">
+      <a:defRPr b="0" baseline="0" cap="none" i="0" spc="0" strike="noStrike" sz="2400" u="none" kumimoji="0" normalizeH="0">
         <a:ln>
           <a:noFill/>
         </a:ln>
@@ -215,13 +222,13 @@
         </a:solidFill>
         <a:effectLst/>
         <a:uFillTx/>
-        <a:latin typeface="Helvetica Neue"/>
-        <a:ea typeface="Helvetica Neue"/>
-        <a:cs typeface="Helvetica Neue"/>
-        <a:sym typeface="Helvetica Neue"/>
+        <a:latin typeface="Helvetica Neue Medium"/>
+        <a:ea typeface="Helvetica Neue Medium"/>
+        <a:cs typeface="Helvetica Neue Medium"/>
+        <a:sym typeface="Helvetica Neue Medium"/>
       </a:defRPr>
     </a:lvl5pPr>
-    <a:lvl6pPr marL="0" marR="0" indent="1143000" algn="ctr" defTabSz="584200" rtl="0" fontAlgn="auto" latinLnBrk="0" hangingPunct="0">
+    <a:lvl6pPr marL="0" marR="0" indent="0" algn="ctr" defTabSz="584200" rtl="0" fontAlgn="auto" latinLnBrk="0" hangingPunct="0">
       <a:lnSpc>
         <a:spcPct val="100000"/>
       </a:lnSpc>
@@ -236,7 +243,7 @@
       <a:buFontTx/>
       <a:buNone/>
       <a:tabLst/>
-      <a:defRPr b="1" baseline="0" cap="none" i="0" spc="0" strike="noStrike" sz="2400" u="none" kumimoji="0" normalizeH="0">
+      <a:defRPr b="0" baseline="0" cap="none" i="0" spc="0" strike="noStrike" sz="2400" u="none" kumimoji="0" normalizeH="0">
         <a:ln>
           <a:noFill/>
         </a:ln>
@@ -245,13 +252,13 @@
         </a:solidFill>
         <a:effectLst/>
         <a:uFillTx/>
-        <a:latin typeface="Helvetica Neue"/>
-        <a:ea typeface="Helvetica Neue"/>
-        <a:cs typeface="Helvetica Neue"/>
-        <a:sym typeface="Helvetica Neue"/>
+        <a:latin typeface="Helvetica Neue Medium"/>
+        <a:ea typeface="Helvetica Neue Medium"/>
+        <a:cs typeface="Helvetica Neue Medium"/>
+        <a:sym typeface="Helvetica Neue Medium"/>
       </a:defRPr>
     </a:lvl6pPr>
-    <a:lvl7pPr marL="0" marR="0" indent="1371600" algn="ctr" defTabSz="584200" rtl="0" fontAlgn="auto" latinLnBrk="0" hangingPunct="0">
+    <a:lvl7pPr marL="0" marR="0" indent="0" algn="ctr" defTabSz="584200" rtl="0" fontAlgn="auto" latinLnBrk="0" hangingPunct="0">
       <a:lnSpc>
         <a:spcPct val="100000"/>
       </a:lnSpc>
@@ -266,7 +273,7 @@
       <a:buFontTx/>
       <a:buNone/>
       <a:tabLst/>
-      <a:defRPr b="1" baseline="0" cap="none" i="0" spc="0" strike="noStrike" sz="2400" u="none" kumimoji="0" normalizeH="0">
+      <a:defRPr b="0" baseline="0" cap="none" i="0" spc="0" strike="noStrike" sz="2400" u="none" kumimoji="0" normalizeH="0">
         <a:ln>
           <a:noFill/>
         </a:ln>
@@ -275,13 +282,13 @@
         </a:solidFill>
         <a:effectLst/>
         <a:uFillTx/>
-        <a:latin typeface="Helvetica Neue"/>
-        <a:ea typeface="Helvetica Neue"/>
-        <a:cs typeface="Helvetica Neue"/>
-        <a:sym typeface="Helvetica Neue"/>
+        <a:latin typeface="Helvetica Neue Medium"/>
+        <a:ea typeface="Helvetica Neue Medium"/>
+        <a:cs typeface="Helvetica Neue Medium"/>
+        <a:sym typeface="Helvetica Neue Medium"/>
       </a:defRPr>
     </a:lvl7pPr>
-    <a:lvl8pPr marL="0" marR="0" indent="1600200" algn="ctr" defTabSz="584200" rtl="0" fontAlgn="auto" latinLnBrk="0" hangingPunct="0">
+    <a:lvl8pPr marL="0" marR="0" indent="0" algn="ctr" defTabSz="584200" rtl="0" fontAlgn="auto" latinLnBrk="0" hangingPunct="0">
       <a:lnSpc>
         <a:spcPct val="100000"/>
       </a:lnSpc>
@@ -296,7 +303,7 @@
       <a:buFontTx/>
       <a:buNone/>
       <a:tabLst/>
-      <a:defRPr b="1" baseline="0" cap="none" i="0" spc="0" strike="noStrike" sz="2400" u="none" kumimoji="0" normalizeH="0">
+      <a:defRPr b="0" baseline="0" cap="none" i="0" spc="0" strike="noStrike" sz="2400" u="none" kumimoji="0" normalizeH="0">
         <a:ln>
           <a:noFill/>
         </a:ln>
@@ -305,13 +312,13 @@
         </a:solidFill>
         <a:effectLst/>
         <a:uFillTx/>
-        <a:latin typeface="Helvetica Neue"/>
-        <a:ea typeface="Helvetica Neue"/>
-        <a:cs typeface="Helvetica Neue"/>
-        <a:sym typeface="Helvetica Neue"/>
+        <a:latin typeface="Helvetica Neue Medium"/>
+        <a:ea typeface="Helvetica Neue Medium"/>
+        <a:cs typeface="Helvetica Neue Medium"/>
+        <a:sym typeface="Helvetica Neue Medium"/>
       </a:defRPr>
     </a:lvl8pPr>
-    <a:lvl9pPr marL="0" marR="0" indent="1828800" algn="ctr" defTabSz="584200" rtl="0" fontAlgn="auto" latinLnBrk="0" hangingPunct="0">
+    <a:lvl9pPr marL="0" marR="0" indent="0" algn="ctr" defTabSz="584200" rtl="0" fontAlgn="auto" latinLnBrk="0" hangingPunct="0">
       <a:lnSpc>
         <a:spcPct val="100000"/>
       </a:lnSpc>
@@ -326,7 +333,7 @@
       <a:buFontTx/>
       <a:buNone/>
       <a:tabLst/>
-      <a:defRPr b="1" baseline="0" cap="none" i="0" spc="0" strike="noStrike" sz="2400" u="none" kumimoji="0" normalizeH="0">
+      <a:defRPr b="0" baseline="0" cap="none" i="0" spc="0" strike="noStrike" sz="2400" u="none" kumimoji="0" normalizeH="0">
         <a:ln>
           <a:noFill/>
         </a:ln>
@@ -335,10 +342,10 @@
         </a:solidFill>
         <a:effectLst/>
         <a:uFillTx/>
-        <a:latin typeface="Helvetica Neue"/>
-        <a:ea typeface="Helvetica Neue"/>
-        <a:cs typeface="Helvetica Neue"/>
-        <a:sym typeface="Helvetica Neue"/>
+        <a:latin typeface="Helvetica Neue Medium"/>
+        <a:ea typeface="Helvetica Neue Medium"/>
+        <a:cs typeface="Helvetica Neue Medium"/>
+        <a:sym typeface="Helvetica Neue Medium"/>
       </a:defRPr>
     </a:lvl9pPr>
   </p:defaultTextStyle>
@@ -425,9 +432,9 @@
         <a:spcPct val="117999"/>
       </a:lnSpc>
       <a:defRPr sz="2200">
-        <a:latin typeface="Helvetica Neue"/>
-        <a:ea typeface="Helvetica Neue"/>
-        <a:cs typeface="Helvetica Neue"/>
+        <a:latin typeface="+mn-lt"/>
+        <a:ea typeface="+mn-ea"/>
+        <a:cs typeface="+mn-cs"/>
         <a:sym typeface="Helvetica Neue"/>
       </a:defRPr>
     </a:lvl1pPr>
@@ -436,9 +443,9 @@
         <a:spcPct val="117999"/>
       </a:lnSpc>
       <a:defRPr sz="2200">
-        <a:latin typeface="Helvetica Neue"/>
-        <a:ea typeface="Helvetica Neue"/>
-        <a:cs typeface="Helvetica Neue"/>
+        <a:latin typeface="+mn-lt"/>
+        <a:ea typeface="+mn-ea"/>
+        <a:cs typeface="+mn-cs"/>
         <a:sym typeface="Helvetica Neue"/>
       </a:defRPr>
     </a:lvl2pPr>
@@ -447,9 +454,9 @@
         <a:spcPct val="117999"/>
       </a:lnSpc>
       <a:defRPr sz="2200">
-        <a:latin typeface="Helvetica Neue"/>
-        <a:ea typeface="Helvetica Neue"/>
-        <a:cs typeface="Helvetica Neue"/>
+        <a:latin typeface="+mn-lt"/>
+        <a:ea typeface="+mn-ea"/>
+        <a:cs typeface="+mn-cs"/>
         <a:sym typeface="Helvetica Neue"/>
       </a:defRPr>
     </a:lvl3pPr>
@@ -458,9 +465,9 @@
         <a:spcPct val="117999"/>
       </a:lnSpc>
       <a:defRPr sz="2200">
-        <a:latin typeface="Helvetica Neue"/>
-        <a:ea typeface="Helvetica Neue"/>
-        <a:cs typeface="Helvetica Neue"/>
+        <a:latin typeface="+mn-lt"/>
+        <a:ea typeface="+mn-ea"/>
+        <a:cs typeface="+mn-cs"/>
         <a:sym typeface="Helvetica Neue"/>
       </a:defRPr>
     </a:lvl4pPr>
@@ -469,9 +476,9 @@
         <a:spcPct val="117999"/>
       </a:lnSpc>
       <a:defRPr sz="2200">
-        <a:latin typeface="Helvetica Neue"/>
-        <a:ea typeface="Helvetica Neue"/>
-        <a:cs typeface="Helvetica Neue"/>
+        <a:latin typeface="+mn-lt"/>
+        <a:ea typeface="+mn-ea"/>
+        <a:cs typeface="+mn-cs"/>
         <a:sym typeface="Helvetica Neue"/>
       </a:defRPr>
     </a:lvl5pPr>
@@ -480,9 +487,9 @@
         <a:spcPct val="117999"/>
       </a:lnSpc>
       <a:defRPr sz="2200">
-        <a:latin typeface="Helvetica Neue"/>
-        <a:ea typeface="Helvetica Neue"/>
-        <a:cs typeface="Helvetica Neue"/>
+        <a:latin typeface="+mn-lt"/>
+        <a:ea typeface="+mn-ea"/>
+        <a:cs typeface="+mn-cs"/>
         <a:sym typeface="Helvetica Neue"/>
       </a:defRPr>
     </a:lvl6pPr>
@@ -491,9 +498,9 @@
         <a:spcPct val="117999"/>
       </a:lnSpc>
       <a:defRPr sz="2200">
-        <a:latin typeface="Helvetica Neue"/>
-        <a:ea typeface="Helvetica Neue"/>
-        <a:cs typeface="Helvetica Neue"/>
+        <a:latin typeface="+mn-lt"/>
+        <a:ea typeface="+mn-ea"/>
+        <a:cs typeface="+mn-cs"/>
         <a:sym typeface="Helvetica Neue"/>
       </a:defRPr>
     </a:lvl7pPr>
@@ -502,9 +509,9 @@
         <a:spcPct val="117999"/>
       </a:lnSpc>
       <a:defRPr sz="2200">
-        <a:latin typeface="Helvetica Neue"/>
-        <a:ea typeface="Helvetica Neue"/>
-        <a:cs typeface="Helvetica Neue"/>
+        <a:latin typeface="+mn-lt"/>
+        <a:ea typeface="+mn-ea"/>
+        <a:cs typeface="+mn-cs"/>
         <a:sym typeface="Helvetica Neue"/>
       </a:defRPr>
     </a:lvl8pPr>
@@ -513,9 +520,9 @@
         <a:spcPct val="117999"/>
       </a:lnSpc>
       <a:defRPr sz="2200">
-        <a:latin typeface="Helvetica Neue"/>
-        <a:ea typeface="Helvetica Neue"/>
-        <a:cs typeface="Helvetica Neue"/>
+        <a:latin typeface="+mn-lt"/>
+        <a:ea typeface="+mn-ea"/>
+        <a:cs typeface="+mn-cs"/>
         <a:sym typeface="Helvetica Neue"/>
       </a:defRPr>
     </a:lvl9pPr>
@@ -596,7 +603,7 @@
               <a:buNone/>
               <a:defRPr sz="3700"/>
             </a:lvl1pPr>
-            <a:lvl2pPr marL="0" indent="228600" algn="ctr">
+            <a:lvl2pPr marL="0" indent="0" algn="ctr">
               <a:spcBef>
                 <a:spcPts val="0"/>
               </a:spcBef>
@@ -604,7 +611,7 @@
               <a:buNone/>
               <a:defRPr sz="3700"/>
             </a:lvl2pPr>
-            <a:lvl3pPr marL="0" indent="457200" algn="ctr">
+            <a:lvl3pPr marL="0" indent="0" algn="ctr">
               <a:spcBef>
                 <a:spcPts val="0"/>
               </a:spcBef>
@@ -612,7 +619,7 @@
               <a:buNone/>
               <a:defRPr sz="3700"/>
             </a:lvl3pPr>
-            <a:lvl4pPr marL="0" indent="685800" algn="ctr">
+            <a:lvl4pPr marL="0" indent="0" algn="ctr">
               <a:spcBef>
                 <a:spcPts val="0"/>
               </a:spcBef>
@@ -620,7 +627,7 @@
               <a:buNone/>
               <a:defRPr sz="3700"/>
             </a:lvl4pPr>
-            <a:lvl5pPr marL="0" indent="914400" algn="ctr">
+            <a:lvl5pPr marL="0" indent="0" algn="ctr">
               <a:spcBef>
                 <a:spcPts val="0"/>
               </a:spcBef>
@@ -720,10 +727,10 @@
       </p:grpSpPr>
       <p:sp>
         <p:nvSpPr>
-          <p:cNvPr id="93" name="–Johnny Appleseed"/>
+          <p:cNvPr id="93" name="Body Level One…"/>
           <p:cNvSpPr txBox="1"/>
           <p:nvPr>
-            <p:ph type="body" sz="quarter" idx="13"/>
+            <p:ph type="body" sz="quarter" idx="1"/>
           </p:nvPr>
         </p:nvSpPr>
         <p:spPr>
@@ -736,9 +743,7 @@
           </a:prstGeom>
         </p:spPr>
         <p:txBody>
-          <a:bodyPr anchor="t">
-            <a:spAutoFit/>
-          </a:bodyPr>
+          <a:bodyPr anchor="t"/>
           <a:lstStyle>
             <a:lvl1pPr marL="0" indent="0" algn="ctr">
               <a:spcBef>
@@ -748,11 +753,59 @@
               <a:buNone/>
               <a:defRPr i="1" sz="2400"/>
             </a:lvl1pPr>
+            <a:lvl2pPr marL="777875" indent="-333375" algn="ctr">
+              <a:spcBef>
+                <a:spcPts val="0"/>
+              </a:spcBef>
+              <a:defRPr i="1" sz="2400"/>
+            </a:lvl2pPr>
+            <a:lvl3pPr marL="1222375" indent="-333375" algn="ctr">
+              <a:spcBef>
+                <a:spcPts val="0"/>
+              </a:spcBef>
+              <a:defRPr i="1" sz="2400"/>
+            </a:lvl3pPr>
+            <a:lvl4pPr marL="1666875" indent="-333375" algn="ctr">
+              <a:spcBef>
+                <a:spcPts val="0"/>
+              </a:spcBef>
+              <a:defRPr i="1" sz="2400"/>
+            </a:lvl4pPr>
+            <a:lvl5pPr marL="2111375" indent="-333375" algn="ctr">
+              <a:spcBef>
+                <a:spcPts val="0"/>
+              </a:spcBef>
+              <a:defRPr i="1" sz="2400"/>
+            </a:lvl5pPr>
           </a:lstStyle>
           <a:p>
             <a:pPr/>
             <a:r>
-              <a:t>–Johnny Appleseed</a:t>
+              <a:t>Body Level One</a:t>
+            </a:r>
+          </a:p>
+          <a:p>
+            <a:pPr lvl="1"/>
+            <a:r>
+              <a:t>Body Level Two</a:t>
+            </a:r>
+          </a:p>
+          <a:p>
+            <a:pPr lvl="2"/>
+            <a:r>
+              <a:t>Body Level Three</a:t>
+            </a:r>
+          </a:p>
+          <a:p>
+            <a:pPr lvl="3"/>
+            <a:r>
+              <a:t>Body Level Four</a:t>
+            </a:r>
+          </a:p>
+          <a:p>
+            <a:pPr lvl="4"/>
+            <a:r>
+              <a:t>Body Level Five</a:t>
             </a:r>
           </a:p>
         </p:txBody>
@@ -762,42 +815,35 @@
           <p:cNvPr id="94" name="“Type a quote here.”"/>
           <p:cNvSpPr txBox="1"/>
           <p:nvPr>
-            <p:ph type="body" sz="quarter" idx="14"/>
+            <p:ph type="body" sz="quarter" idx="13"/>
           </p:nvPr>
         </p:nvSpPr>
         <p:spPr>
           <a:xfrm>
             <a:off x="1270000" y="4267112"/>
-            <a:ext cx="10464800" cy="609776"/>
+            <a:ext cx="10464800" cy="609777"/>
           </a:xfrm>
           <a:prstGeom prst="rect">
             <a:avLst/>
           </a:prstGeom>
         </p:spPr>
         <p:txBody>
-          <a:bodyPr>
-            <a:spAutoFit/>
-          </a:bodyPr>
-          <a:lstStyle>
-            <a:lvl1pPr marL="0" indent="0" algn="ctr">
+          <a:bodyPr/>
+          <a:lstStyle/>
+          <a:p>
+            <a:pPr marL="0" indent="0" algn="ctr">
               <a:spcBef>
                 <a:spcPts val="0"/>
               </a:spcBef>
               <a:buSzTx/>
               <a:buNone/>
               <a:defRPr sz="3400">
-                <a:latin typeface="+mn-lt"/>
-                <a:ea typeface="+mn-ea"/>
-                <a:cs typeface="+mn-cs"/>
+                <a:latin typeface="Helvetica Neue Medium"/>
+                <a:ea typeface="Helvetica Neue Medium"/>
+                <a:cs typeface="Helvetica Neue Medium"/>
                 <a:sym typeface="Helvetica Neue Medium"/>
               </a:defRPr>
-            </a:lvl1pPr>
-          </a:lstStyle>
-          <a:p>
-            <a:pPr/>
-            <a:r>
-              <a:t>“Type a quote here.” </a:t>
-            </a:r>
+            </a:pPr>
           </a:p>
         </p:txBody>
       </p:sp>
@@ -1055,7 +1101,7 @@
               <a:buNone/>
               <a:defRPr sz="3700"/>
             </a:lvl1pPr>
-            <a:lvl2pPr marL="0" indent="228600" algn="ctr">
+            <a:lvl2pPr marL="0" indent="0" algn="ctr">
               <a:spcBef>
                 <a:spcPts val="0"/>
               </a:spcBef>
@@ -1063,7 +1109,7 @@
               <a:buNone/>
               <a:defRPr sz="3700"/>
             </a:lvl2pPr>
-            <a:lvl3pPr marL="0" indent="457200" algn="ctr">
+            <a:lvl3pPr marL="0" indent="0" algn="ctr">
               <a:spcBef>
                 <a:spcPts val="0"/>
               </a:spcBef>
@@ -1071,7 +1117,7 @@
               <a:buNone/>
               <a:defRPr sz="3700"/>
             </a:lvl3pPr>
-            <a:lvl4pPr marL="0" indent="685800" algn="ctr">
+            <a:lvl4pPr marL="0" indent="0" algn="ctr">
               <a:spcBef>
                 <a:spcPts val="0"/>
               </a:spcBef>
@@ -1079,7 +1125,7 @@
               <a:buNone/>
               <a:defRPr sz="3700"/>
             </a:lvl4pPr>
-            <a:lvl5pPr marL="0" indent="914400" algn="ctr">
+            <a:lvl5pPr marL="0" indent="0" algn="ctr">
               <a:spcBef>
                 <a:spcPts val="0"/>
               </a:spcBef>
@@ -1331,7 +1377,7 @@
               <a:buNone/>
               <a:defRPr sz="3700"/>
             </a:lvl1pPr>
-            <a:lvl2pPr marL="0" indent="228600" algn="ctr">
+            <a:lvl2pPr marL="0" indent="0" algn="ctr">
               <a:spcBef>
                 <a:spcPts val="0"/>
               </a:spcBef>
@@ -1339,7 +1385,7 @@
               <a:buNone/>
               <a:defRPr sz="3700"/>
             </a:lvl2pPr>
-            <a:lvl3pPr marL="0" indent="457200" algn="ctr">
+            <a:lvl3pPr marL="0" indent="0" algn="ctr">
               <a:spcBef>
                 <a:spcPts val="0"/>
               </a:spcBef>
@@ -1347,7 +1393,7 @@
               <a:buNone/>
               <a:defRPr sz="3700"/>
             </a:lvl3pPr>
-            <a:lvl4pPr marL="0" indent="685800" algn="ctr">
+            <a:lvl4pPr marL="0" indent="0" algn="ctr">
               <a:spcBef>
                 <a:spcPts val="0"/>
               </a:spcBef>
@@ -1355,7 +1401,7 @@
               <a:buNone/>
               <a:defRPr sz="3700"/>
             </a:lvl4pPr>
-            <a:lvl5pPr marL="0" indent="914400" algn="ctr">
+            <a:lvl5pPr marL="0" indent="0" algn="ctr">
               <a:spcBef>
                 <a:spcPts val="0"/>
               </a:spcBef>
@@ -2193,7 +2239,7 @@
           </a:bodyPr>
           <a:lstStyle>
             <a:lvl1pPr>
-              <a:defRPr b="0" sz="1600">
+              <a:defRPr sz="1600">
                 <a:latin typeface="Helvetica Neue Light"/>
                 <a:ea typeface="Helvetica Neue Light"/>
                 <a:cs typeface="Helvetica Neue Light"/>
@@ -2250,13 +2296,13 @@
             <a:srgbClr val="000000"/>
           </a:solidFill>
           <a:uFillTx/>
-          <a:latin typeface="+mn-lt"/>
-          <a:ea typeface="+mn-ea"/>
-          <a:cs typeface="+mn-cs"/>
+          <a:latin typeface="Helvetica Neue Medium"/>
+          <a:ea typeface="Helvetica Neue Medium"/>
+          <a:cs typeface="Helvetica Neue Medium"/>
           <a:sym typeface="Helvetica Neue Medium"/>
         </a:defRPr>
       </a:lvl1pPr>
-      <a:lvl2pPr marL="0" marR="0" indent="228600" algn="ctr" defTabSz="584200" rtl="0" latinLnBrk="0">
+      <a:lvl2pPr marL="0" marR="0" indent="0" algn="ctr" defTabSz="584200" rtl="0" latinLnBrk="0">
         <a:lnSpc>
           <a:spcPct val="100000"/>
         </a:lnSpc>
@@ -2279,13 +2325,13 @@
             <a:srgbClr val="000000"/>
           </a:solidFill>
           <a:uFillTx/>
-          <a:latin typeface="+mn-lt"/>
-          <a:ea typeface="+mn-ea"/>
-          <a:cs typeface="+mn-cs"/>
+          <a:latin typeface="Helvetica Neue Medium"/>
+          <a:ea typeface="Helvetica Neue Medium"/>
+          <a:cs typeface="Helvetica Neue Medium"/>
           <a:sym typeface="Helvetica Neue Medium"/>
         </a:defRPr>
       </a:lvl2pPr>
-      <a:lvl3pPr marL="0" marR="0" indent="457200" algn="ctr" defTabSz="584200" rtl="0" latinLnBrk="0">
+      <a:lvl3pPr marL="0" marR="0" indent="0" algn="ctr" defTabSz="584200" rtl="0" latinLnBrk="0">
         <a:lnSpc>
           <a:spcPct val="100000"/>
         </a:lnSpc>
@@ -2308,13 +2354,13 @@
             <a:srgbClr val="000000"/>
           </a:solidFill>
           <a:uFillTx/>
-          <a:latin typeface="+mn-lt"/>
-          <a:ea typeface="+mn-ea"/>
-          <a:cs typeface="+mn-cs"/>
+          <a:latin typeface="Helvetica Neue Medium"/>
+          <a:ea typeface="Helvetica Neue Medium"/>
+          <a:cs typeface="Helvetica Neue Medium"/>
           <a:sym typeface="Helvetica Neue Medium"/>
         </a:defRPr>
       </a:lvl3pPr>
-      <a:lvl4pPr marL="0" marR="0" indent="685800" algn="ctr" defTabSz="584200" rtl="0" latinLnBrk="0">
+      <a:lvl4pPr marL="0" marR="0" indent="0" algn="ctr" defTabSz="584200" rtl="0" latinLnBrk="0">
         <a:lnSpc>
           <a:spcPct val="100000"/>
         </a:lnSpc>
@@ -2337,13 +2383,13 @@
             <a:srgbClr val="000000"/>
           </a:solidFill>
           <a:uFillTx/>
-          <a:latin typeface="+mn-lt"/>
-          <a:ea typeface="+mn-ea"/>
-          <a:cs typeface="+mn-cs"/>
+          <a:latin typeface="Helvetica Neue Medium"/>
+          <a:ea typeface="Helvetica Neue Medium"/>
+          <a:cs typeface="Helvetica Neue Medium"/>
           <a:sym typeface="Helvetica Neue Medium"/>
         </a:defRPr>
       </a:lvl4pPr>
-      <a:lvl5pPr marL="0" marR="0" indent="914400" algn="ctr" defTabSz="584200" rtl="0" latinLnBrk="0">
+      <a:lvl5pPr marL="0" marR="0" indent="0" algn="ctr" defTabSz="584200" rtl="0" latinLnBrk="0">
         <a:lnSpc>
           <a:spcPct val="100000"/>
         </a:lnSpc>
@@ -2366,13 +2412,13 @@
             <a:srgbClr val="000000"/>
           </a:solidFill>
           <a:uFillTx/>
-          <a:latin typeface="+mn-lt"/>
-          <a:ea typeface="+mn-ea"/>
-          <a:cs typeface="+mn-cs"/>
+          <a:latin typeface="Helvetica Neue Medium"/>
+          <a:ea typeface="Helvetica Neue Medium"/>
+          <a:cs typeface="Helvetica Neue Medium"/>
           <a:sym typeface="Helvetica Neue Medium"/>
         </a:defRPr>
       </a:lvl5pPr>
-      <a:lvl6pPr marL="0" marR="0" indent="1143000" algn="ctr" defTabSz="584200" rtl="0" latinLnBrk="0">
+      <a:lvl6pPr marL="0" marR="0" indent="0" algn="ctr" defTabSz="584200" rtl="0" latinLnBrk="0">
         <a:lnSpc>
           <a:spcPct val="100000"/>
         </a:lnSpc>
@@ -2395,13 +2441,13 @@
             <a:srgbClr val="000000"/>
           </a:solidFill>
           <a:uFillTx/>
-          <a:latin typeface="+mn-lt"/>
-          <a:ea typeface="+mn-ea"/>
-          <a:cs typeface="+mn-cs"/>
+          <a:latin typeface="Helvetica Neue Medium"/>
+          <a:ea typeface="Helvetica Neue Medium"/>
+          <a:cs typeface="Helvetica Neue Medium"/>
           <a:sym typeface="Helvetica Neue Medium"/>
         </a:defRPr>
       </a:lvl6pPr>
-      <a:lvl7pPr marL="0" marR="0" indent="1371600" algn="ctr" defTabSz="584200" rtl="0" latinLnBrk="0">
+      <a:lvl7pPr marL="0" marR="0" indent="0" algn="ctr" defTabSz="584200" rtl="0" latinLnBrk="0">
         <a:lnSpc>
           <a:spcPct val="100000"/>
         </a:lnSpc>
@@ -2424,13 +2470,13 @@
             <a:srgbClr val="000000"/>
           </a:solidFill>
           <a:uFillTx/>
-          <a:latin typeface="+mn-lt"/>
-          <a:ea typeface="+mn-ea"/>
-          <a:cs typeface="+mn-cs"/>
+          <a:latin typeface="Helvetica Neue Medium"/>
+          <a:ea typeface="Helvetica Neue Medium"/>
+          <a:cs typeface="Helvetica Neue Medium"/>
           <a:sym typeface="Helvetica Neue Medium"/>
         </a:defRPr>
       </a:lvl7pPr>
-      <a:lvl8pPr marL="0" marR="0" indent="1600200" algn="ctr" defTabSz="584200" rtl="0" latinLnBrk="0">
+      <a:lvl8pPr marL="0" marR="0" indent="0" algn="ctr" defTabSz="584200" rtl="0" latinLnBrk="0">
         <a:lnSpc>
           <a:spcPct val="100000"/>
         </a:lnSpc>
@@ -2453,13 +2499,13 @@
             <a:srgbClr val="000000"/>
           </a:solidFill>
           <a:uFillTx/>
-          <a:latin typeface="+mn-lt"/>
-          <a:ea typeface="+mn-ea"/>
-          <a:cs typeface="+mn-cs"/>
+          <a:latin typeface="Helvetica Neue Medium"/>
+          <a:ea typeface="Helvetica Neue Medium"/>
+          <a:cs typeface="Helvetica Neue Medium"/>
           <a:sym typeface="Helvetica Neue Medium"/>
         </a:defRPr>
       </a:lvl8pPr>
-      <a:lvl9pPr marL="0" marR="0" indent="1828800" algn="ctr" defTabSz="584200" rtl="0" latinLnBrk="0">
+      <a:lvl9pPr marL="0" marR="0" indent="0" algn="ctr" defTabSz="584200" rtl="0" latinLnBrk="0">
         <a:lnSpc>
           <a:spcPct val="100000"/>
         </a:lnSpc>
@@ -2482,9 +2528,9 @@
             <a:srgbClr val="000000"/>
           </a:solidFill>
           <a:uFillTx/>
-          <a:latin typeface="+mn-lt"/>
-          <a:ea typeface="+mn-ea"/>
-          <a:cs typeface="+mn-cs"/>
+          <a:latin typeface="Helvetica Neue Medium"/>
+          <a:ea typeface="Helvetica Neue Medium"/>
+          <a:cs typeface="Helvetica Neue Medium"/>
           <a:sym typeface="Helvetica Neue Medium"/>
         </a:defRPr>
       </a:lvl9pPr>
@@ -2513,9 +2559,9 @@
             <a:srgbClr val="000000"/>
           </a:solidFill>
           <a:uFillTx/>
-          <a:latin typeface="Helvetica Neue"/>
-          <a:ea typeface="Helvetica Neue"/>
-          <a:cs typeface="Helvetica Neue"/>
+          <a:latin typeface="+mn-lt"/>
+          <a:ea typeface="+mn-ea"/>
+          <a:cs typeface="+mn-cs"/>
           <a:sym typeface="Helvetica Neue"/>
         </a:defRPr>
       </a:lvl1pPr>
@@ -2542,9 +2588,9 @@
             <a:srgbClr val="000000"/>
           </a:solidFill>
           <a:uFillTx/>
-          <a:latin typeface="Helvetica Neue"/>
-          <a:ea typeface="Helvetica Neue"/>
-          <a:cs typeface="Helvetica Neue"/>
+          <a:latin typeface="+mn-lt"/>
+          <a:ea typeface="+mn-ea"/>
+          <a:cs typeface="+mn-cs"/>
           <a:sym typeface="Helvetica Neue"/>
         </a:defRPr>
       </a:lvl2pPr>
@@ -2571,9 +2617,9 @@
             <a:srgbClr val="000000"/>
           </a:solidFill>
           <a:uFillTx/>
-          <a:latin typeface="Helvetica Neue"/>
-          <a:ea typeface="Helvetica Neue"/>
-          <a:cs typeface="Helvetica Neue"/>
+          <a:latin typeface="+mn-lt"/>
+          <a:ea typeface="+mn-ea"/>
+          <a:cs typeface="+mn-cs"/>
           <a:sym typeface="Helvetica Neue"/>
         </a:defRPr>
       </a:lvl3pPr>
@@ -2600,9 +2646,9 @@
             <a:srgbClr val="000000"/>
           </a:solidFill>
           <a:uFillTx/>
-          <a:latin typeface="Helvetica Neue"/>
-          <a:ea typeface="Helvetica Neue"/>
-          <a:cs typeface="Helvetica Neue"/>
+          <a:latin typeface="+mn-lt"/>
+          <a:ea typeface="+mn-ea"/>
+          <a:cs typeface="+mn-cs"/>
           <a:sym typeface="Helvetica Neue"/>
         </a:defRPr>
       </a:lvl4pPr>
@@ -2629,9 +2675,9 @@
             <a:srgbClr val="000000"/>
           </a:solidFill>
           <a:uFillTx/>
-          <a:latin typeface="Helvetica Neue"/>
-          <a:ea typeface="Helvetica Neue"/>
-          <a:cs typeface="Helvetica Neue"/>
+          <a:latin typeface="+mn-lt"/>
+          <a:ea typeface="+mn-ea"/>
+          <a:cs typeface="+mn-cs"/>
           <a:sym typeface="Helvetica Neue"/>
         </a:defRPr>
       </a:lvl5pPr>
@@ -2658,9 +2704,9 @@
             <a:srgbClr val="000000"/>
           </a:solidFill>
           <a:uFillTx/>
-          <a:latin typeface="Helvetica Neue"/>
-          <a:ea typeface="Helvetica Neue"/>
-          <a:cs typeface="Helvetica Neue"/>
+          <a:latin typeface="+mn-lt"/>
+          <a:ea typeface="+mn-ea"/>
+          <a:cs typeface="+mn-cs"/>
           <a:sym typeface="Helvetica Neue"/>
         </a:defRPr>
       </a:lvl6pPr>
@@ -2687,9 +2733,9 @@
             <a:srgbClr val="000000"/>
           </a:solidFill>
           <a:uFillTx/>
-          <a:latin typeface="Helvetica Neue"/>
-          <a:ea typeface="Helvetica Neue"/>
-          <a:cs typeface="Helvetica Neue"/>
+          <a:latin typeface="+mn-lt"/>
+          <a:ea typeface="+mn-ea"/>
+          <a:cs typeface="+mn-cs"/>
           <a:sym typeface="Helvetica Neue"/>
         </a:defRPr>
       </a:lvl7pPr>
@@ -2716,9 +2762,9 @@
             <a:srgbClr val="000000"/>
           </a:solidFill>
           <a:uFillTx/>
-          <a:latin typeface="Helvetica Neue"/>
-          <a:ea typeface="Helvetica Neue"/>
-          <a:cs typeface="Helvetica Neue"/>
+          <a:latin typeface="+mn-lt"/>
+          <a:ea typeface="+mn-ea"/>
+          <a:cs typeface="+mn-cs"/>
           <a:sym typeface="Helvetica Neue"/>
         </a:defRPr>
       </a:lvl8pPr>
@@ -2745,9 +2791,9 @@
             <a:srgbClr val="000000"/>
           </a:solidFill>
           <a:uFillTx/>
-          <a:latin typeface="Helvetica Neue"/>
-          <a:ea typeface="Helvetica Neue"/>
-          <a:cs typeface="Helvetica Neue"/>
+          <a:latin typeface="+mn-lt"/>
+          <a:ea typeface="+mn-ea"/>
+          <a:cs typeface="+mn-cs"/>
           <a:sym typeface="Helvetica Neue"/>
         </a:defRPr>
       </a:lvl9pPr>
@@ -2782,7 +2828,7 @@
           <a:sym typeface="Helvetica Neue Light"/>
         </a:defRPr>
       </a:lvl1pPr>
-      <a:lvl2pPr marL="0" marR="0" indent="228600" algn="ctr" defTabSz="584200" rtl="0" latinLnBrk="0">
+      <a:lvl2pPr marL="0" marR="0" indent="0" algn="ctr" defTabSz="584200" rtl="0" latinLnBrk="0">
         <a:lnSpc>
           <a:spcPct val="100000"/>
         </a:lnSpc>
@@ -2811,7 +2857,7 @@
           <a:sym typeface="Helvetica Neue Light"/>
         </a:defRPr>
       </a:lvl2pPr>
-      <a:lvl3pPr marL="0" marR="0" indent="457200" algn="ctr" defTabSz="584200" rtl="0" latinLnBrk="0">
+      <a:lvl3pPr marL="0" marR="0" indent="0" algn="ctr" defTabSz="584200" rtl="0" latinLnBrk="0">
         <a:lnSpc>
           <a:spcPct val="100000"/>
         </a:lnSpc>
@@ -2840,7 +2886,7 @@
           <a:sym typeface="Helvetica Neue Light"/>
         </a:defRPr>
       </a:lvl3pPr>
-      <a:lvl4pPr marL="0" marR="0" indent="685800" algn="ctr" defTabSz="584200" rtl="0" latinLnBrk="0">
+      <a:lvl4pPr marL="0" marR="0" indent="0" algn="ctr" defTabSz="584200" rtl="0" latinLnBrk="0">
         <a:lnSpc>
           <a:spcPct val="100000"/>
         </a:lnSpc>
@@ -2869,7 +2915,7 @@
           <a:sym typeface="Helvetica Neue Light"/>
         </a:defRPr>
       </a:lvl4pPr>
-      <a:lvl5pPr marL="0" marR="0" indent="914400" algn="ctr" defTabSz="584200" rtl="0" latinLnBrk="0">
+      <a:lvl5pPr marL="0" marR="0" indent="0" algn="ctr" defTabSz="584200" rtl="0" latinLnBrk="0">
         <a:lnSpc>
           <a:spcPct val="100000"/>
         </a:lnSpc>
@@ -2898,7 +2944,7 @@
           <a:sym typeface="Helvetica Neue Light"/>
         </a:defRPr>
       </a:lvl5pPr>
-      <a:lvl6pPr marL="0" marR="0" indent="1143000" algn="ctr" defTabSz="584200" rtl="0" latinLnBrk="0">
+      <a:lvl6pPr marL="0" marR="0" indent="0" algn="ctr" defTabSz="584200" rtl="0" latinLnBrk="0">
         <a:lnSpc>
           <a:spcPct val="100000"/>
         </a:lnSpc>
@@ -2927,7 +2973,7 @@
           <a:sym typeface="Helvetica Neue Light"/>
         </a:defRPr>
       </a:lvl6pPr>
-      <a:lvl7pPr marL="0" marR="0" indent="1371600" algn="ctr" defTabSz="584200" rtl="0" latinLnBrk="0">
+      <a:lvl7pPr marL="0" marR="0" indent="0" algn="ctr" defTabSz="584200" rtl="0" latinLnBrk="0">
         <a:lnSpc>
           <a:spcPct val="100000"/>
         </a:lnSpc>
@@ -2956,7 +3002,7 @@
           <a:sym typeface="Helvetica Neue Light"/>
         </a:defRPr>
       </a:lvl7pPr>
-      <a:lvl8pPr marL="0" marR="0" indent="1600200" algn="ctr" defTabSz="584200" rtl="0" latinLnBrk="0">
+      <a:lvl8pPr marL="0" marR="0" indent="0" algn="ctr" defTabSz="584200" rtl="0" latinLnBrk="0">
         <a:lnSpc>
           <a:spcPct val="100000"/>
         </a:lnSpc>
@@ -2985,7 +3031,7 @@
           <a:sym typeface="Helvetica Neue Light"/>
         </a:defRPr>
       </a:lvl8pPr>
-      <a:lvl9pPr marL="0" marR="0" indent="1828800" algn="ctr" defTabSz="584200" rtl="0" latinLnBrk="0">
+      <a:lvl9pPr marL="0" marR="0" indent="0" algn="ctr" defTabSz="584200" rtl="0" latinLnBrk="0">
         <a:lnSpc>
           <a:spcPct val="100000"/>
         </a:lnSpc>
@@ -3078,16 +3124,37 @@
           <a:lstStyle>
             <a:lvl1pPr>
               <a:defRPr u="sng">
+                <a:solidFill>
+                  <a:srgbClr val="0000FF"/>
+                </a:solidFill>
+                <a:uFill>
+                  <a:solidFill>
+                    <a:srgbClr val="0000FF"/>
+                  </a:solidFill>
+                </a:uFill>
                 <a:hlinkClick r:id="rId2" invalidUrl="" action="" tgtFrame="" tooltip="" history="1" highlightClick="0" endSnd="0"/>
               </a:defRPr>
             </a:lvl1pPr>
           </a:lstStyle>
           <a:p>
             <a:pPr>
-              <a:defRPr u="none"/>
+              <a:defRPr>
+                <a:solidFill>
+                  <a:srgbClr val="000000"/>
+                </a:solidFill>
+                <a:uFillTx/>
+              </a:defRPr>
             </a:pPr>
             <a:r>
-              <a:rPr u="sng">
+              <a:rPr>
+                <a:solidFill>
+                  <a:srgbClr val="0000FF"/>
+                </a:solidFill>
+                <a:uFill>
+                  <a:solidFill>
+                    <a:srgbClr val="0000FF"/>
+                  </a:solidFill>
+                </a:uFill>
                 <a:hlinkClick r:id="rId2" invalidUrl="" action="" tgtFrame="" tooltip="" history="1" highlightClick="0" endSnd="0"/>
               </a:rPr>
               <a:t>burt.walsh@ast.myflorida.com</a:t>
@@ -3153,15 +3220,15 @@
         </p:nvGrpSpPr>
         <p:grpSpPr>
           <a:xfrm>
-            <a:off x="685800" y="2682711"/>
-            <a:ext cx="12139963" cy="5093590"/>
+            <a:off x="685799" y="2682710"/>
+            <a:ext cx="12139966" cy="5093593"/>
             <a:chOff x="0" y="0"/>
-            <a:chExt cx="12139962" cy="5093588"/>
+            <a:chExt cx="12139964" cy="5093591"/>
           </a:xfrm>
         </p:grpSpPr>
         <p:pic>
           <p:nvPicPr>
-            <p:cNvPr id="158" name="Image" descr="Image"/>
+            <p:cNvPr id="157" name="Image" descr="Image"/>
             <p:cNvPicPr>
               <a:picLocks noChangeAspect="1"/>
             </p:cNvPicPr>
@@ -3177,23 +3244,24 @@
           </p:blipFill>
           <p:spPr>
             <a:xfrm>
-              <a:off x="215900" y="139700"/>
-              <a:ext cx="11708163" cy="4534789"/>
+              <a:off x="215899" y="139700"/>
+              <a:ext cx="11708166" cy="4534791"/>
             </a:xfrm>
             <a:prstGeom prst="rect">
               <a:avLst/>
             </a:prstGeom>
-            <a:ln>
-              <a:noFill/>
+            <a:ln w="12700" cap="flat">
+              <a:noFill/>
+              <a:miter lim="400000"/>
             </a:ln>
             <a:effectLst/>
           </p:spPr>
         </p:pic>
         <p:pic>
           <p:nvPicPr>
-            <p:cNvPr id="157" name="Image" descr="Image"/>
+            <p:cNvPr id="158" name="Image" descr="Image"/>
             <p:cNvPicPr>
-              <a:picLocks noChangeAspect="0"/>
+              <a:picLocks noChangeAspect="1"/>
             </p:cNvPicPr>
             <p:nvPr/>
           </p:nvPicPr>
@@ -3207,12 +3275,16 @@
           </p:blipFill>
           <p:spPr>
             <a:xfrm>
-              <a:off x="0" y="0"/>
-              <a:ext cx="12139963" cy="5093589"/>
+              <a:off x="-1" y="-1"/>
+              <a:ext cx="12139966" cy="5093592"/>
             </a:xfrm>
             <a:prstGeom prst="rect">
               <a:avLst/>
             </a:prstGeom>
+            <a:ln w="12700" cap="flat">
+              <a:noFill/>
+              <a:miter lim="400000"/>
+            </a:ln>
             <a:effectLst/>
           </p:spPr>
         </p:pic>
@@ -3287,7 +3359,7 @@
         </p:grpSpPr>
         <p:pic>
           <p:nvPicPr>
-            <p:cNvPr id="163" name="Image" descr="Image"/>
+            <p:cNvPr id="162" name="Image" descr="Image"/>
             <p:cNvPicPr>
               <a:picLocks noChangeAspect="1"/>
             </p:cNvPicPr>
@@ -3309,17 +3381,18 @@
             <a:prstGeom prst="rect">
               <a:avLst/>
             </a:prstGeom>
-            <a:ln>
-              <a:noFill/>
+            <a:ln w="12700" cap="flat">
+              <a:noFill/>
+              <a:miter lim="400000"/>
             </a:ln>
             <a:effectLst/>
           </p:spPr>
         </p:pic>
         <p:pic>
           <p:nvPicPr>
-            <p:cNvPr id="162" name="Image" descr="Image"/>
+            <p:cNvPr id="163" name="Image" descr="Image"/>
             <p:cNvPicPr>
-              <a:picLocks noChangeAspect="0"/>
+              <a:picLocks noChangeAspect="1"/>
             </p:cNvPicPr>
             <p:nvPr/>
           </p:nvPicPr>
@@ -3339,6 +3412,10 @@
             <a:prstGeom prst="rect">
               <a:avLst/>
             </a:prstGeom>
+            <a:ln w="12700" cap="flat">
+              <a:noFill/>
+              <a:miter lim="400000"/>
+            </a:ln>
             <a:effectLst/>
           </p:spPr>
         </p:pic>
@@ -3465,7 +3542,7 @@
           <a:bodyPr/>
           <a:lstStyle/>
           <a:p>
-            <a:pPr defTabSz="321310">
+            <a:pPr defTabSz="321309">
               <a:defRPr sz="4400"/>
             </a:pPr>
             <a:r>
@@ -3473,7 +3550,7 @@
             </a:r>
           </a:p>
           <a:p>
-            <a:pPr defTabSz="321310">
+            <a:pPr defTabSz="321309">
               <a:defRPr sz="4400"/>
             </a:pPr>
             <a:r>
@@ -3490,15 +3567,15 @@
         </p:nvGrpSpPr>
         <p:grpSpPr>
           <a:xfrm>
-            <a:off x="736600" y="2897434"/>
-            <a:ext cx="11986419" cy="4949332"/>
+            <a:off x="736599" y="2897434"/>
+            <a:ext cx="11986422" cy="4949333"/>
             <a:chOff x="0" y="0"/>
-            <a:chExt cx="11986418" cy="4949330"/>
+            <a:chExt cx="11986420" cy="4949332"/>
           </a:xfrm>
         </p:grpSpPr>
         <p:pic>
           <p:nvPicPr>
-            <p:cNvPr id="171" name="Image" descr="Image"/>
+            <p:cNvPr id="170" name="Image" descr="Image"/>
             <p:cNvPicPr>
               <a:picLocks noChangeAspect="1"/>
             </p:cNvPicPr>
@@ -3514,23 +3591,24 @@
           </p:blipFill>
           <p:spPr>
             <a:xfrm>
-              <a:off x="215900" y="139700"/>
-              <a:ext cx="11554619" cy="4390531"/>
+              <a:off x="215899" y="139700"/>
+              <a:ext cx="11554622" cy="4390533"/>
             </a:xfrm>
             <a:prstGeom prst="rect">
               <a:avLst/>
             </a:prstGeom>
-            <a:ln>
-              <a:noFill/>
+            <a:ln w="12700" cap="flat">
+              <a:noFill/>
+              <a:miter lim="400000"/>
             </a:ln>
             <a:effectLst/>
           </p:spPr>
         </p:pic>
         <p:pic>
           <p:nvPicPr>
-            <p:cNvPr id="170" name="Image" descr="Image"/>
+            <p:cNvPr id="171" name="Image" descr="Image"/>
             <p:cNvPicPr>
-              <a:picLocks noChangeAspect="0"/>
+              <a:picLocks noChangeAspect="1"/>
             </p:cNvPicPr>
             <p:nvPr/>
           </p:nvPicPr>
@@ -3544,12 +3622,16 @@
           </p:blipFill>
           <p:spPr>
             <a:xfrm>
-              <a:off x="0" y="0"/>
-              <a:ext cx="11986419" cy="4949331"/>
+              <a:off x="-1" y="0"/>
+              <a:ext cx="11986422" cy="4949333"/>
             </a:xfrm>
             <a:prstGeom prst="rect">
               <a:avLst/>
             </a:prstGeom>
+            <a:ln w="12700" cap="flat">
+              <a:noFill/>
+              <a:miter lim="400000"/>
+            </a:ln>
             <a:effectLst/>
           </p:spPr>
         </p:pic>
@@ -3610,7 +3692,7 @@
         <p:nvPicPr>
           <p:cNvPr id="175" name="Image" descr="Image"/>
           <p:cNvPicPr>
-            <a:picLocks noChangeAspect="0"/>
+            <a:picLocks noChangeAspect="1"/>
           </p:cNvPicPr>
           <p:nvPr/>
         </p:nvPicPr>
@@ -3630,6 +3712,9 @@
           <a:prstGeom prst="rect">
             <a:avLst/>
           </a:prstGeom>
+          <a:ln w="12700">
+            <a:miter lim="400000"/>
+          </a:ln>
           <a:effectLst>
             <a:outerShdw sx="100000" sy="100000" kx="0" ky="0" algn="b" rotWithShape="0" blurRad="63500" dist="25400" dir="5400000">
               <a:srgbClr val="000000">
@@ -3701,9 +3786,6 @@
           <a:prstGeom prst="rect">
             <a:avLst/>
           </a:prstGeom>
-          <a:ln w="9525">
-            <a:round/>
-          </a:ln>
         </p:spPr>
         <p:txBody>
           <a:bodyPr/>
@@ -3820,7 +3902,7 @@
         </p:grpSpPr>
         <p:pic>
           <p:nvPicPr>
-            <p:cNvPr id="182" name="Image" descr="Image"/>
+            <p:cNvPr id="181" name="Image" descr="Image"/>
             <p:cNvPicPr>
               <a:picLocks noChangeAspect="1"/>
             </p:cNvPicPr>
@@ -3842,17 +3924,18 @@
             <a:prstGeom prst="rect">
               <a:avLst/>
             </a:prstGeom>
-            <a:ln>
-              <a:noFill/>
+            <a:ln w="12700" cap="flat">
+              <a:noFill/>
+              <a:miter lim="400000"/>
             </a:ln>
             <a:effectLst/>
           </p:spPr>
         </p:pic>
         <p:pic>
           <p:nvPicPr>
-            <p:cNvPr id="181" name="Image" descr="Image"/>
+            <p:cNvPr id="182" name="Image" descr="Image"/>
             <p:cNvPicPr>
-              <a:picLocks noChangeAspect="0"/>
+              <a:picLocks noChangeAspect="1"/>
             </p:cNvPicPr>
             <p:nvPr/>
           </p:nvPicPr>
@@ -3872,6 +3955,10 @@
             <a:prstGeom prst="rect">
               <a:avLst/>
             </a:prstGeom>
+            <a:ln w="12700" cap="flat">
+              <a:noFill/>
+              <a:miter lim="400000"/>
+            </a:ln>
             <a:effectLst/>
           </p:spPr>
         </p:pic>
@@ -3942,7 +4029,7 @@
         </p:grpSpPr>
         <p:pic>
           <p:nvPicPr>
-            <p:cNvPr id="187" name="Image" descr="Image"/>
+            <p:cNvPr id="186" name="Image" descr="Image"/>
             <p:cNvPicPr>
               <a:picLocks noChangeAspect="1"/>
             </p:cNvPicPr>
@@ -3964,17 +4051,18 @@
             <a:prstGeom prst="rect">
               <a:avLst/>
             </a:prstGeom>
-            <a:ln>
-              <a:noFill/>
+            <a:ln w="12700" cap="flat">
+              <a:noFill/>
+              <a:miter lim="400000"/>
             </a:ln>
             <a:effectLst/>
           </p:spPr>
         </p:pic>
         <p:pic>
           <p:nvPicPr>
-            <p:cNvPr id="186" name="Image" descr="Image"/>
+            <p:cNvPr id="187" name="Image" descr="Image"/>
             <p:cNvPicPr>
-              <a:picLocks noChangeAspect="0"/>
+              <a:picLocks noChangeAspect="1"/>
             </p:cNvPicPr>
             <p:nvPr/>
           </p:nvPicPr>
@@ -3994,6 +4082,10 @@
             <a:prstGeom prst="rect">
               <a:avLst/>
             </a:prstGeom>
+            <a:ln w="12700" cap="flat">
+              <a:noFill/>
+              <a:miter lim="400000"/>
+            </a:ln>
             <a:effectLst/>
           </p:spPr>
         </p:pic>
@@ -4057,14 +4149,14 @@
         <p:grpSpPr>
           <a:xfrm>
             <a:off x="38918" y="3330248"/>
-            <a:ext cx="12926964" cy="3664604"/>
+            <a:ext cx="12926965" cy="3664605"/>
             <a:chOff x="0" y="0"/>
-            <a:chExt cx="12926962" cy="3664603"/>
+            <a:chExt cx="12926964" cy="3664604"/>
           </a:xfrm>
         </p:grpSpPr>
         <p:pic>
           <p:nvPicPr>
-            <p:cNvPr id="192" name="Image" descr="Image"/>
+            <p:cNvPr id="191" name="Image" descr="Image"/>
             <p:cNvPicPr>
               <a:picLocks noChangeAspect="1"/>
             </p:cNvPicPr>
@@ -4081,22 +4173,23 @@
           <p:spPr>
             <a:xfrm>
               <a:off x="215900" y="139700"/>
-              <a:ext cx="12495163" cy="3105804"/>
+              <a:ext cx="12495165" cy="3105805"/>
             </a:xfrm>
             <a:prstGeom prst="rect">
               <a:avLst/>
             </a:prstGeom>
-            <a:ln>
-              <a:noFill/>
+            <a:ln w="12700" cap="flat">
+              <a:noFill/>
+              <a:miter lim="400000"/>
             </a:ln>
             <a:effectLst/>
           </p:spPr>
         </p:pic>
         <p:pic>
           <p:nvPicPr>
-            <p:cNvPr id="191" name="Image" descr="Image"/>
+            <p:cNvPr id="192" name="Image" descr="Image"/>
             <p:cNvPicPr>
-              <a:picLocks noChangeAspect="0"/>
+              <a:picLocks noChangeAspect="1"/>
             </p:cNvPicPr>
             <p:nvPr/>
           </p:nvPicPr>
@@ -4111,11 +4204,15 @@
           <p:spPr>
             <a:xfrm>
               <a:off x="0" y="0"/>
-              <a:ext cx="12926963" cy="3664604"/>
+              <a:ext cx="12926965" cy="3664605"/>
             </a:xfrm>
             <a:prstGeom prst="rect">
               <a:avLst/>
             </a:prstGeom>
+            <a:ln w="12700" cap="flat">
+              <a:noFill/>
+              <a:miter lim="400000"/>
+            </a:ln>
             <a:effectLst/>
           </p:spPr>
         </p:pic>
@@ -4163,7 +4260,7 @@
           <a:bodyPr/>
           <a:lstStyle>
             <a:lvl1pPr defTabSz="484886">
-              <a:defRPr sz="6640"/>
+              <a:defRPr sz="6600"/>
             </a:lvl1pPr>
           </a:lstStyle>
           <a:p>
@@ -4190,7 +4287,7 @@
         </p:grpSpPr>
         <p:pic>
           <p:nvPicPr>
-            <p:cNvPr id="197" name="Image" descr="Image"/>
+            <p:cNvPr id="196" name="Image" descr="Image"/>
             <p:cNvPicPr>
               <a:picLocks noChangeAspect="1"/>
             </p:cNvPicPr>
@@ -4212,17 +4309,18 @@
             <a:prstGeom prst="rect">
               <a:avLst/>
             </a:prstGeom>
-            <a:ln>
-              <a:noFill/>
+            <a:ln w="12700" cap="flat">
+              <a:noFill/>
+              <a:miter lim="400000"/>
             </a:ln>
             <a:effectLst/>
           </p:spPr>
         </p:pic>
         <p:pic>
           <p:nvPicPr>
-            <p:cNvPr id="196" name="Image" descr="Image"/>
+            <p:cNvPr id="197" name="Image" descr="Image"/>
             <p:cNvPicPr>
-              <a:picLocks noChangeAspect="0"/>
+              <a:picLocks noChangeAspect="1"/>
             </p:cNvPicPr>
             <p:nvPr/>
           </p:nvPicPr>
@@ -4242,6 +4340,10 @@
             <a:prstGeom prst="rect">
               <a:avLst/>
             </a:prstGeom>
+            <a:ln w="12700" cap="flat">
+              <a:noFill/>
+              <a:miter lim="400000"/>
+            </a:ln>
             <a:effectLst/>
           </p:spPr>
         </p:pic>
@@ -4368,7 +4470,7 @@
           <a:bodyPr/>
           <a:lstStyle>
             <a:lvl1pPr defTabSz="531622">
-              <a:defRPr sz="7280"/>
+              <a:defRPr sz="7200"/>
             </a:lvl1pPr>
           </a:lstStyle>
           <a:p>
@@ -4395,7 +4497,7 @@
         </p:grpSpPr>
         <p:pic>
           <p:nvPicPr>
-            <p:cNvPr id="202" name="Image" descr="Image"/>
+            <p:cNvPr id="201" name="Image" descr="Image"/>
             <p:cNvPicPr>
               <a:picLocks noChangeAspect="1"/>
             </p:cNvPicPr>
@@ -4417,17 +4519,18 @@
             <a:prstGeom prst="rect">
               <a:avLst/>
             </a:prstGeom>
-            <a:ln>
-              <a:noFill/>
+            <a:ln w="12700" cap="flat">
+              <a:noFill/>
+              <a:miter lim="400000"/>
             </a:ln>
             <a:effectLst/>
           </p:spPr>
         </p:pic>
         <p:pic>
           <p:nvPicPr>
-            <p:cNvPr id="201" name="Image" descr="Image"/>
+            <p:cNvPr id="202" name="Image" descr="Image"/>
             <p:cNvPicPr>
-              <a:picLocks noChangeAspect="0"/>
+              <a:picLocks noChangeAspect="1"/>
             </p:cNvPicPr>
             <p:nvPr/>
           </p:nvPicPr>
@@ -4447,6 +4550,10 @@
             <a:prstGeom prst="rect">
               <a:avLst/>
             </a:prstGeom>
+            <a:ln w="12700" cap="flat">
+              <a:noFill/>
+              <a:miter lim="400000"/>
+            </a:ln>
             <a:effectLst/>
           </p:spPr>
         </p:pic>
@@ -4513,9 +4620,6 @@
           <a:prstGeom prst="rect">
             <a:avLst/>
           </a:prstGeom>
-          <a:ln w="9525">
-            <a:round/>
-          </a:ln>
         </p:spPr>
         <p:txBody>
           <a:bodyPr/>
@@ -4605,232 +4709,312 @@
           </a:p>
         </p:txBody>
       </p:sp>
+      <p:grpSp>
+        <p:nvGrpSpPr>
+          <p:cNvPr id="211" name="Nginx (load balancer)"/>
+          <p:cNvGrpSpPr/>
+          <p:nvPr/>
+        </p:nvGrpSpPr>
+        <p:grpSpPr>
+          <a:xfrm>
+            <a:off x="5215432" y="5048249"/>
+            <a:ext cx="2904135" cy="1675510"/>
+            <a:chOff x="0" y="0"/>
+            <a:chExt cx="2904133" cy="1675508"/>
+          </a:xfrm>
+        </p:grpSpPr>
+        <p:sp>
+          <p:nvSpPr>
+            <p:cNvPr id="209" name="Rectangle"/>
+            <p:cNvSpPr/>
+            <p:nvPr/>
+          </p:nvSpPr>
+          <p:spPr>
+            <a:xfrm>
+              <a:off x="0" y="-1"/>
+              <a:ext cx="2904134" cy="1675510"/>
+            </a:xfrm>
+            <a:prstGeom prst="rect">
+              <a:avLst/>
+            </a:prstGeom>
+            <a:solidFill>
+              <a:schemeClr val="accent1"/>
+            </a:solidFill>
+            <a:ln w="12700" cap="flat">
+              <a:noFill/>
+              <a:miter lim="400000"/>
+            </a:ln>
+            <a:effectLst/>
+          </p:spPr>
+          <p:txBody>
+            <a:bodyPr wrap="square" lIns="50800" tIns="50800" rIns="50800" bIns="50800" numCol="1" anchor="ctr">
+              <a:noAutofit/>
+            </a:bodyPr>
+            <a:lstStyle/>
+            <a:p>
+              <a:pPr>
+                <a:defRPr sz="2200">
+                  <a:solidFill>
+                    <a:srgbClr val="FFFFFF"/>
+                  </a:solidFill>
+                </a:defRPr>
+              </a:pPr>
+            </a:p>
+          </p:txBody>
+        </p:sp>
+        <p:sp>
+          <p:nvSpPr>
+            <p:cNvPr id="210" name="Nginx (load balancer)"/>
+            <p:cNvSpPr txBox="1"/>
+            <p:nvPr/>
+          </p:nvSpPr>
+          <p:spPr>
+            <a:xfrm>
+              <a:off x="0" y="619556"/>
+              <a:ext cx="2904134" cy="436396"/>
+            </a:xfrm>
+            <a:prstGeom prst="rect">
+              <a:avLst/>
+            </a:prstGeom>
+            <a:noFill/>
+            <a:ln w="12700" cap="flat">
+              <a:noFill/>
+              <a:miter lim="400000"/>
+            </a:ln>
+            <a:effectLst/>
+            <a:extLst>
+              <a:ext uri="{C572A759-6A51-4108-AA02-DFA0A04FC94B}">
+                <ma14:wrappingTextBoxFlag xmlns:ma14="http://schemas.microsoft.com/office/mac/drawingml/2011/main" val="1"/>
+              </a:ext>
+            </a:extLst>
+          </p:spPr>
+          <p:txBody>
+            <a:bodyPr wrap="square" lIns="50800" tIns="50800" rIns="50800" bIns="50800" numCol="1" anchor="ctr">
+              <a:spAutoFit/>
+            </a:bodyPr>
+            <a:lstStyle>
+              <a:lvl1pPr>
+                <a:defRPr sz="2200">
+                  <a:solidFill>
+                    <a:srgbClr val="FFFFFF"/>
+                  </a:solidFill>
+                </a:defRPr>
+              </a:lvl1pPr>
+            </a:lstStyle>
+            <a:p>
+              <a:pPr/>
+              <a:r>
+                <a:t>Nginx (load balancer)</a:t>
+              </a:r>
+            </a:p>
+          </p:txBody>
+        </p:sp>
+      </p:grpSp>
+      <p:grpSp>
+        <p:nvGrpSpPr>
+          <p:cNvPr id="214" name="WebServer1"/>
+          <p:cNvGrpSpPr/>
+          <p:nvPr/>
+        </p:nvGrpSpPr>
+        <p:grpSpPr>
+          <a:xfrm>
+            <a:off x="2387848" y="8224935"/>
+            <a:ext cx="2904134" cy="1381127"/>
+            <a:chOff x="0" y="0"/>
+            <a:chExt cx="2904133" cy="1381126"/>
+          </a:xfrm>
+        </p:grpSpPr>
+        <p:sp>
+          <p:nvSpPr>
+            <p:cNvPr id="212" name="Rectangle"/>
+            <p:cNvSpPr/>
+            <p:nvPr/>
+          </p:nvSpPr>
+          <p:spPr>
+            <a:xfrm>
+              <a:off x="-1" y="-1"/>
+              <a:ext cx="2904135" cy="1381128"/>
+            </a:xfrm>
+            <a:prstGeom prst="rect">
+              <a:avLst/>
+            </a:prstGeom>
+            <a:solidFill>
+              <a:schemeClr val="accent1"/>
+            </a:solidFill>
+            <a:ln w="12700" cap="flat">
+              <a:noFill/>
+              <a:miter lim="400000"/>
+            </a:ln>
+            <a:effectLst/>
+          </p:spPr>
+          <p:txBody>
+            <a:bodyPr wrap="square" lIns="50800" tIns="50800" rIns="50800" bIns="50800" numCol="1" anchor="ctr">
+              <a:noAutofit/>
+            </a:bodyPr>
+            <a:lstStyle/>
+            <a:p>
+              <a:pPr>
+                <a:defRPr sz="2200">
+                  <a:solidFill>
+                    <a:srgbClr val="FFFFFF"/>
+                  </a:solidFill>
+                </a:defRPr>
+              </a:pPr>
+            </a:p>
+          </p:txBody>
+        </p:sp>
+        <p:sp>
+          <p:nvSpPr>
+            <p:cNvPr id="213" name="WebServer1"/>
+            <p:cNvSpPr txBox="1"/>
+            <p:nvPr/>
+          </p:nvSpPr>
+          <p:spPr>
+            <a:xfrm>
+              <a:off x="-1" y="472365"/>
+              <a:ext cx="2904135" cy="436396"/>
+            </a:xfrm>
+            <a:prstGeom prst="rect">
+              <a:avLst/>
+            </a:prstGeom>
+            <a:noFill/>
+            <a:ln w="12700" cap="flat">
+              <a:noFill/>
+              <a:miter lim="400000"/>
+            </a:ln>
+            <a:effectLst/>
+            <a:extLst>
+              <a:ext uri="{C572A759-6A51-4108-AA02-DFA0A04FC94B}">
+                <ma14:wrappingTextBoxFlag xmlns:ma14="http://schemas.microsoft.com/office/mac/drawingml/2011/main" val="1"/>
+              </a:ext>
+            </a:extLst>
+          </p:spPr>
+          <p:txBody>
+            <a:bodyPr wrap="square" lIns="50800" tIns="50800" rIns="50800" bIns="50800" numCol="1" anchor="ctr">
+              <a:spAutoFit/>
+            </a:bodyPr>
+            <a:lstStyle>
+              <a:lvl1pPr>
+                <a:defRPr sz="2200">
+                  <a:solidFill>
+                    <a:srgbClr val="FFFFFF"/>
+                  </a:solidFill>
+                </a:defRPr>
+              </a:lvl1pPr>
+            </a:lstStyle>
+            <a:p>
+              <a:pPr/>
+              <a:r>
+                <a:t>WebServer1</a:t>
+              </a:r>
+            </a:p>
+          </p:txBody>
+        </p:sp>
+      </p:grpSp>
+      <p:grpSp>
+        <p:nvGrpSpPr>
+          <p:cNvPr id="217" name="WebServer2"/>
+          <p:cNvGrpSpPr/>
+          <p:nvPr/>
+        </p:nvGrpSpPr>
+        <p:grpSpPr>
+          <a:xfrm>
+            <a:off x="7634089" y="8224935"/>
+            <a:ext cx="2904134" cy="1381127"/>
+            <a:chOff x="0" y="0"/>
+            <a:chExt cx="2904133" cy="1381126"/>
+          </a:xfrm>
+        </p:grpSpPr>
+        <p:sp>
+          <p:nvSpPr>
+            <p:cNvPr id="215" name="Rectangle"/>
+            <p:cNvSpPr/>
+            <p:nvPr/>
+          </p:nvSpPr>
+          <p:spPr>
+            <a:xfrm>
+              <a:off x="-1" y="-1"/>
+              <a:ext cx="2904135" cy="1381128"/>
+            </a:xfrm>
+            <a:prstGeom prst="rect">
+              <a:avLst/>
+            </a:prstGeom>
+            <a:solidFill>
+              <a:schemeClr val="accent1"/>
+            </a:solidFill>
+            <a:ln w="12700" cap="flat">
+              <a:noFill/>
+              <a:miter lim="400000"/>
+            </a:ln>
+            <a:effectLst/>
+          </p:spPr>
+          <p:txBody>
+            <a:bodyPr wrap="square" lIns="50800" tIns="50800" rIns="50800" bIns="50800" numCol="1" anchor="ctr">
+              <a:noAutofit/>
+            </a:bodyPr>
+            <a:lstStyle/>
+            <a:p>
+              <a:pPr>
+                <a:defRPr sz="2200">
+                  <a:solidFill>
+                    <a:srgbClr val="FFFFFF"/>
+                  </a:solidFill>
+                </a:defRPr>
+              </a:pPr>
+            </a:p>
+          </p:txBody>
+        </p:sp>
+        <p:sp>
+          <p:nvSpPr>
+            <p:cNvPr id="216" name="WebServer2"/>
+            <p:cNvSpPr txBox="1"/>
+            <p:nvPr/>
+          </p:nvSpPr>
+          <p:spPr>
+            <a:xfrm>
+              <a:off x="-1" y="472365"/>
+              <a:ext cx="2904135" cy="436396"/>
+            </a:xfrm>
+            <a:prstGeom prst="rect">
+              <a:avLst/>
+            </a:prstGeom>
+            <a:noFill/>
+            <a:ln w="12700" cap="flat">
+              <a:noFill/>
+              <a:miter lim="400000"/>
+            </a:ln>
+            <a:effectLst/>
+            <a:extLst>
+              <a:ext uri="{C572A759-6A51-4108-AA02-DFA0A04FC94B}">
+                <ma14:wrappingTextBoxFlag xmlns:ma14="http://schemas.microsoft.com/office/mac/drawingml/2011/main" val="1"/>
+              </a:ext>
+            </a:extLst>
+          </p:spPr>
+          <p:txBody>
+            <a:bodyPr wrap="square" lIns="50800" tIns="50800" rIns="50800" bIns="50800" numCol="1" anchor="ctr">
+              <a:spAutoFit/>
+            </a:bodyPr>
+            <a:lstStyle>
+              <a:lvl1pPr>
+                <a:defRPr sz="2200">
+                  <a:solidFill>
+                    <a:srgbClr val="FFFFFF"/>
+                  </a:solidFill>
+                </a:defRPr>
+              </a:lvl1pPr>
+            </a:lstStyle>
+            <a:p>
+              <a:pPr/>
+              <a:r>
+                <a:t>WebServer2</a:t>
+              </a:r>
+            </a:p>
+          </p:txBody>
+        </p:sp>
+      </p:grpSp>
       <p:sp>
         <p:nvSpPr>
-          <p:cNvPr id="209" name="Nginx (load balancer)"/>
-          <p:cNvSpPr/>
-          <p:nvPr/>
-        </p:nvSpPr>
-        <p:spPr>
-          <a:xfrm>
-            <a:off x="5215433" y="5048250"/>
-            <a:ext cx="2904134" cy="1675508"/>
-          </a:xfrm>
-          <a:prstGeom prst="rect">
-            <a:avLst/>
-          </a:prstGeom>
-          <a:solidFill>
-            <a:schemeClr val="accent1"/>
-          </a:solidFill>
-          <a:ln w="12700">
-            <a:miter lim="400000"/>
-          </a:ln>
-          <a:extLst>
-            <a:ext uri="{C572A759-6A51-4108-AA02-DFA0A04FC94B}">
-              <ma14:wrappingTextBoxFlag xmlns:ma14="http://schemas.microsoft.com/office/mac/drawingml/2011/main" val="1"/>
-            </a:ext>
-          </a:extLst>
-        </p:spPr>
-        <p:txBody>
-          <a:bodyPr lIns="50800" tIns="50800" rIns="50800" bIns="50800" anchor="ctr"/>
-          <a:lstStyle>
-            <a:lvl1pPr>
-              <a:defRPr b="0" sz="2200">
-                <a:solidFill>
-                  <a:srgbClr val="FFFFFF"/>
-                </a:solidFill>
-                <a:latin typeface="+mn-lt"/>
-                <a:ea typeface="+mn-ea"/>
-                <a:cs typeface="+mn-cs"/>
-                <a:sym typeface="Helvetica Neue Medium"/>
-              </a:defRPr>
-            </a:lvl1pPr>
-          </a:lstStyle>
-          <a:p>
-            <a:pPr/>
-            <a:r>
-              <a:t>Nginx (load balancer)</a:t>
-            </a:r>
-          </a:p>
-        </p:txBody>
-      </p:sp>
-      <p:sp>
-        <p:nvSpPr>
-          <p:cNvPr id="210" name="WebServer1"/>
-          <p:cNvSpPr/>
-          <p:nvPr/>
-        </p:nvSpPr>
-        <p:spPr>
-          <a:xfrm>
-            <a:off x="2387848" y="8224936"/>
-            <a:ext cx="2904133" cy="1381126"/>
-          </a:xfrm>
-          <a:prstGeom prst="rect">
-            <a:avLst/>
-          </a:prstGeom>
-          <a:solidFill>
-            <a:schemeClr val="accent1"/>
-          </a:solidFill>
-          <a:ln w="12700">
-            <a:miter lim="400000"/>
-          </a:ln>
-          <a:extLst>
-            <a:ext uri="{C572A759-6A51-4108-AA02-DFA0A04FC94B}">
-              <ma14:wrappingTextBoxFlag xmlns:ma14="http://schemas.microsoft.com/office/mac/drawingml/2011/main" val="1"/>
-            </a:ext>
-          </a:extLst>
-        </p:spPr>
-        <p:txBody>
-          <a:bodyPr lIns="50800" tIns="50800" rIns="50800" bIns="50800" anchor="ctr"/>
-          <a:lstStyle>
-            <a:lvl1pPr>
-              <a:defRPr b="0" sz="2200">
-                <a:solidFill>
-                  <a:srgbClr val="FFFFFF"/>
-                </a:solidFill>
-                <a:latin typeface="+mn-lt"/>
-                <a:ea typeface="+mn-ea"/>
-                <a:cs typeface="+mn-cs"/>
-                <a:sym typeface="Helvetica Neue Medium"/>
-              </a:defRPr>
-            </a:lvl1pPr>
-          </a:lstStyle>
-          <a:p>
-            <a:pPr/>
-            <a:r>
-              <a:t>WebServer1</a:t>
-            </a:r>
-          </a:p>
-        </p:txBody>
-      </p:sp>
-      <p:sp>
-        <p:nvSpPr>
-          <p:cNvPr id="211" name="WebServer2"/>
-          <p:cNvSpPr/>
-          <p:nvPr/>
-        </p:nvSpPr>
-        <p:spPr>
-          <a:xfrm>
-            <a:off x="7634089" y="8224936"/>
-            <a:ext cx="2904133" cy="1381126"/>
-          </a:xfrm>
-          <a:prstGeom prst="rect">
-            <a:avLst/>
-          </a:prstGeom>
-          <a:solidFill>
-            <a:schemeClr val="accent1"/>
-          </a:solidFill>
-          <a:ln w="12700">
-            <a:miter lim="400000"/>
-          </a:ln>
-          <a:extLst>
-            <a:ext uri="{C572A759-6A51-4108-AA02-DFA0A04FC94B}">
-              <ma14:wrappingTextBoxFlag xmlns:ma14="http://schemas.microsoft.com/office/mac/drawingml/2011/main" val="1"/>
-            </a:ext>
-          </a:extLst>
-        </p:spPr>
-        <p:txBody>
-          <a:bodyPr lIns="50800" tIns="50800" rIns="50800" bIns="50800" anchor="ctr"/>
-          <a:lstStyle>
-            <a:lvl1pPr>
-              <a:defRPr b="0" sz="2200">
-                <a:solidFill>
-                  <a:srgbClr val="FFFFFF"/>
-                </a:solidFill>
-                <a:latin typeface="+mn-lt"/>
-                <a:ea typeface="+mn-ea"/>
-                <a:cs typeface="+mn-cs"/>
-                <a:sym typeface="Helvetica Neue Medium"/>
-              </a:defRPr>
-            </a:lvl1pPr>
-          </a:lstStyle>
-          <a:p>
-            <a:pPr/>
-            <a:r>
-              <a:t>WebServer2</a:t>
-            </a:r>
-          </a:p>
-        </p:txBody>
-      </p:sp>
-      <p:sp>
-        <p:nvSpPr>
-          <p:cNvPr id="212" name="Line"/>
-          <p:cNvSpPr/>
-          <p:nvPr/>
-        </p:nvSpPr>
-        <p:spPr>
-          <a:xfrm flipV="1">
-            <a:off x="4165599" y="6839346"/>
-            <a:ext cx="1270001" cy="1270001"/>
-          </a:xfrm>
-          <a:prstGeom prst="line">
-            <a:avLst/>
-          </a:prstGeom>
-          <a:ln w="12700">
-            <a:miter lim="400000"/>
-            <a:headEnd type="triangle"/>
-            <a:tailEnd type="triangle"/>
-          </a:ln>
-        </p:spPr>
-        <p:txBody>
-          <a:bodyPr lIns="50800" tIns="50800" rIns="50800" bIns="50800" anchor="ctr"/>
-          <a:lstStyle/>
-          <a:p>
-            <a:pPr>
-              <a:defRPr b="0" sz="2200">
-                <a:solidFill>
-                  <a:srgbClr val="FFFFFF"/>
-                </a:solidFill>
-                <a:latin typeface="+mn-lt"/>
-                <a:ea typeface="+mn-ea"/>
-                <a:cs typeface="+mn-cs"/>
-                <a:sym typeface="Helvetica Neue Medium"/>
-              </a:defRPr>
-            </a:pPr>
-          </a:p>
-        </p:txBody>
-      </p:sp>
-      <p:sp>
-        <p:nvSpPr>
-          <p:cNvPr id="213" name="Line"/>
-          <p:cNvSpPr/>
-          <p:nvPr/>
-        </p:nvSpPr>
-        <p:spPr>
-          <a:xfrm flipH="1" flipV="1">
-            <a:off x="7873999" y="6775846"/>
-            <a:ext cx="972891" cy="1397001"/>
-          </a:xfrm>
-          <a:prstGeom prst="line">
-            <a:avLst/>
-          </a:prstGeom>
-          <a:ln w="12700">
-            <a:miter lim="400000"/>
-            <a:headEnd type="triangle"/>
-            <a:tailEnd type="triangle"/>
-          </a:ln>
-        </p:spPr>
-        <p:txBody>
-          <a:bodyPr lIns="50800" tIns="50800" rIns="50800" bIns="50800" anchor="ctr"/>
-          <a:lstStyle/>
-          <a:p>
-            <a:pPr>
-              <a:defRPr b="0" sz="2200">
-                <a:solidFill>
-                  <a:srgbClr val="FFFFFF"/>
-                </a:solidFill>
-                <a:latin typeface="+mn-lt"/>
-                <a:ea typeface="+mn-ea"/>
-                <a:cs typeface="+mn-cs"/>
-                <a:sym typeface="Helvetica Neue Medium"/>
-              </a:defRPr>
-            </a:pPr>
-          </a:p>
-        </p:txBody>
-      </p:sp>
-      <p:sp>
-        <p:nvSpPr>
-          <p:cNvPr id="214" name="Line"/>
+          <p:cNvPr id="218" name="Line"/>
           <p:cNvSpPr/>
           <p:nvPr/>
         </p:nvSpPr>
@@ -4850,33 +5034,23 @@
           </a:ln>
         </p:spPr>
         <p:txBody>
-          <a:bodyPr lIns="50800" tIns="50800" rIns="50800" bIns="50800" anchor="ctr"/>
+          <a:bodyPr lIns="45718" tIns="45718" rIns="45718" bIns="45718"/>
           <a:lstStyle/>
           <a:p>
-            <a:pPr>
-              <a:defRPr b="0" sz="2200">
-                <a:solidFill>
-                  <a:srgbClr val="FFFFFF"/>
-                </a:solidFill>
-                <a:latin typeface="+mn-lt"/>
-                <a:ea typeface="+mn-ea"/>
-                <a:cs typeface="+mn-cs"/>
-                <a:sym typeface="Helvetica Neue Medium"/>
-              </a:defRPr>
-            </a:pPr>
+            <a:pPr/>
           </a:p>
         </p:txBody>
       </p:sp>
       <p:sp>
         <p:nvSpPr>
-          <p:cNvPr id="215" name="Line"/>
+          <p:cNvPr id="219" name="Line"/>
           <p:cNvSpPr/>
           <p:nvPr/>
         </p:nvSpPr>
         <p:spPr>
           <a:xfrm flipV="1">
-            <a:off x="6781800" y="2707308"/>
-            <a:ext cx="0" cy="1675508"/>
+            <a:off x="6781800" y="2707307"/>
+            <a:ext cx="1" cy="1675509"/>
           </a:xfrm>
           <a:prstGeom prst="line">
             <a:avLst/>
@@ -4891,83 +5065,37 @@
           </a:ln>
         </p:spPr>
         <p:txBody>
-          <a:bodyPr lIns="50800" tIns="50800" rIns="50800" bIns="50800" anchor="ctr"/>
+          <a:bodyPr lIns="45718" tIns="45718" rIns="45718" bIns="45718"/>
           <a:lstStyle/>
           <a:p>
-            <a:pPr>
-              <a:defRPr b="0" sz="2200">
-                <a:solidFill>
-                  <a:srgbClr val="FFFFFF"/>
-                </a:solidFill>
-                <a:latin typeface="+mn-lt"/>
-                <a:ea typeface="+mn-ea"/>
-                <a:cs typeface="+mn-cs"/>
-                <a:sym typeface="Helvetica Neue Medium"/>
-              </a:defRPr>
-            </a:pPr>
-          </a:p>
-        </p:txBody>
-      </p:sp>
-      <p:sp>
-        <p:nvSpPr>
-          <p:cNvPr id="216" name="NAT"/>
-          <p:cNvSpPr txBox="1"/>
-          <p:nvPr/>
-        </p:nvSpPr>
-        <p:spPr>
-          <a:xfrm>
-            <a:off x="5729731" y="3042994"/>
-            <a:ext cx="707137" cy="461060"/>
-          </a:xfrm>
-          <a:prstGeom prst="rect">
-            <a:avLst/>
-          </a:prstGeom>
-          <a:ln w="12700">
-            <a:miter lim="400000"/>
-          </a:ln>
-          <a:extLst>
-            <a:ext uri="{C572A759-6A51-4108-AA02-DFA0A04FC94B}">
-              <ma14:wrappingTextBoxFlag xmlns:ma14="http://schemas.microsoft.com/office/mac/drawingml/2011/main" val="1"/>
-            </a:ext>
-          </a:extLst>
-        </p:spPr>
-        <p:txBody>
-          <a:bodyPr wrap="none" lIns="50800" tIns="50800" rIns="50800" bIns="50800" anchor="ctr">
-            <a:spAutoFit/>
-          </a:bodyPr>
-          <a:lstStyle/>
-          <a:p>
             <a:pPr/>
-            <a:r>
-              <a:t>NAT</a:t>
-            </a:r>
           </a:p>
         </p:txBody>
       </p:sp>
       <p:grpSp>
         <p:nvGrpSpPr>
-          <p:cNvPr id="219" name="Border of created my network"/>
+          <p:cNvPr id="222" name="NAT"/>
           <p:cNvGrpSpPr/>
           <p:nvPr/>
         </p:nvGrpSpPr>
         <p:grpSpPr>
           <a:xfrm>
-            <a:off x="7977682" y="4214470"/>
-            <a:ext cx="4923436" cy="1045260"/>
+            <a:off x="5501131" y="2890594"/>
+            <a:ext cx="1164337" cy="1045260"/>
             <a:chOff x="0" y="0"/>
-            <a:chExt cx="4923434" cy="1045258"/>
+            <a:chExt cx="1164336" cy="1045258"/>
           </a:xfrm>
         </p:grpSpPr>
         <p:sp>
           <p:nvSpPr>
-            <p:cNvPr id="218" name="Border of created my network"/>
+            <p:cNvPr id="221" name="NAT"/>
             <p:cNvSpPr txBox="1"/>
             <p:nvPr/>
           </p:nvSpPr>
           <p:spPr>
             <a:xfrm>
-              <a:off x="215900" y="139700"/>
-              <a:ext cx="4491635" cy="486459"/>
+              <a:off x="215899" y="139700"/>
+              <a:ext cx="732538" cy="486459"/>
             </a:xfrm>
             <a:prstGeom prst="rect">
               <a:avLst/>
@@ -4987,18 +5115,27 @@
             <a:bodyPr wrap="none" lIns="50800" tIns="50800" rIns="50800" bIns="50800" numCol="1" anchor="ctr">
               <a:spAutoFit/>
             </a:bodyPr>
-            <a:lstStyle/>
+            <a:lstStyle>
+              <a:lvl1pPr>
+                <a:defRPr b="1">
+                  <a:latin typeface="+mn-lt"/>
+                  <a:ea typeface="+mn-ea"/>
+                  <a:cs typeface="+mn-cs"/>
+                  <a:sym typeface="Helvetica Neue"/>
+                </a:defRPr>
+              </a:lvl1pPr>
+            </a:lstStyle>
             <a:p>
               <a:pPr/>
               <a:r>
-                <a:t>Border of created my network</a:t>
+                <a:t>NAT</a:t>
               </a:r>
             </a:p>
           </p:txBody>
         </p:sp>
         <p:pic>
           <p:nvPicPr>
-            <p:cNvPr id="217" name="Border of created my network" descr="Border of created my network"/>
+            <p:cNvPr id="220" name="NAT" descr="NAT"/>
             <p:cNvPicPr>
               <a:picLocks noChangeAspect="0"/>
             </p:cNvPicPr>
@@ -5014,8 +5151,8 @@
           </p:blipFill>
           <p:spPr>
             <a:xfrm>
-              <a:off x="0" y="0"/>
-              <a:ext cx="4923435" cy="1045259"/>
+              <a:off x="-1" y="-1"/>
+              <a:ext cx="1164337" cy="1045260"/>
             </a:xfrm>
             <a:prstGeom prst="rect">
               <a:avLst/>
@@ -5024,6 +5161,162 @@
           </p:spPr>
         </p:pic>
       </p:grpSp>
+      <p:grpSp>
+        <p:nvGrpSpPr>
+          <p:cNvPr id="225" name="Border of created my network"/>
+          <p:cNvGrpSpPr/>
+          <p:nvPr/>
+        </p:nvGrpSpPr>
+        <p:grpSpPr>
+          <a:xfrm>
+            <a:off x="7977681" y="4214469"/>
+            <a:ext cx="4923439" cy="1045262"/>
+            <a:chOff x="0" y="0"/>
+            <a:chExt cx="4923437" cy="1045261"/>
+          </a:xfrm>
+        </p:grpSpPr>
+        <p:sp>
+          <p:nvSpPr>
+            <p:cNvPr id="223" name="Border of created my network"/>
+            <p:cNvSpPr txBox="1"/>
+            <p:nvPr/>
+          </p:nvSpPr>
+          <p:spPr>
+            <a:xfrm>
+              <a:off x="228600" y="152400"/>
+              <a:ext cx="4466236" cy="461060"/>
+            </a:xfrm>
+            <a:prstGeom prst="rect">
+              <a:avLst/>
+            </a:prstGeom>
+            <a:noFill/>
+            <a:ln w="12700" cap="flat">
+              <a:noFill/>
+              <a:miter lim="400000"/>
+            </a:ln>
+            <a:effectLst/>
+            <a:extLst>
+              <a:ext uri="{C572A759-6A51-4108-AA02-DFA0A04FC94B}">
+                <ma14:wrappingTextBoxFlag xmlns:ma14="http://schemas.microsoft.com/office/mac/drawingml/2011/main" val="1"/>
+              </a:ext>
+            </a:extLst>
+          </p:spPr>
+          <p:txBody>
+            <a:bodyPr wrap="none" lIns="50800" tIns="50800" rIns="50800" bIns="50800" numCol="1" anchor="ctr">
+              <a:spAutoFit/>
+            </a:bodyPr>
+            <a:lstStyle>
+              <a:lvl1pPr>
+                <a:defRPr b="1">
+                  <a:latin typeface="+mn-lt"/>
+                  <a:ea typeface="+mn-ea"/>
+                  <a:cs typeface="+mn-cs"/>
+                  <a:sym typeface="Helvetica Neue"/>
+                </a:defRPr>
+              </a:lvl1pPr>
+            </a:lstStyle>
+            <a:p>
+              <a:pPr/>
+              <a:r>
+                <a:t>Border of created my network</a:t>
+              </a:r>
+            </a:p>
+          </p:txBody>
+        </p:sp>
+        <p:pic>
+          <p:nvPicPr>
+            <p:cNvPr id="224" name="Border of created my network" descr="Border of created my network"/>
+            <p:cNvPicPr>
+              <a:picLocks noChangeAspect="1"/>
+            </p:cNvPicPr>
+            <p:nvPr/>
+          </p:nvPicPr>
+          <p:blipFill>
+            <a:blip r:embed="rId3">
+              <a:extLst/>
+            </a:blip>
+            <a:stretch>
+              <a:fillRect/>
+            </a:stretch>
+          </p:blipFill>
+          <p:spPr>
+            <a:xfrm>
+              <a:off x="-1" y="0"/>
+              <a:ext cx="4923438" cy="1045262"/>
+            </a:xfrm>
+            <a:prstGeom prst="rect">
+              <a:avLst/>
+            </a:prstGeom>
+            <a:ln w="12700" cap="flat">
+              <a:noFill/>
+              <a:miter lim="400000"/>
+            </a:ln>
+            <a:effectLst/>
+          </p:spPr>
+        </p:pic>
+      </p:grpSp>
+      <p:sp>
+        <p:nvSpPr>
+          <p:cNvPr id="226" name="Line"/>
+          <p:cNvSpPr/>
+          <p:nvPr/>
+        </p:nvSpPr>
+        <p:spPr>
+          <a:xfrm flipV="1">
+            <a:off x="4559300" y="6612905"/>
+            <a:ext cx="791072" cy="1884711"/>
+          </a:xfrm>
+          <a:prstGeom prst="line">
+            <a:avLst/>
+          </a:prstGeom>
+          <a:ln w="25400">
+            <a:solidFill>
+              <a:srgbClr val="000000"/>
+            </a:solidFill>
+            <a:miter lim="400000"/>
+            <a:headEnd type="triangle"/>
+            <a:tailEnd type="triangle"/>
+          </a:ln>
+        </p:spPr>
+        <p:txBody>
+          <a:bodyPr lIns="45718" tIns="45718" rIns="45718" bIns="45718"/>
+          <a:lstStyle/>
+          <a:p>
+            <a:pPr/>
+          </a:p>
+        </p:txBody>
+      </p:sp>
+      <p:sp>
+        <p:nvSpPr>
+          <p:cNvPr id="227" name="Line"/>
+          <p:cNvSpPr/>
+          <p:nvPr/>
+        </p:nvSpPr>
+        <p:spPr>
+          <a:xfrm flipH="1" flipV="1">
+            <a:off x="7905700" y="6717506"/>
+            <a:ext cx="920801" cy="1675509"/>
+          </a:xfrm>
+          <a:prstGeom prst="line">
+            <a:avLst/>
+          </a:prstGeom>
+          <a:ln w="25400">
+            <a:solidFill>
+              <a:srgbClr val="000000"/>
+            </a:solidFill>
+            <a:miter lim="400000"/>
+            <a:headEnd type="triangle"/>
+            <a:tailEnd type="triangle"/>
+          </a:ln>
+        </p:spPr>
+        <p:txBody>
+          <a:bodyPr lIns="45718" tIns="45718" rIns="45718" bIns="45718"/>
+          <a:lstStyle/>
+          <a:p>
+            <a:pPr/>
+          </a:p>
+        </p:txBody>
+      </p:sp>
     </p:spTree>
   </p:cSld>
   <p:clrMapOvr>
@@ -5052,7 +5345,7 @@
       </p:grpSpPr>
       <p:sp>
         <p:nvSpPr>
-          <p:cNvPr id="221" name="WebServer Code"/>
+          <p:cNvPr id="229" name="WebServer Code"/>
           <p:cNvSpPr txBox="1"/>
           <p:nvPr>
             <p:ph type="title"/>
@@ -5076,7 +5369,7 @@
       </p:sp>
       <p:grpSp>
         <p:nvGrpSpPr>
-          <p:cNvPr id="224" name="Image"/>
+          <p:cNvPr id="232" name="Image"/>
           <p:cNvGrpSpPr/>
           <p:nvPr/>
         </p:nvGrpSpPr>
@@ -5090,7 +5383,7 @@
         </p:grpSpPr>
         <p:pic>
           <p:nvPicPr>
-            <p:cNvPr id="223" name="Image" descr="Image"/>
+            <p:cNvPr id="230" name="Image" descr="Image"/>
             <p:cNvPicPr>
               <a:picLocks noChangeAspect="1"/>
             </p:cNvPicPr>
@@ -5112,17 +5405,18 @@
             <a:prstGeom prst="rect">
               <a:avLst/>
             </a:prstGeom>
-            <a:ln>
-              <a:noFill/>
+            <a:ln w="12700" cap="flat">
+              <a:noFill/>
+              <a:miter lim="400000"/>
             </a:ln>
             <a:effectLst/>
           </p:spPr>
         </p:pic>
         <p:pic>
           <p:nvPicPr>
-            <p:cNvPr id="222" name="Image" descr="Image"/>
+            <p:cNvPr id="231" name="Image" descr="Image"/>
             <p:cNvPicPr>
-              <a:picLocks noChangeAspect="0"/>
+              <a:picLocks noChangeAspect="1"/>
             </p:cNvPicPr>
             <p:nvPr/>
           </p:nvPicPr>
@@ -5142,6 +5436,10 @@
             <a:prstGeom prst="rect">
               <a:avLst/>
             </a:prstGeom>
+            <a:ln w="12700" cap="flat">
+              <a:noFill/>
+              <a:miter lim="400000"/>
+            </a:ln>
             <a:effectLst/>
           </p:spPr>
         </p:pic>
@@ -5174,7 +5472,7 @@
       </p:grpSpPr>
       <p:sp>
         <p:nvSpPr>
-          <p:cNvPr id="226" name="Nginx"/>
+          <p:cNvPr id="234" name="Nginx"/>
           <p:cNvSpPr txBox="1"/>
           <p:nvPr>
             <p:ph type="title"/>
@@ -5198,7 +5496,7 @@
       </p:sp>
       <p:sp>
         <p:nvSpPr>
-          <p:cNvPr id="227" name="Will be a container like our webservers…"/>
+          <p:cNvPr id="235" name="Will be a container like our webservers…"/>
           <p:cNvSpPr txBox="1"/>
           <p:nvPr>
             <p:ph type="body" idx="1"/>
@@ -5208,9 +5506,6 @@
           <a:prstGeom prst="rect">
             <a:avLst/>
           </a:prstGeom>
-          <a:ln w="9525">
-            <a:round/>
-          </a:ln>
         </p:spPr>
         <p:txBody>
           <a:bodyPr/>
@@ -5224,7 +5519,7 @@
               <a:buBlip>
                 <a:blip r:embed="rId2"/>
               </a:buBlip>
-              <a:defRPr sz="2976"/>
+              <a:defRPr sz="2900"/>
             </a:pPr>
           </a:p>
           <a:p>
@@ -5236,7 +5531,7 @@
               <a:buBlip>
                 <a:blip r:embed="rId2"/>
               </a:buBlip>
-              <a:defRPr sz="2976"/>
+              <a:defRPr sz="2900"/>
             </a:pPr>
             <a:r>
               <a:t>Will be a container like our webservers</a:t>
@@ -5251,7 +5546,7 @@
               <a:buBlip>
                 <a:blip r:embed="rId2"/>
               </a:buBlip>
-              <a:defRPr sz="2976"/>
+              <a:defRPr sz="2900"/>
             </a:pPr>
             <a:r>
               <a:t>Acts as a load balancer (reverse proxy)</a:t>
@@ -5266,7 +5561,7 @@
               <a:buBlip>
                 <a:blip r:embed="rId2"/>
               </a:buBlip>
-              <a:defRPr sz="2976"/>
+              <a:defRPr sz="2900"/>
             </a:pPr>
             <a:r>
               <a:t>Will shift requests between our two web servers</a:t>
@@ -5279,7 +5574,7 @@
               </a:spcBef>
               <a:buSzTx/>
               <a:buNone/>
-              <a:defRPr sz="2139">
+              <a:defRPr sz="2100">
                 <a:latin typeface="Andale Mono"/>
                 <a:ea typeface="Andale Mono"/>
                 <a:cs typeface="Andale Mono"/>
@@ -5297,7 +5592,7 @@
               </a:spcBef>
               <a:buSzTx/>
               <a:buNone/>
-              <a:defRPr sz="2139">
+              <a:defRPr sz="2100">
                 <a:latin typeface="Andale Mono"/>
                 <a:ea typeface="Andale Mono"/>
                 <a:cs typeface="Andale Mono"/>
@@ -5338,7 +5633,7 @@
       </p:grpSpPr>
       <p:sp>
         <p:nvSpPr>
-          <p:cNvPr id="229" name="Directory for Nginx Resources"/>
+          <p:cNvPr id="237" name="Directory for Nginx Resources"/>
           <p:cNvSpPr txBox="1"/>
           <p:nvPr>
             <p:ph type="title"/>
@@ -5353,7 +5648,7 @@
           <a:bodyPr/>
           <a:lstStyle>
             <a:lvl1pPr defTabSz="484886">
-              <a:defRPr sz="6640"/>
+              <a:defRPr sz="6600"/>
             </a:lvl1pPr>
           </a:lstStyle>
           <a:p>
@@ -5366,7 +5661,7 @@
       </p:sp>
       <p:grpSp>
         <p:nvGrpSpPr>
-          <p:cNvPr id="232" name="Image"/>
+          <p:cNvPr id="240" name="Image"/>
           <p:cNvGrpSpPr/>
           <p:nvPr/>
         </p:nvGrpSpPr>
@@ -5380,7 +5675,7 @@
         </p:grpSpPr>
         <p:pic>
           <p:nvPicPr>
-            <p:cNvPr id="231" name="Image" descr="Image"/>
+            <p:cNvPr id="238" name="Image" descr="Image"/>
             <p:cNvPicPr>
               <a:picLocks noChangeAspect="1"/>
             </p:cNvPicPr>
@@ -5402,17 +5697,18 @@
             <a:prstGeom prst="rect">
               <a:avLst/>
             </a:prstGeom>
-            <a:ln>
-              <a:noFill/>
+            <a:ln w="12700" cap="flat">
+              <a:noFill/>
+              <a:miter lim="400000"/>
             </a:ln>
             <a:effectLst/>
           </p:spPr>
         </p:pic>
         <p:pic>
           <p:nvPicPr>
-            <p:cNvPr id="230" name="Image" descr="Image"/>
+            <p:cNvPr id="239" name="Image" descr="Image"/>
             <p:cNvPicPr>
-              <a:picLocks noChangeAspect="0"/>
+              <a:picLocks noChangeAspect="1"/>
             </p:cNvPicPr>
             <p:nvPr/>
           </p:nvPicPr>
@@ -5432,6 +5728,10 @@
             <a:prstGeom prst="rect">
               <a:avLst/>
             </a:prstGeom>
+            <a:ln w="12700" cap="flat">
+              <a:noFill/>
+              <a:miter lim="400000"/>
+            </a:ln>
             <a:effectLst/>
           </p:spPr>
         </p:pic>
@@ -5464,7 +5764,7 @@
       </p:grpSpPr>
       <p:sp>
         <p:nvSpPr>
-          <p:cNvPr id="234" name="Nginx Config"/>
+          <p:cNvPr id="242" name="Nginx Config"/>
           <p:cNvSpPr txBox="1"/>
           <p:nvPr>
             <p:ph type="title"/>
@@ -5488,7 +5788,7 @@
       </p:sp>
       <p:grpSp>
         <p:nvGrpSpPr>
-          <p:cNvPr id="237" name="Image"/>
+          <p:cNvPr id="245" name="Image"/>
           <p:cNvGrpSpPr/>
           <p:nvPr/>
         </p:nvGrpSpPr>
@@ -5502,7 +5802,7 @@
         </p:grpSpPr>
         <p:pic>
           <p:nvPicPr>
-            <p:cNvPr id="236" name="Image" descr="Image"/>
+            <p:cNvPr id="243" name="Image" descr="Image"/>
             <p:cNvPicPr>
               <a:picLocks noChangeAspect="1"/>
             </p:cNvPicPr>
@@ -5524,17 +5824,18 @@
             <a:prstGeom prst="rect">
               <a:avLst/>
             </a:prstGeom>
-            <a:ln>
-              <a:noFill/>
+            <a:ln w="12700" cap="flat">
+              <a:noFill/>
+              <a:miter lim="400000"/>
             </a:ln>
             <a:effectLst/>
           </p:spPr>
         </p:pic>
         <p:pic>
           <p:nvPicPr>
-            <p:cNvPr id="235" name="Image" descr="Image"/>
+            <p:cNvPr id="244" name="Image" descr="Image"/>
             <p:cNvPicPr>
-              <a:picLocks noChangeAspect="0"/>
+              <a:picLocks noChangeAspect="1"/>
             </p:cNvPicPr>
             <p:nvPr/>
           </p:nvPicPr>
@@ -5554,6 +5855,10 @@
             <a:prstGeom prst="rect">
               <a:avLst/>
             </a:prstGeom>
+            <a:ln w="12700" cap="flat">
+              <a:noFill/>
+              <a:miter lim="400000"/>
+            </a:ln>
             <a:effectLst/>
           </p:spPr>
         </p:pic>
@@ -5586,7 +5891,7 @@
       </p:grpSpPr>
       <p:sp>
         <p:nvSpPr>
-          <p:cNvPr id="239" name="Docker Compose File"/>
+          <p:cNvPr id="247" name="Docker Compose File"/>
           <p:cNvSpPr txBox="1"/>
           <p:nvPr>
             <p:ph type="title"/>
@@ -5610,7 +5915,7 @@
       </p:sp>
       <p:grpSp>
         <p:nvGrpSpPr>
-          <p:cNvPr id="242" name="Image"/>
+          <p:cNvPr id="250" name="Image"/>
           <p:cNvGrpSpPr/>
           <p:nvPr/>
         </p:nvGrpSpPr>
@@ -5624,7 +5929,7 @@
         </p:grpSpPr>
         <p:pic>
           <p:nvPicPr>
-            <p:cNvPr id="241" name="Image" descr="Image"/>
+            <p:cNvPr id="248" name="Image" descr="Image"/>
             <p:cNvPicPr>
               <a:picLocks noChangeAspect="1"/>
             </p:cNvPicPr>
@@ -5646,17 +5951,18 @@
             <a:prstGeom prst="rect">
               <a:avLst/>
             </a:prstGeom>
-            <a:ln>
-              <a:noFill/>
+            <a:ln w="12700" cap="flat">
+              <a:noFill/>
+              <a:miter lim="400000"/>
             </a:ln>
             <a:effectLst/>
           </p:spPr>
         </p:pic>
         <p:pic>
           <p:nvPicPr>
-            <p:cNvPr id="240" name="Image" descr="Image"/>
+            <p:cNvPr id="249" name="Image" descr="Image"/>
             <p:cNvPicPr>
-              <a:picLocks noChangeAspect="0"/>
+              <a:picLocks noChangeAspect="1"/>
             </p:cNvPicPr>
             <p:nvPr/>
           </p:nvPicPr>
@@ -5676,6 +5982,10 @@
             <a:prstGeom prst="rect">
               <a:avLst/>
             </a:prstGeom>
+            <a:ln w="12700" cap="flat">
+              <a:noFill/>
+              <a:miter lim="400000"/>
+            </a:ln>
             <a:effectLst/>
           </p:spPr>
         </p:pic>
@@ -5708,7 +6018,7 @@
       </p:grpSpPr>
       <p:sp>
         <p:nvSpPr>
-          <p:cNvPr id="244" name="Created Network"/>
+          <p:cNvPr id="252" name="Created Network"/>
           <p:cNvSpPr txBox="1"/>
           <p:nvPr>
             <p:ph type="title"/>
@@ -5732,7 +6042,7 @@
       </p:sp>
       <p:grpSp>
         <p:nvGrpSpPr>
-          <p:cNvPr id="247" name="Image"/>
+          <p:cNvPr id="255" name="Image"/>
           <p:cNvGrpSpPr/>
           <p:nvPr/>
         </p:nvGrpSpPr>
@@ -5746,7 +6056,7 @@
         </p:grpSpPr>
         <p:pic>
           <p:nvPicPr>
-            <p:cNvPr id="246" name="Image" descr="Image"/>
+            <p:cNvPr id="253" name="Image" descr="Image"/>
             <p:cNvPicPr>
               <a:picLocks noChangeAspect="1"/>
             </p:cNvPicPr>
@@ -5768,17 +6078,18 @@
             <a:prstGeom prst="rect">
               <a:avLst/>
             </a:prstGeom>
-            <a:ln>
-              <a:noFill/>
+            <a:ln w="12700" cap="flat">
+              <a:noFill/>
+              <a:miter lim="400000"/>
             </a:ln>
             <a:effectLst/>
           </p:spPr>
         </p:pic>
         <p:pic>
           <p:nvPicPr>
-            <p:cNvPr id="245" name="Image" descr="Image"/>
+            <p:cNvPr id="254" name="Image" descr="Image"/>
             <p:cNvPicPr>
-              <a:picLocks noChangeAspect="0"/>
+              <a:picLocks noChangeAspect="1"/>
             </p:cNvPicPr>
             <p:nvPr/>
           </p:nvPicPr>
@@ -5798,6 +6109,10 @@
             <a:prstGeom prst="rect">
               <a:avLst/>
             </a:prstGeom>
+            <a:ln w="12700" cap="flat">
+              <a:noFill/>
+              <a:miter lim="400000"/>
+            </a:ln>
             <a:effectLst/>
           </p:spPr>
         </p:pic>
@@ -5830,7 +6145,7 @@
       </p:grpSpPr>
       <p:sp>
         <p:nvSpPr>
-          <p:cNvPr id="249" name="The containers"/>
+          <p:cNvPr id="257" name="The containers"/>
           <p:cNvSpPr txBox="1"/>
           <p:nvPr>
             <p:ph type="title"/>
@@ -5854,21 +6169,21 @@
       </p:sp>
       <p:grpSp>
         <p:nvGrpSpPr>
-          <p:cNvPr id="252" name="Image"/>
+          <p:cNvPr id="260" name="Image"/>
           <p:cNvGrpSpPr/>
           <p:nvPr/>
         </p:nvGrpSpPr>
         <p:grpSpPr>
           <a:xfrm>
-            <a:off x="-38100" y="4395316"/>
-            <a:ext cx="13436600" cy="1458268"/>
+            <a:off x="-38100" y="4395315"/>
+            <a:ext cx="13436600" cy="1458270"/>
             <a:chOff x="0" y="0"/>
-            <a:chExt cx="13436600" cy="1458267"/>
+            <a:chExt cx="13436600" cy="1458268"/>
           </a:xfrm>
         </p:grpSpPr>
         <p:pic>
           <p:nvPicPr>
-            <p:cNvPr id="251" name="Image" descr="Image"/>
+            <p:cNvPr id="258" name="Image" descr="Image"/>
             <p:cNvPicPr>
               <a:picLocks noChangeAspect="1"/>
             </p:cNvPicPr>
@@ -5885,22 +6200,23 @@
           <p:spPr>
             <a:xfrm>
               <a:off x="215900" y="139700"/>
-              <a:ext cx="13004800" cy="899468"/>
+              <a:ext cx="13004800" cy="899469"/>
             </a:xfrm>
             <a:prstGeom prst="rect">
               <a:avLst/>
             </a:prstGeom>
-            <a:ln>
-              <a:noFill/>
+            <a:ln w="12700" cap="flat">
+              <a:noFill/>
+              <a:miter lim="400000"/>
             </a:ln>
             <a:effectLst/>
           </p:spPr>
         </p:pic>
         <p:pic>
           <p:nvPicPr>
-            <p:cNvPr id="250" name="Image" descr="Image"/>
+            <p:cNvPr id="259" name="Image" descr="Image"/>
             <p:cNvPicPr>
-              <a:picLocks noChangeAspect="0"/>
+              <a:picLocks noChangeAspect="1"/>
             </p:cNvPicPr>
             <p:nvPr/>
           </p:nvPicPr>
@@ -5915,11 +6231,15 @@
           <p:spPr>
             <a:xfrm>
               <a:off x="0" y="0"/>
-              <a:ext cx="13436600" cy="1458268"/>
+              <a:ext cx="13436600" cy="1458269"/>
             </a:xfrm>
             <a:prstGeom prst="rect">
               <a:avLst/>
             </a:prstGeom>
+            <a:ln w="12700" cap="flat">
+              <a:noFill/>
+              <a:miter lim="400000"/>
+            </a:ln>
             <a:effectLst/>
           </p:spPr>
         </p:pic>
@@ -5982,15 +6302,15 @@
         </p:nvGrpSpPr>
         <p:grpSpPr>
           <a:xfrm>
-            <a:off x="-215900" y="2886376"/>
-            <a:ext cx="13436600" cy="4425348"/>
+            <a:off x="-215900" y="2886375"/>
+            <a:ext cx="13436600" cy="4425351"/>
             <a:chOff x="0" y="0"/>
-            <a:chExt cx="13436600" cy="4425346"/>
+            <a:chExt cx="13436600" cy="4425349"/>
           </a:xfrm>
         </p:grpSpPr>
         <p:pic>
           <p:nvPicPr>
-            <p:cNvPr id="127" name="Image" descr="Image"/>
+            <p:cNvPr id="126" name="Image" descr="Image"/>
             <p:cNvPicPr>
               <a:picLocks noChangeAspect="1"/>
             </p:cNvPicPr>
@@ -6007,22 +6327,23 @@
           <p:spPr>
             <a:xfrm>
               <a:off x="215900" y="139700"/>
-              <a:ext cx="13004800" cy="3866547"/>
+              <a:ext cx="13004800" cy="3866549"/>
             </a:xfrm>
             <a:prstGeom prst="rect">
               <a:avLst/>
             </a:prstGeom>
-            <a:ln>
-              <a:noFill/>
+            <a:ln w="12700" cap="flat">
+              <a:noFill/>
+              <a:miter lim="400000"/>
             </a:ln>
             <a:effectLst/>
           </p:spPr>
         </p:pic>
         <p:pic>
           <p:nvPicPr>
-            <p:cNvPr id="126" name="Image" descr="Image"/>
+            <p:cNvPr id="127" name="Image" descr="Image"/>
             <p:cNvPicPr>
-              <a:picLocks noChangeAspect="0"/>
+              <a:picLocks noChangeAspect="1"/>
             </p:cNvPicPr>
             <p:nvPr/>
           </p:nvPicPr>
@@ -6036,12 +6357,16 @@
           </p:blipFill>
           <p:spPr>
             <a:xfrm>
-              <a:off x="0" y="0"/>
-              <a:ext cx="13436600" cy="4425347"/>
+              <a:off x="0" y="-1"/>
+              <a:ext cx="13436600" cy="4425351"/>
             </a:xfrm>
             <a:prstGeom prst="rect">
               <a:avLst/>
             </a:prstGeom>
+            <a:ln w="12700" cap="flat">
+              <a:noFill/>
+              <a:miter lim="400000"/>
+            </a:ln>
             <a:effectLst/>
           </p:spPr>
         </p:pic>
@@ -6074,7 +6399,7 @@
       </p:grpSpPr>
       <p:sp>
         <p:nvSpPr>
-          <p:cNvPr id="254" name="Mounted Volumes"/>
+          <p:cNvPr id="262" name="Mounted Volumes"/>
           <p:cNvSpPr txBox="1"/>
           <p:nvPr>
             <p:ph type="title"/>
@@ -6098,7 +6423,7 @@
       </p:sp>
       <p:grpSp>
         <p:nvGrpSpPr>
-          <p:cNvPr id="257" name="Image"/>
+          <p:cNvPr id="265" name="Image"/>
           <p:cNvGrpSpPr/>
           <p:nvPr/>
         </p:nvGrpSpPr>
@@ -6112,7 +6437,7 @@
         </p:grpSpPr>
         <p:pic>
           <p:nvPicPr>
-            <p:cNvPr id="256" name="Image" descr="Image"/>
+            <p:cNvPr id="263" name="Image" descr="Image"/>
             <p:cNvPicPr>
               <a:picLocks noChangeAspect="1"/>
             </p:cNvPicPr>
@@ -6134,17 +6459,18 @@
             <a:prstGeom prst="rect">
               <a:avLst/>
             </a:prstGeom>
-            <a:ln>
-              <a:noFill/>
+            <a:ln w="12700" cap="flat">
+              <a:noFill/>
+              <a:miter lim="400000"/>
             </a:ln>
             <a:effectLst/>
           </p:spPr>
         </p:pic>
         <p:pic>
           <p:nvPicPr>
-            <p:cNvPr id="255" name="Image" descr="Image"/>
+            <p:cNvPr id="264" name="Image" descr="Image"/>
             <p:cNvPicPr>
-              <a:picLocks noChangeAspect="0"/>
+              <a:picLocks noChangeAspect="1"/>
             </p:cNvPicPr>
             <p:nvPr/>
           </p:nvPicPr>
@@ -6164,6 +6490,10 @@
             <a:prstGeom prst="rect">
               <a:avLst/>
             </a:prstGeom>
+            <a:ln w="12700" cap="flat">
+              <a:noFill/>
+              <a:miter lim="400000"/>
+            </a:ln>
             <a:effectLst/>
           </p:spPr>
         </p:pic>
@@ -6196,7 +6526,7 @@
       </p:grpSpPr>
       <p:sp>
         <p:nvSpPr>
-          <p:cNvPr id="259" name="Alternation between WebServers"/>
+          <p:cNvPr id="267" name="Alternation between WebServers"/>
           <p:cNvSpPr txBox="1"/>
           <p:nvPr>
             <p:ph type="title"/>
@@ -6211,7 +6541,7 @@
           <a:bodyPr/>
           <a:lstStyle>
             <a:lvl1pPr defTabSz="484886">
-              <a:defRPr sz="6640"/>
+              <a:defRPr sz="6600"/>
             </a:lvl1pPr>
           </a:lstStyle>
           <a:p>
@@ -6224,7 +6554,7 @@
       </p:sp>
       <p:grpSp>
         <p:nvGrpSpPr>
-          <p:cNvPr id="262" name="Image"/>
+          <p:cNvPr id="270" name="Image"/>
           <p:cNvGrpSpPr/>
           <p:nvPr/>
         </p:nvGrpSpPr>
@@ -6238,7 +6568,7 @@
         </p:grpSpPr>
         <p:pic>
           <p:nvPicPr>
-            <p:cNvPr id="261" name="Image" descr="Image"/>
+            <p:cNvPr id="268" name="Image" descr="Image"/>
             <p:cNvPicPr>
               <a:picLocks noChangeAspect="1"/>
             </p:cNvPicPr>
@@ -6260,17 +6590,18 @@
             <a:prstGeom prst="rect">
               <a:avLst/>
             </a:prstGeom>
-            <a:ln>
-              <a:noFill/>
+            <a:ln w="12700" cap="flat">
+              <a:noFill/>
+              <a:miter lim="400000"/>
             </a:ln>
             <a:effectLst/>
           </p:spPr>
         </p:pic>
         <p:pic>
           <p:nvPicPr>
-            <p:cNvPr id="260" name="Image" descr="Image"/>
+            <p:cNvPr id="269" name="Image" descr="Image"/>
             <p:cNvPicPr>
-              <a:picLocks noChangeAspect="0"/>
+              <a:picLocks noChangeAspect="1"/>
             </p:cNvPicPr>
             <p:nvPr/>
           </p:nvPicPr>
@@ -6290,13 +6621,17 @@
             <a:prstGeom prst="rect">
               <a:avLst/>
             </a:prstGeom>
+            <a:ln w="12700" cap="flat">
+              <a:noFill/>
+              <a:miter lim="400000"/>
+            </a:ln>
             <a:effectLst/>
           </p:spPr>
         </p:pic>
       </p:grpSp>
       <p:grpSp>
         <p:nvGrpSpPr>
-          <p:cNvPr id="265" name="Image"/>
+          <p:cNvPr id="273" name="Image"/>
           <p:cNvGrpSpPr/>
           <p:nvPr/>
         </p:nvGrpSpPr>
@@ -6310,7 +6645,7 @@
         </p:grpSpPr>
         <p:pic>
           <p:nvPicPr>
-            <p:cNvPr id="264" name="Image" descr="Image"/>
+            <p:cNvPr id="271" name="Image" descr="Image"/>
             <p:cNvPicPr>
               <a:picLocks noChangeAspect="1"/>
             </p:cNvPicPr>
@@ -6332,17 +6667,18 @@
             <a:prstGeom prst="rect">
               <a:avLst/>
             </a:prstGeom>
-            <a:ln>
-              <a:noFill/>
+            <a:ln w="12700" cap="flat">
+              <a:noFill/>
+              <a:miter lim="400000"/>
             </a:ln>
             <a:effectLst/>
           </p:spPr>
         </p:pic>
         <p:pic>
           <p:nvPicPr>
-            <p:cNvPr id="263" name="Image" descr="Image"/>
+            <p:cNvPr id="272" name="Image" descr="Image"/>
             <p:cNvPicPr>
-              <a:picLocks noChangeAspect="0"/>
+              <a:picLocks noChangeAspect="1"/>
             </p:cNvPicPr>
             <p:nvPr/>
           </p:nvPicPr>
@@ -6362,6 +6698,10 @@
             <a:prstGeom prst="rect">
               <a:avLst/>
             </a:prstGeom>
+            <a:ln w="12700" cap="flat">
+              <a:noFill/>
+              <a:miter lim="400000"/>
+            </a:ln>
             <a:effectLst/>
           </p:spPr>
         </p:pic>
@@ -6394,13 +6734,17 @@
       </p:grpSpPr>
       <p:sp>
         <p:nvSpPr>
-          <p:cNvPr id="267" name="References"/>
+          <p:cNvPr id="275" name="MicroServices"/>
           <p:cNvSpPr txBox="1"/>
           <p:nvPr>
             <p:ph type="title"/>
           </p:nvPr>
         </p:nvSpPr>
         <p:spPr>
+          <a:xfrm>
+            <a:off x="952500" y="63500"/>
+            <a:ext cx="11099800" cy="2159000"/>
+          </a:xfrm>
           <a:prstGeom prst="rect">
             <a:avLst/>
           </a:prstGeom>
@@ -6411,14 +6755,14 @@
           <a:p>
             <a:pPr/>
             <a:r>
-              <a:t>References</a:t>
+              <a:t>MicroServices</a:t>
             </a:r>
           </a:p>
         </p:txBody>
       </p:sp>
       <p:sp>
         <p:nvSpPr>
-          <p:cNvPr id="268" name="Three tier web application with docker compose (https://serversforhackers.com/dockerized-app/docker-compose)…"/>
+          <p:cNvPr id="276" name="In short, the microservice architectural style is an approach to developing a single application as a suite of small services, each running in its own process and communicating with lightweight mechanisms, often an HTTP resource API. These services are built around business capabilities and independently deployable by fully automated deployment machinery. There is a bare minimum of centralized management of these services, which may be written in different programming languages and use different data storage technologies.…"/>
           <p:cNvSpPr txBox="1"/>
           <p:nvPr>
             <p:ph type="body" idx="1"/>
@@ -6428,68 +6772,112 @@
           <a:prstGeom prst="rect">
             <a:avLst/>
           </a:prstGeom>
+          <a:ln w="9525">
+            <a:round/>
+          </a:ln>
         </p:spPr>
         <p:txBody>
           <a:bodyPr/>
           <a:lstStyle/>
           <a:p>
-            <a:pPr/>
-            <a:r>
-              <a:t>Three tier web application with docker compose (</a:t>
-            </a:r>
+            <a:pPr marL="0" indent="0" defTabSz="457200">
+              <a:lnSpc>
+                <a:spcPts val="3700"/>
+              </a:lnSpc>
+              <a:spcBef>
+                <a:spcPts val="0"/>
+              </a:spcBef>
+              <a:buSzTx/>
+              <a:buNone/>
+              <a:defRPr i="1" sz="1600">
+                <a:solidFill>
+                  <a:srgbClr val="303633"/>
+                </a:solidFill>
+                <a:latin typeface="Courier"/>
+                <a:ea typeface="Courier"/>
+                <a:cs typeface="Courier"/>
+                <a:sym typeface="Courier"/>
+              </a:defRPr>
+            </a:pPr>
+            <a:r>
+              <a:t>In short, the microservice architectural style is an approach to developing a single application as a suite of small services, each running in its own process and communicating with lightweight mechanisms, often an HTTP resource API. These services are built around business capabilities and independently deployable by fully automated deployment machinery. There is a bare minimum of centralized management of these services, which may be written in different programming languages and use different data storage technologies.</a:t>
+            </a:r>
+          </a:p>
+          <a:p>
+            <a:pPr marL="0" indent="0" defTabSz="457200">
+              <a:lnSpc>
+                <a:spcPts val="3700"/>
+              </a:lnSpc>
+              <a:spcBef>
+                <a:spcPts val="0"/>
+              </a:spcBef>
+              <a:buSzTx/>
+              <a:buNone/>
+              <a:defRPr i="1" sz="1600">
+                <a:solidFill>
+                  <a:srgbClr val="303633"/>
+                </a:solidFill>
+                <a:latin typeface="Courier"/>
+                <a:ea typeface="Courier"/>
+                <a:cs typeface="Courier"/>
+                <a:sym typeface="Courier"/>
+              </a:defRPr>
+            </a:pPr>
+          </a:p>
+          <a:p>
+            <a:pPr marL="0" indent="0" defTabSz="457200">
+              <a:lnSpc>
+                <a:spcPts val="3700"/>
+              </a:lnSpc>
+              <a:spcBef>
+                <a:spcPts val="0"/>
+              </a:spcBef>
+              <a:buSzTx/>
+              <a:buNone/>
+              <a:defRPr i="1" sz="1600">
+                <a:solidFill>
+                  <a:srgbClr val="303633"/>
+                </a:solidFill>
+                <a:latin typeface="Courier"/>
+                <a:ea typeface="Courier"/>
+                <a:cs typeface="Courier"/>
+                <a:sym typeface="Courier"/>
+              </a:defRPr>
+            </a:pPr>
+          </a:p>
+          <a:p>
+            <a:pPr marL="0" indent="0" defTabSz="457200">
+              <a:lnSpc>
+                <a:spcPts val="3700"/>
+              </a:lnSpc>
+              <a:spcBef>
+                <a:spcPts val="0"/>
+              </a:spcBef>
+              <a:buSzTx/>
+              <a:buNone/>
+              <a:defRPr i="1" sz="1600">
+                <a:solidFill>
+                  <a:srgbClr val="303633"/>
+                </a:solidFill>
+                <a:latin typeface="Courier"/>
+                <a:ea typeface="Courier"/>
+                <a:cs typeface="Courier"/>
+                <a:sym typeface="Courier"/>
+              </a:defRPr>
+            </a:pPr>
             <a:r>
               <a:rPr u="sng">
+                <a:solidFill>
+                  <a:srgbClr val="0000FF"/>
+                </a:solidFill>
+                <a:uFill>
+                  <a:solidFill>
+                    <a:srgbClr val="0000FF"/>
+                  </a:solidFill>
+                </a:uFill>
                 <a:hlinkClick r:id="rId2" invalidUrl="" action="" tgtFrame="" tooltip="" history="1" highlightClick="0" endSnd="0"/>
               </a:rPr>
-              <a:t>https://serversforhackers.com/dockerized-app/docker-compose</a:t>
-            </a:r>
-            <a:r>
-              <a:t>)</a:t>
-            </a:r>
-          </a:p>
-          <a:p>
-            <a:pPr/>
-            <a:r>
-              <a:t>Great tutorial for around $10 (</a:t>
-            </a:r>
-            <a:r>
-              <a:rPr u="sng">
-                <a:hlinkClick r:id="rId3" invalidUrl="" action="" tgtFrame="" tooltip="" history="1" highlightClick="0" endSnd="0"/>
-              </a:rPr>
-              <a:t>https://www.udemy.com/docker-mastery/</a:t>
-            </a:r>
-            <a:r>
-              <a:t>)</a:t>
-            </a:r>
-          </a:p>
-          <a:p>
-            <a:pPr/>
-            <a:r>
-              <a:t>Main docker site (</a:t>
-            </a:r>
-            <a:r>
-              <a:rPr u="sng">
-                <a:hlinkClick r:id="rId4" invalidUrl="" action="" tgtFrame="" tooltip="" history="1" highlightClick="0" endSnd="0"/>
-              </a:rPr>
-              <a:t>https://www.docker.com/</a:t>
-            </a:r>
-            <a:r>
-              <a:t>)</a:t>
-            </a:r>
-          </a:p>
-          <a:p>
-            <a:pPr/>
-            <a:r>
-              <a:t>Docker hub for publishing and pulling (</a:t>
-            </a:r>
-            <a:r>
-              <a:rPr u="sng">
-                <a:hlinkClick r:id="rId5" invalidUrl="" action="" tgtFrame="" tooltip="" history="1" highlightClick="0" endSnd="0"/>
-              </a:rPr>
-              <a:t>https://hub.docker.com/</a:t>
-            </a:r>
-            <a:r>
-              <a:t>)</a:t>
+              <a:t>https://martinfowler.com/articles/microservices.html</a:t>
             </a:r>
           </a:p>
         </p:txBody>
@@ -6522,7 +6910,1202 @@
       </p:grpSpPr>
       <p:sp>
         <p:nvSpPr>
-          <p:cNvPr id="270" name="Other Things to Look At"/>
+          <p:cNvPr id="278" name="Architecture"/>
+          <p:cNvSpPr txBox="1"/>
+          <p:nvPr>
+            <p:ph type="title"/>
+          </p:nvPr>
+        </p:nvSpPr>
+        <p:spPr>
+          <a:prstGeom prst="rect">
+            <a:avLst/>
+          </a:prstGeom>
+        </p:spPr>
+        <p:txBody>
+          <a:bodyPr/>
+          <a:lstStyle/>
+          <a:p>
+            <a:pPr/>
+            <a:r>
+              <a:t>New Architecture</a:t>
+            </a:r>
+          </a:p>
+        </p:txBody>
+      </p:sp>
+      <p:grpSp>
+        <p:nvGrpSpPr>
+          <p:cNvPr id="281" name="Nginx (load balancer)"/>
+          <p:cNvGrpSpPr/>
+          <p:nvPr/>
+        </p:nvGrpSpPr>
+        <p:grpSpPr>
+          <a:xfrm>
+            <a:off x="4859833" y="4039046"/>
+            <a:ext cx="2904135" cy="1675509"/>
+            <a:chOff x="0" y="0"/>
+            <a:chExt cx="2904133" cy="1675508"/>
+          </a:xfrm>
+        </p:grpSpPr>
+        <p:sp>
+          <p:nvSpPr>
+            <p:cNvPr id="279" name="Rectangle"/>
+            <p:cNvSpPr/>
+            <p:nvPr/>
+          </p:nvSpPr>
+          <p:spPr>
+            <a:xfrm>
+              <a:off x="0" y="-1"/>
+              <a:ext cx="2904134" cy="1675510"/>
+            </a:xfrm>
+            <a:prstGeom prst="rect">
+              <a:avLst/>
+            </a:prstGeom>
+            <a:solidFill>
+              <a:schemeClr val="accent1"/>
+            </a:solidFill>
+            <a:ln w="12700" cap="flat">
+              <a:noFill/>
+              <a:miter lim="400000"/>
+            </a:ln>
+            <a:effectLst/>
+          </p:spPr>
+          <p:txBody>
+            <a:bodyPr wrap="square" lIns="50800" tIns="50800" rIns="50800" bIns="50800" numCol="1" anchor="ctr">
+              <a:noAutofit/>
+            </a:bodyPr>
+            <a:lstStyle/>
+            <a:p>
+              <a:pPr>
+                <a:defRPr sz="2200">
+                  <a:solidFill>
+                    <a:srgbClr val="FFFFFF"/>
+                  </a:solidFill>
+                </a:defRPr>
+              </a:pPr>
+            </a:p>
+          </p:txBody>
+        </p:sp>
+        <p:sp>
+          <p:nvSpPr>
+            <p:cNvPr id="280" name="Nginx (load balancer)"/>
+            <p:cNvSpPr txBox="1"/>
+            <p:nvPr/>
+          </p:nvSpPr>
+          <p:spPr>
+            <a:xfrm>
+              <a:off x="0" y="619556"/>
+              <a:ext cx="2904134" cy="436396"/>
+            </a:xfrm>
+            <a:prstGeom prst="rect">
+              <a:avLst/>
+            </a:prstGeom>
+            <a:noFill/>
+            <a:ln w="12700" cap="flat">
+              <a:noFill/>
+              <a:miter lim="400000"/>
+            </a:ln>
+            <a:effectLst/>
+            <a:extLst>
+              <a:ext uri="{C572A759-6A51-4108-AA02-DFA0A04FC94B}">
+                <ma14:wrappingTextBoxFlag xmlns:ma14="http://schemas.microsoft.com/office/mac/drawingml/2011/main" val="1"/>
+              </a:ext>
+            </a:extLst>
+          </p:spPr>
+          <p:txBody>
+            <a:bodyPr wrap="square" lIns="50800" tIns="50800" rIns="50800" bIns="50800" numCol="1" anchor="ctr">
+              <a:spAutoFit/>
+            </a:bodyPr>
+            <a:lstStyle>
+              <a:lvl1pPr>
+                <a:defRPr sz="2200">
+                  <a:solidFill>
+                    <a:srgbClr val="FFFFFF"/>
+                  </a:solidFill>
+                </a:defRPr>
+              </a:lvl1pPr>
+            </a:lstStyle>
+            <a:p>
+              <a:pPr/>
+              <a:r>
+                <a:t>Nginx (load balancer)</a:t>
+              </a:r>
+            </a:p>
+          </p:txBody>
+        </p:sp>
+      </p:grpSp>
+      <p:grpSp>
+        <p:nvGrpSpPr>
+          <p:cNvPr id="284" name="WebServer1"/>
+          <p:cNvGrpSpPr/>
+          <p:nvPr/>
+        </p:nvGrpSpPr>
+        <p:grpSpPr>
+          <a:xfrm>
+            <a:off x="2362448" y="6281996"/>
+            <a:ext cx="2904134" cy="1381127"/>
+            <a:chOff x="0" y="0"/>
+            <a:chExt cx="2904133" cy="1381126"/>
+          </a:xfrm>
+        </p:grpSpPr>
+        <p:sp>
+          <p:nvSpPr>
+            <p:cNvPr id="282" name="Rectangle"/>
+            <p:cNvSpPr/>
+            <p:nvPr/>
+          </p:nvSpPr>
+          <p:spPr>
+            <a:xfrm>
+              <a:off x="-1" y="-1"/>
+              <a:ext cx="2904135" cy="1381128"/>
+            </a:xfrm>
+            <a:prstGeom prst="rect">
+              <a:avLst/>
+            </a:prstGeom>
+            <a:solidFill>
+              <a:schemeClr val="accent1"/>
+            </a:solidFill>
+            <a:ln w="12700" cap="flat">
+              <a:noFill/>
+              <a:miter lim="400000"/>
+            </a:ln>
+            <a:effectLst/>
+          </p:spPr>
+          <p:txBody>
+            <a:bodyPr wrap="square" lIns="50800" tIns="50800" rIns="50800" bIns="50800" numCol="1" anchor="ctr">
+              <a:noAutofit/>
+            </a:bodyPr>
+            <a:lstStyle/>
+            <a:p>
+              <a:pPr>
+                <a:defRPr sz="2200">
+                  <a:solidFill>
+                    <a:srgbClr val="FFFFFF"/>
+                  </a:solidFill>
+                </a:defRPr>
+              </a:pPr>
+            </a:p>
+          </p:txBody>
+        </p:sp>
+        <p:sp>
+          <p:nvSpPr>
+            <p:cNvPr id="283" name="WebServer1"/>
+            <p:cNvSpPr txBox="1"/>
+            <p:nvPr/>
+          </p:nvSpPr>
+          <p:spPr>
+            <a:xfrm>
+              <a:off x="-1" y="472365"/>
+              <a:ext cx="2904135" cy="436396"/>
+            </a:xfrm>
+            <a:prstGeom prst="rect">
+              <a:avLst/>
+            </a:prstGeom>
+            <a:noFill/>
+            <a:ln w="12700" cap="flat">
+              <a:noFill/>
+              <a:miter lim="400000"/>
+            </a:ln>
+            <a:effectLst/>
+            <a:extLst>
+              <a:ext uri="{C572A759-6A51-4108-AA02-DFA0A04FC94B}">
+                <ma14:wrappingTextBoxFlag xmlns:ma14="http://schemas.microsoft.com/office/mac/drawingml/2011/main" val="1"/>
+              </a:ext>
+            </a:extLst>
+          </p:spPr>
+          <p:txBody>
+            <a:bodyPr wrap="square" lIns="50800" tIns="50800" rIns="50800" bIns="50800" numCol="1" anchor="ctr">
+              <a:spAutoFit/>
+            </a:bodyPr>
+            <a:lstStyle>
+              <a:lvl1pPr>
+                <a:defRPr sz="2200">
+                  <a:solidFill>
+                    <a:srgbClr val="FFFFFF"/>
+                  </a:solidFill>
+                </a:defRPr>
+              </a:lvl1pPr>
+            </a:lstStyle>
+            <a:p>
+              <a:pPr/>
+              <a:r>
+                <a:t>WebServer1</a:t>
+              </a:r>
+            </a:p>
+          </p:txBody>
+        </p:sp>
+      </p:grpSp>
+      <p:grpSp>
+        <p:nvGrpSpPr>
+          <p:cNvPr id="287" name="WebServer2"/>
+          <p:cNvGrpSpPr/>
+          <p:nvPr/>
+        </p:nvGrpSpPr>
+        <p:grpSpPr>
+          <a:xfrm>
+            <a:off x="7303889" y="6281996"/>
+            <a:ext cx="2904134" cy="1381127"/>
+            <a:chOff x="0" y="0"/>
+            <a:chExt cx="2904133" cy="1381126"/>
+          </a:xfrm>
+        </p:grpSpPr>
+        <p:sp>
+          <p:nvSpPr>
+            <p:cNvPr id="285" name="Rectangle"/>
+            <p:cNvSpPr/>
+            <p:nvPr/>
+          </p:nvSpPr>
+          <p:spPr>
+            <a:xfrm>
+              <a:off x="-1" y="-1"/>
+              <a:ext cx="2904135" cy="1381128"/>
+            </a:xfrm>
+            <a:prstGeom prst="rect">
+              <a:avLst/>
+            </a:prstGeom>
+            <a:solidFill>
+              <a:schemeClr val="accent1"/>
+            </a:solidFill>
+            <a:ln w="12700" cap="flat">
+              <a:noFill/>
+              <a:miter lim="400000"/>
+            </a:ln>
+            <a:effectLst/>
+          </p:spPr>
+          <p:txBody>
+            <a:bodyPr wrap="square" lIns="50800" tIns="50800" rIns="50800" bIns="50800" numCol="1" anchor="ctr">
+              <a:noAutofit/>
+            </a:bodyPr>
+            <a:lstStyle/>
+            <a:p>
+              <a:pPr>
+                <a:defRPr sz="2200">
+                  <a:solidFill>
+                    <a:srgbClr val="FFFFFF"/>
+                  </a:solidFill>
+                </a:defRPr>
+              </a:pPr>
+            </a:p>
+          </p:txBody>
+        </p:sp>
+        <p:sp>
+          <p:nvSpPr>
+            <p:cNvPr id="286" name="WebServer2"/>
+            <p:cNvSpPr txBox="1"/>
+            <p:nvPr/>
+          </p:nvSpPr>
+          <p:spPr>
+            <a:xfrm>
+              <a:off x="-1" y="472365"/>
+              <a:ext cx="2904135" cy="436396"/>
+            </a:xfrm>
+            <a:prstGeom prst="rect">
+              <a:avLst/>
+            </a:prstGeom>
+            <a:noFill/>
+            <a:ln w="12700" cap="flat">
+              <a:noFill/>
+              <a:miter lim="400000"/>
+            </a:ln>
+            <a:effectLst/>
+            <a:extLst>
+              <a:ext uri="{C572A759-6A51-4108-AA02-DFA0A04FC94B}">
+                <ma14:wrappingTextBoxFlag xmlns:ma14="http://schemas.microsoft.com/office/mac/drawingml/2011/main" val="1"/>
+              </a:ext>
+            </a:extLst>
+          </p:spPr>
+          <p:txBody>
+            <a:bodyPr wrap="square" lIns="50800" tIns="50800" rIns="50800" bIns="50800" numCol="1" anchor="ctr">
+              <a:spAutoFit/>
+            </a:bodyPr>
+            <a:lstStyle>
+              <a:lvl1pPr>
+                <a:defRPr sz="2200">
+                  <a:solidFill>
+                    <a:srgbClr val="FFFFFF"/>
+                  </a:solidFill>
+                </a:defRPr>
+              </a:lvl1pPr>
+            </a:lstStyle>
+            <a:p>
+              <a:pPr/>
+              <a:r>
+                <a:t>WebServer2</a:t>
+              </a:r>
+            </a:p>
+          </p:txBody>
+        </p:sp>
+      </p:grpSp>
+      <p:sp>
+        <p:nvSpPr>
+          <p:cNvPr id="288" name="Line"/>
+          <p:cNvSpPr/>
+          <p:nvPr/>
+        </p:nvSpPr>
+        <p:spPr>
+          <a:xfrm>
+            <a:off x="2888554" y="3313734"/>
+            <a:ext cx="7557891" cy="1"/>
+          </a:xfrm>
+          <a:prstGeom prst="line">
+            <a:avLst/>
+          </a:prstGeom>
+          <a:ln w="25400">
+            <a:solidFill>
+              <a:srgbClr val="000000"/>
+            </a:solidFill>
+            <a:miter lim="400000"/>
+          </a:ln>
+        </p:spPr>
+        <p:txBody>
+          <a:bodyPr lIns="45718" tIns="45718" rIns="45718" bIns="45718"/>
+          <a:lstStyle/>
+          <a:p>
+            <a:pPr/>
+          </a:p>
+        </p:txBody>
+      </p:sp>
+      <p:sp>
+        <p:nvSpPr>
+          <p:cNvPr id="289" name="Line"/>
+          <p:cNvSpPr/>
+          <p:nvPr/>
+        </p:nvSpPr>
+        <p:spPr>
+          <a:xfrm flipV="1">
+            <a:off x="6311900" y="2054769"/>
+            <a:ext cx="1" cy="1675509"/>
+          </a:xfrm>
+          <a:prstGeom prst="line">
+            <a:avLst/>
+          </a:prstGeom>
+          <a:ln w="25400">
+            <a:solidFill>
+              <a:srgbClr val="000000"/>
+            </a:solidFill>
+            <a:miter lim="400000"/>
+            <a:headEnd type="triangle"/>
+            <a:tailEnd type="triangle"/>
+          </a:ln>
+        </p:spPr>
+        <p:txBody>
+          <a:bodyPr lIns="45718" tIns="45718" rIns="45718" bIns="45718"/>
+          <a:lstStyle/>
+          <a:p>
+            <a:pPr/>
+          </a:p>
+        </p:txBody>
+      </p:sp>
+      <p:grpSp>
+        <p:nvGrpSpPr>
+          <p:cNvPr id="292" name="NAT"/>
+          <p:cNvGrpSpPr/>
+          <p:nvPr/>
+        </p:nvGrpSpPr>
+        <p:grpSpPr>
+          <a:xfrm>
+            <a:off x="4485131" y="2509594"/>
+            <a:ext cx="1164337" cy="1045260"/>
+            <a:chOff x="0" y="0"/>
+            <a:chExt cx="1164336" cy="1045258"/>
+          </a:xfrm>
+        </p:grpSpPr>
+        <p:sp>
+          <p:nvSpPr>
+            <p:cNvPr id="291" name="NAT"/>
+            <p:cNvSpPr txBox="1"/>
+            <p:nvPr/>
+          </p:nvSpPr>
+          <p:spPr>
+            <a:xfrm>
+              <a:off x="215899" y="139700"/>
+              <a:ext cx="732538" cy="486459"/>
+            </a:xfrm>
+            <a:prstGeom prst="rect">
+              <a:avLst/>
+            </a:prstGeom>
+            <a:noFill/>
+            <a:ln>
+              <a:noFill/>
+            </a:ln>
+            <a:effectLst/>
+            <a:extLst>
+              <a:ext uri="{C572A759-6A51-4108-AA02-DFA0A04FC94B}">
+                <ma14:wrappingTextBoxFlag xmlns:ma14="http://schemas.microsoft.com/office/mac/drawingml/2011/main" val="1"/>
+              </a:ext>
+            </a:extLst>
+          </p:spPr>
+          <p:txBody>
+            <a:bodyPr wrap="none" lIns="50800" tIns="50800" rIns="50800" bIns="50800" numCol="1" anchor="ctr">
+              <a:spAutoFit/>
+            </a:bodyPr>
+            <a:lstStyle>
+              <a:lvl1pPr>
+                <a:defRPr b="1">
+                  <a:latin typeface="+mn-lt"/>
+                  <a:ea typeface="+mn-ea"/>
+                  <a:cs typeface="+mn-cs"/>
+                  <a:sym typeface="Helvetica Neue"/>
+                </a:defRPr>
+              </a:lvl1pPr>
+            </a:lstStyle>
+            <a:p>
+              <a:pPr/>
+              <a:r>
+                <a:t>NAT</a:t>
+              </a:r>
+            </a:p>
+          </p:txBody>
+        </p:sp>
+        <p:pic>
+          <p:nvPicPr>
+            <p:cNvPr id="290" name="NAT" descr="NAT"/>
+            <p:cNvPicPr>
+              <a:picLocks noChangeAspect="0"/>
+            </p:cNvPicPr>
+            <p:nvPr/>
+          </p:nvPicPr>
+          <p:blipFill>
+            <a:blip r:embed="rId2">
+              <a:extLst/>
+            </a:blip>
+            <a:stretch>
+              <a:fillRect/>
+            </a:stretch>
+          </p:blipFill>
+          <p:spPr>
+            <a:xfrm>
+              <a:off x="-1" y="-1"/>
+              <a:ext cx="1164337" cy="1045260"/>
+            </a:xfrm>
+            <a:prstGeom prst="rect">
+              <a:avLst/>
+            </a:prstGeom>
+            <a:effectLst/>
+          </p:spPr>
+        </p:pic>
+      </p:grpSp>
+      <p:grpSp>
+        <p:nvGrpSpPr>
+          <p:cNvPr id="295" name="Border of created my network"/>
+          <p:cNvGrpSpPr/>
+          <p:nvPr/>
+        </p:nvGrpSpPr>
+        <p:grpSpPr>
+          <a:xfrm>
+            <a:off x="7977681" y="4214469"/>
+            <a:ext cx="4923439" cy="1045262"/>
+            <a:chOff x="0" y="0"/>
+            <a:chExt cx="4923437" cy="1045261"/>
+          </a:xfrm>
+        </p:grpSpPr>
+        <p:sp>
+          <p:nvSpPr>
+            <p:cNvPr id="293" name="Border of created my network"/>
+            <p:cNvSpPr txBox="1"/>
+            <p:nvPr/>
+          </p:nvSpPr>
+          <p:spPr>
+            <a:xfrm>
+              <a:off x="228600" y="152400"/>
+              <a:ext cx="4466236" cy="461060"/>
+            </a:xfrm>
+            <a:prstGeom prst="rect">
+              <a:avLst/>
+            </a:prstGeom>
+            <a:noFill/>
+            <a:ln w="12700" cap="flat">
+              <a:noFill/>
+              <a:miter lim="400000"/>
+            </a:ln>
+            <a:effectLst/>
+            <a:extLst>
+              <a:ext uri="{C572A759-6A51-4108-AA02-DFA0A04FC94B}">
+                <ma14:wrappingTextBoxFlag xmlns:ma14="http://schemas.microsoft.com/office/mac/drawingml/2011/main" val="1"/>
+              </a:ext>
+            </a:extLst>
+          </p:spPr>
+          <p:txBody>
+            <a:bodyPr wrap="none" lIns="50800" tIns="50800" rIns="50800" bIns="50800" numCol="1" anchor="ctr">
+              <a:spAutoFit/>
+            </a:bodyPr>
+            <a:lstStyle>
+              <a:lvl1pPr>
+                <a:defRPr b="1">
+                  <a:latin typeface="+mn-lt"/>
+                  <a:ea typeface="+mn-ea"/>
+                  <a:cs typeface="+mn-cs"/>
+                  <a:sym typeface="Helvetica Neue"/>
+                </a:defRPr>
+              </a:lvl1pPr>
+            </a:lstStyle>
+            <a:p>
+              <a:pPr/>
+              <a:r>
+                <a:t>Border of created my network</a:t>
+              </a:r>
+            </a:p>
+          </p:txBody>
+        </p:sp>
+        <p:pic>
+          <p:nvPicPr>
+            <p:cNvPr id="294" name="Border of created my network" descr="Border of created my network"/>
+            <p:cNvPicPr>
+              <a:picLocks noChangeAspect="1"/>
+            </p:cNvPicPr>
+            <p:nvPr/>
+          </p:nvPicPr>
+          <p:blipFill>
+            <a:blip r:embed="rId3">
+              <a:extLst/>
+            </a:blip>
+            <a:stretch>
+              <a:fillRect/>
+            </a:stretch>
+          </p:blipFill>
+          <p:spPr>
+            <a:xfrm>
+              <a:off x="-1" y="0"/>
+              <a:ext cx="4923438" cy="1045262"/>
+            </a:xfrm>
+            <a:prstGeom prst="rect">
+              <a:avLst/>
+            </a:prstGeom>
+            <a:ln w="12700" cap="flat">
+              <a:noFill/>
+              <a:miter lim="400000"/>
+            </a:ln>
+            <a:effectLst/>
+          </p:spPr>
+        </p:pic>
+      </p:grpSp>
+      <p:grpSp>
+        <p:nvGrpSpPr>
+          <p:cNvPr id="298" name="WebServer2"/>
+          <p:cNvGrpSpPr/>
+          <p:nvPr/>
+        </p:nvGrpSpPr>
+        <p:grpSpPr>
+          <a:xfrm>
+            <a:off x="4859833" y="8230565"/>
+            <a:ext cx="2904134" cy="1381127"/>
+            <a:chOff x="0" y="0"/>
+            <a:chExt cx="2904133" cy="1381126"/>
+          </a:xfrm>
+        </p:grpSpPr>
+        <p:sp>
+          <p:nvSpPr>
+            <p:cNvPr id="296" name="Rectangle"/>
+            <p:cNvSpPr/>
+            <p:nvPr/>
+          </p:nvSpPr>
+          <p:spPr>
+            <a:xfrm>
+              <a:off x="-1" y="-1"/>
+              <a:ext cx="2904135" cy="1381128"/>
+            </a:xfrm>
+            <a:prstGeom prst="rect">
+              <a:avLst/>
+            </a:prstGeom>
+            <a:solidFill>
+              <a:schemeClr val="accent1"/>
+            </a:solidFill>
+            <a:ln w="12700" cap="flat">
+              <a:noFill/>
+              <a:miter lim="400000"/>
+            </a:ln>
+            <a:effectLst/>
+          </p:spPr>
+          <p:txBody>
+            <a:bodyPr wrap="square" lIns="50800" tIns="50800" rIns="50800" bIns="50800" numCol="1" anchor="ctr">
+              <a:noAutofit/>
+            </a:bodyPr>
+            <a:lstStyle/>
+            <a:p>
+              <a:pPr>
+                <a:defRPr sz="2200">
+                  <a:solidFill>
+                    <a:srgbClr val="FFFFFF"/>
+                  </a:solidFill>
+                </a:defRPr>
+              </a:pPr>
+            </a:p>
+          </p:txBody>
+        </p:sp>
+        <p:sp>
+          <p:nvSpPr>
+            <p:cNvPr id="297" name="API Gateway"/>
+            <p:cNvSpPr txBox="1"/>
+            <p:nvPr/>
+          </p:nvSpPr>
+          <p:spPr>
+            <a:xfrm>
+              <a:off x="-1" y="472365"/>
+              <a:ext cx="2904135" cy="436396"/>
+            </a:xfrm>
+            <a:prstGeom prst="rect">
+              <a:avLst/>
+            </a:prstGeom>
+            <a:noFill/>
+            <a:ln w="12700" cap="flat">
+              <a:noFill/>
+              <a:miter lim="400000"/>
+            </a:ln>
+            <a:effectLst/>
+            <a:extLst>
+              <a:ext uri="{C572A759-6A51-4108-AA02-DFA0A04FC94B}">
+                <ma14:wrappingTextBoxFlag xmlns:ma14="http://schemas.microsoft.com/office/mac/drawingml/2011/main" val="1"/>
+              </a:ext>
+            </a:extLst>
+          </p:spPr>
+          <p:txBody>
+            <a:bodyPr wrap="square" lIns="50800" tIns="50800" rIns="50800" bIns="50800" numCol="1" anchor="ctr">
+              <a:spAutoFit/>
+            </a:bodyPr>
+            <a:lstStyle>
+              <a:lvl1pPr>
+                <a:defRPr sz="2200">
+                  <a:solidFill>
+                    <a:srgbClr val="FFFFFF"/>
+                  </a:solidFill>
+                </a:defRPr>
+              </a:lvl1pPr>
+            </a:lstStyle>
+            <a:p>
+              <a:pPr/>
+              <a:r>
+                <a:t>API Gateway</a:t>
+              </a:r>
+            </a:p>
+          </p:txBody>
+        </p:sp>
+      </p:grpSp>
+      <p:sp>
+        <p:nvSpPr>
+          <p:cNvPr id="299" name="Line"/>
+          <p:cNvSpPr/>
+          <p:nvPr/>
+        </p:nvSpPr>
+        <p:spPr>
+          <a:xfrm flipV="1">
+            <a:off x="4229099" y="5461541"/>
+            <a:ext cx="1164337" cy="1164337"/>
+          </a:xfrm>
+          <a:prstGeom prst="line">
+            <a:avLst/>
+          </a:prstGeom>
+          <a:ln w="25400">
+            <a:solidFill>
+              <a:srgbClr val="000000"/>
+            </a:solidFill>
+            <a:miter lim="400000"/>
+            <a:headEnd type="triangle"/>
+            <a:tailEnd type="triangle"/>
+          </a:ln>
+        </p:spPr>
+        <p:txBody>
+          <a:bodyPr lIns="45718" tIns="45718" rIns="45718" bIns="45718"/>
+          <a:lstStyle/>
+          <a:p>
+            <a:pPr/>
+          </a:p>
+        </p:txBody>
+      </p:sp>
+      <p:sp>
+        <p:nvSpPr>
+          <p:cNvPr id="300" name="Line"/>
+          <p:cNvSpPr/>
+          <p:nvPr/>
+        </p:nvSpPr>
+        <p:spPr>
+          <a:xfrm flipH="1" flipV="1">
+            <a:off x="7337619" y="5334541"/>
+            <a:ext cx="1418337" cy="1418337"/>
+          </a:xfrm>
+          <a:prstGeom prst="line">
+            <a:avLst/>
+          </a:prstGeom>
+          <a:ln w="25400">
+            <a:solidFill>
+              <a:srgbClr val="000000"/>
+            </a:solidFill>
+            <a:miter lim="400000"/>
+            <a:headEnd type="triangle"/>
+            <a:tailEnd type="triangle"/>
+          </a:ln>
+        </p:spPr>
+        <p:txBody>
+          <a:bodyPr lIns="45718" tIns="45718" rIns="45718" bIns="45718"/>
+          <a:lstStyle/>
+          <a:p>
+            <a:pPr/>
+          </a:p>
+        </p:txBody>
+      </p:sp>
+      <p:sp>
+        <p:nvSpPr>
+          <p:cNvPr id="301" name="Line"/>
+          <p:cNvSpPr/>
+          <p:nvPr/>
+        </p:nvSpPr>
+        <p:spPr>
+          <a:xfrm flipV="1">
+            <a:off x="5067299" y="7340600"/>
+            <a:ext cx="1" cy="1045259"/>
+          </a:xfrm>
+          <a:prstGeom prst="line">
+            <a:avLst/>
+          </a:prstGeom>
+          <a:ln w="25400">
+            <a:solidFill>
+              <a:srgbClr val="000000"/>
+            </a:solidFill>
+            <a:miter lim="400000"/>
+            <a:headEnd type="triangle"/>
+            <a:tailEnd type="triangle"/>
+          </a:ln>
+        </p:spPr>
+        <p:txBody>
+          <a:bodyPr lIns="45718" tIns="45718" rIns="45718" bIns="45718"/>
+          <a:lstStyle/>
+          <a:p>
+            <a:pPr/>
+          </a:p>
+        </p:txBody>
+      </p:sp>
+      <p:sp>
+        <p:nvSpPr>
+          <p:cNvPr id="302" name="Line"/>
+          <p:cNvSpPr/>
+          <p:nvPr/>
+        </p:nvSpPr>
+        <p:spPr>
+          <a:xfrm flipV="1">
+            <a:off x="7619999" y="7521030"/>
+            <a:ext cx="1" cy="1045259"/>
+          </a:xfrm>
+          <a:prstGeom prst="line">
+            <a:avLst/>
+          </a:prstGeom>
+          <a:ln w="25400">
+            <a:solidFill>
+              <a:srgbClr val="000000"/>
+            </a:solidFill>
+            <a:miter lim="400000"/>
+            <a:headEnd type="triangle"/>
+            <a:tailEnd type="triangle"/>
+          </a:ln>
+        </p:spPr>
+        <p:txBody>
+          <a:bodyPr lIns="45718" tIns="45718" rIns="45718" bIns="45718"/>
+          <a:lstStyle/>
+          <a:p>
+            <a:pPr/>
+          </a:p>
+        </p:txBody>
+      </p:sp>
+    </p:spTree>
+  </p:cSld>
+  <p:clrMapOvr>
+    <a:masterClrMapping/>
+  </p:clrMapOvr>
+  <p:transition xmlns:p14="http://schemas.microsoft.com/office/powerpoint/2010/main" spd="med" advClick="1"/>
+</p:sld>
+</file>
+
+<file path=ppt/slides/slide34.xml><?xml version="1.0" encoding="utf-8"?>
+<p:sld xmlns:a="http://schemas.openxmlformats.org/drawingml/2006/main" xmlns:r="http://schemas.openxmlformats.org/officeDocument/2006/relationships" xmlns:p="http://schemas.openxmlformats.org/presentationml/2006/main" showMasterSp="1" showMasterPhAnim="1">
+  <p:cSld>
+    <p:spTree>
+      <p:nvGrpSpPr>
+        <p:cNvPr id="1" name=""/>
+        <p:cNvGrpSpPr/>
+        <p:nvPr/>
+      </p:nvGrpSpPr>
+      <p:grpSpPr>
+        <a:xfrm>
+          <a:off x="0" y="0"/>
+          <a:ext cx="0" cy="0"/>
+          <a:chOff x="0" y="0"/>
+          <a:chExt cx="0" cy="0"/>
+        </a:xfrm>
+      </p:grpSpPr>
+      <p:sp>
+        <p:nvSpPr>
+          <p:cNvPr id="304" name="Changes to docker-compose.yaml"/>
+          <p:cNvSpPr txBox="1"/>
+          <p:nvPr>
+            <p:ph type="title"/>
+          </p:nvPr>
+        </p:nvSpPr>
+        <p:spPr>
+          <a:xfrm>
+            <a:off x="850900" y="304800"/>
+            <a:ext cx="11099800" cy="2159000"/>
+          </a:xfrm>
+          <a:prstGeom prst="rect">
+            <a:avLst/>
+          </a:prstGeom>
+        </p:spPr>
+        <p:txBody>
+          <a:bodyPr/>
+          <a:lstStyle>
+            <a:lvl1pPr defTabSz="484886">
+              <a:defRPr sz="6640"/>
+            </a:lvl1pPr>
+          </a:lstStyle>
+          <a:p>
+            <a:pPr/>
+            <a:r>
+              <a:t>Changes to docker-compose.yaml</a:t>
+            </a:r>
+          </a:p>
+        </p:txBody>
+      </p:sp>
+      <p:grpSp>
+        <p:nvGrpSpPr>
+          <p:cNvPr id="307" name="Image"/>
+          <p:cNvGrpSpPr/>
+          <p:nvPr/>
+        </p:nvGrpSpPr>
+        <p:grpSpPr>
+          <a:xfrm>
+            <a:off x="2482850" y="3213100"/>
+            <a:ext cx="5321300" cy="5194300"/>
+            <a:chOff x="0" y="0"/>
+            <a:chExt cx="5321300" cy="5194300"/>
+          </a:xfrm>
+        </p:grpSpPr>
+        <p:pic>
+          <p:nvPicPr>
+            <p:cNvPr id="306" name="Image" descr="Image"/>
+            <p:cNvPicPr>
+              <a:picLocks noChangeAspect="1"/>
+            </p:cNvPicPr>
+            <p:nvPr/>
+          </p:nvPicPr>
+          <p:blipFill>
+            <a:blip r:embed="rId2">
+              <a:extLst/>
+            </a:blip>
+            <a:stretch>
+              <a:fillRect/>
+            </a:stretch>
+          </p:blipFill>
+          <p:spPr>
+            <a:xfrm>
+              <a:off x="215900" y="139700"/>
+              <a:ext cx="4889500" cy="4635500"/>
+            </a:xfrm>
+            <a:prstGeom prst="rect">
+              <a:avLst/>
+            </a:prstGeom>
+            <a:ln>
+              <a:noFill/>
+            </a:ln>
+            <a:effectLst/>
+          </p:spPr>
+        </p:pic>
+        <p:pic>
+          <p:nvPicPr>
+            <p:cNvPr id="305" name="Image" descr="Image"/>
+            <p:cNvPicPr>
+              <a:picLocks noChangeAspect="0"/>
+            </p:cNvPicPr>
+            <p:nvPr/>
+          </p:nvPicPr>
+          <p:blipFill>
+            <a:blip r:embed="rId3">
+              <a:extLst/>
+            </a:blip>
+            <a:stretch>
+              <a:fillRect/>
+            </a:stretch>
+          </p:blipFill>
+          <p:spPr>
+            <a:xfrm>
+              <a:off x="0" y="0"/>
+              <a:ext cx="5321300" cy="5194300"/>
+            </a:xfrm>
+            <a:prstGeom prst="rect">
+              <a:avLst/>
+            </a:prstGeom>
+            <a:effectLst/>
+          </p:spPr>
+        </p:pic>
+      </p:grpSp>
+    </p:spTree>
+  </p:cSld>
+  <p:clrMapOvr>
+    <a:masterClrMapping/>
+  </p:clrMapOvr>
+  <p:transition xmlns:p14="http://schemas.microsoft.com/office/powerpoint/2010/main" spd="med" advClick="1"/>
+</p:sld>
+</file>
+
+<file path=ppt/slides/slide35.xml><?xml version="1.0" encoding="utf-8"?>
+<p:sld xmlns:a="http://schemas.openxmlformats.org/drawingml/2006/main" xmlns:r="http://schemas.openxmlformats.org/officeDocument/2006/relationships" xmlns:p="http://schemas.openxmlformats.org/presentationml/2006/main" showMasterSp="1" showMasterPhAnim="1">
+  <p:cSld>
+    <p:spTree>
+      <p:nvGrpSpPr>
+        <p:cNvPr id="1" name=""/>
+        <p:cNvGrpSpPr/>
+        <p:nvPr/>
+      </p:nvGrpSpPr>
+      <p:grpSpPr>
+        <a:xfrm>
+          <a:off x="0" y="0"/>
+          <a:ext cx="0" cy="0"/>
+          <a:chOff x="0" y="0"/>
+          <a:chExt cx="0" cy="0"/>
+        </a:xfrm>
+      </p:grpSpPr>
+      <p:sp>
+        <p:nvSpPr>
+          <p:cNvPr id="309" name="Definition of Service"/>
+          <p:cNvSpPr txBox="1"/>
+          <p:nvPr>
+            <p:ph type="title"/>
+          </p:nvPr>
+        </p:nvSpPr>
+        <p:spPr>
+          <a:prstGeom prst="rect">
+            <a:avLst/>
+          </a:prstGeom>
+        </p:spPr>
+        <p:txBody>
+          <a:bodyPr/>
+          <a:lstStyle/>
+          <a:p>
+            <a:pPr/>
+            <a:r>
+              <a:t>Definition of Service</a:t>
+            </a:r>
+          </a:p>
+        </p:txBody>
+      </p:sp>
+      <p:grpSp>
+        <p:nvGrpSpPr>
+          <p:cNvPr id="312" name="Image"/>
+          <p:cNvGrpSpPr/>
+          <p:nvPr/>
+        </p:nvGrpSpPr>
+        <p:grpSpPr>
+          <a:xfrm>
+            <a:off x="736600" y="2622550"/>
+            <a:ext cx="12598400" cy="6654800"/>
+            <a:chOff x="0" y="0"/>
+            <a:chExt cx="12598400" cy="6654800"/>
+          </a:xfrm>
+        </p:grpSpPr>
+        <p:pic>
+          <p:nvPicPr>
+            <p:cNvPr id="311" name="Image" descr="Image"/>
+            <p:cNvPicPr>
+              <a:picLocks noChangeAspect="1"/>
+            </p:cNvPicPr>
+            <p:nvPr/>
+          </p:nvPicPr>
+          <p:blipFill>
+            <a:blip r:embed="rId2">
+              <a:extLst/>
+            </a:blip>
+            <a:stretch>
+              <a:fillRect/>
+            </a:stretch>
+          </p:blipFill>
+          <p:spPr>
+            <a:xfrm>
+              <a:off x="215900" y="139700"/>
+              <a:ext cx="12166600" cy="6096000"/>
+            </a:xfrm>
+            <a:prstGeom prst="rect">
+              <a:avLst/>
+            </a:prstGeom>
+            <a:ln>
+              <a:noFill/>
+            </a:ln>
+            <a:effectLst/>
+          </p:spPr>
+        </p:pic>
+        <p:pic>
+          <p:nvPicPr>
+            <p:cNvPr id="310" name="Image" descr="Image"/>
+            <p:cNvPicPr>
+              <a:picLocks noChangeAspect="0"/>
+            </p:cNvPicPr>
+            <p:nvPr/>
+          </p:nvPicPr>
+          <p:blipFill>
+            <a:blip r:embed="rId3">
+              <a:extLst/>
+            </a:blip>
+            <a:stretch>
+              <a:fillRect/>
+            </a:stretch>
+          </p:blipFill>
+          <p:spPr>
+            <a:xfrm>
+              <a:off x="0" y="0"/>
+              <a:ext cx="12598400" cy="6654800"/>
+            </a:xfrm>
+            <a:prstGeom prst="rect">
+              <a:avLst/>
+            </a:prstGeom>
+            <a:effectLst/>
+          </p:spPr>
+        </p:pic>
+      </p:grpSp>
+    </p:spTree>
+  </p:cSld>
+  <p:clrMapOvr>
+    <a:masterClrMapping/>
+  </p:clrMapOvr>
+  <p:transition xmlns:p14="http://schemas.microsoft.com/office/powerpoint/2010/main" spd="med" advClick="1"/>
+</p:sld>
+</file>
+
+<file path=ppt/slides/slide36.xml><?xml version="1.0" encoding="utf-8"?>
+<p:sld xmlns:a="http://schemas.openxmlformats.org/drawingml/2006/main" xmlns:r="http://schemas.openxmlformats.org/officeDocument/2006/relationships" xmlns:p="http://schemas.openxmlformats.org/presentationml/2006/main" showMasterSp="1" showMasterPhAnim="1">
+  <p:cSld>
+    <p:spTree>
+      <p:nvGrpSpPr>
+        <p:cNvPr id="1" name=""/>
+        <p:cNvGrpSpPr/>
+        <p:nvPr/>
+      </p:nvGrpSpPr>
+      <p:grpSpPr>
+        <a:xfrm>
+          <a:off x="0" y="0"/>
+          <a:ext cx="0" cy="0"/>
+          <a:chOff x="0" y="0"/>
+          <a:chExt cx="0" cy="0"/>
+        </a:xfrm>
+      </p:grpSpPr>
+      <p:sp>
+        <p:nvSpPr>
+          <p:cNvPr id="314" name="Change to WebServer"/>
+          <p:cNvSpPr txBox="1"/>
+          <p:nvPr>
+            <p:ph type="title"/>
+          </p:nvPr>
+        </p:nvSpPr>
+        <p:spPr>
+          <a:prstGeom prst="rect">
+            <a:avLst/>
+          </a:prstGeom>
+        </p:spPr>
+        <p:txBody>
+          <a:bodyPr/>
+          <a:lstStyle/>
+          <a:p>
+            <a:pPr/>
+            <a:r>
+              <a:t>Change to WebServer</a:t>
+            </a:r>
+          </a:p>
+        </p:txBody>
+      </p:sp>
+      <p:grpSp>
+        <p:nvGrpSpPr>
+          <p:cNvPr id="317" name="Image"/>
+          <p:cNvGrpSpPr/>
+          <p:nvPr/>
+        </p:nvGrpSpPr>
+        <p:grpSpPr>
+          <a:xfrm>
+            <a:off x="679450" y="2463800"/>
+            <a:ext cx="12992100" cy="7708900"/>
+            <a:chOff x="0" y="0"/>
+            <a:chExt cx="12992100" cy="7708900"/>
+          </a:xfrm>
+        </p:grpSpPr>
+        <p:pic>
+          <p:nvPicPr>
+            <p:cNvPr id="316" name="Image" descr="Image"/>
+            <p:cNvPicPr>
+              <a:picLocks noChangeAspect="1"/>
+            </p:cNvPicPr>
+            <p:nvPr/>
+          </p:nvPicPr>
+          <p:blipFill>
+            <a:blip r:embed="rId2">
+              <a:extLst/>
+            </a:blip>
+            <a:stretch>
+              <a:fillRect/>
+            </a:stretch>
+          </p:blipFill>
+          <p:spPr>
+            <a:xfrm>
+              <a:off x="215900" y="139700"/>
+              <a:ext cx="12560300" cy="7150100"/>
+            </a:xfrm>
+            <a:prstGeom prst="rect">
+              <a:avLst/>
+            </a:prstGeom>
+            <a:ln>
+              <a:noFill/>
+            </a:ln>
+            <a:effectLst/>
+          </p:spPr>
+        </p:pic>
+        <p:pic>
+          <p:nvPicPr>
+            <p:cNvPr id="315" name="Image" descr="Image"/>
+            <p:cNvPicPr>
+              <a:picLocks noChangeAspect="0"/>
+            </p:cNvPicPr>
+            <p:nvPr/>
+          </p:nvPicPr>
+          <p:blipFill>
+            <a:blip r:embed="rId3">
+              <a:extLst/>
+            </a:blip>
+            <a:stretch>
+              <a:fillRect/>
+            </a:stretch>
+          </p:blipFill>
+          <p:spPr>
+            <a:xfrm>
+              <a:off x="0" y="0"/>
+              <a:ext cx="12992100" cy="7708900"/>
+            </a:xfrm>
+            <a:prstGeom prst="rect">
+              <a:avLst/>
+            </a:prstGeom>
+            <a:effectLst/>
+          </p:spPr>
+        </p:pic>
+      </p:grpSp>
+    </p:spTree>
+  </p:cSld>
+  <p:clrMapOvr>
+    <a:masterClrMapping/>
+  </p:clrMapOvr>
+  <p:transition xmlns:p14="http://schemas.microsoft.com/office/powerpoint/2010/main" spd="med" advClick="1"/>
+</p:sld>
+</file>
+
+<file path=ppt/slides/slide37.xml><?xml version="1.0" encoding="utf-8"?>
+<p:sld xmlns:a="http://schemas.openxmlformats.org/drawingml/2006/main" xmlns:r="http://schemas.openxmlformats.org/officeDocument/2006/relationships" xmlns:p="http://schemas.openxmlformats.org/presentationml/2006/main" showMasterSp="1" showMasterPhAnim="1">
+  <p:cSld>
+    <p:spTree>
+      <p:nvGrpSpPr>
+        <p:cNvPr id="1" name=""/>
+        <p:cNvGrpSpPr/>
+        <p:nvPr/>
+      </p:nvGrpSpPr>
+      <p:grpSpPr>
+        <a:xfrm>
+          <a:off x="0" y="0"/>
+          <a:ext cx="0" cy="0"/>
+          <a:chOff x="0" y="0"/>
+          <a:chExt cx="0" cy="0"/>
+        </a:xfrm>
+      </p:grpSpPr>
+      <p:sp>
+        <p:nvSpPr>
+          <p:cNvPr id="319" name="Running the new solution"/>
           <p:cNvSpPr txBox="1"/>
           <p:nvPr>
             <p:ph type="title"/>
@@ -6536,21 +8119,226 @@
         <p:txBody>
           <a:bodyPr/>
           <a:lstStyle>
-            <a:lvl1pPr defTabSz="572516">
-              <a:defRPr sz="7840"/>
+            <a:lvl1pPr defTabSz="537463">
+              <a:defRPr sz="7360"/>
             </a:lvl1pPr>
           </a:lstStyle>
           <a:p>
             <a:pPr/>
             <a:r>
-              <a:t>Other Things to Look At</a:t>
+              <a:t>Running the new solution</a:t>
+            </a:r>
+          </a:p>
+        </p:txBody>
+      </p:sp>
+      <p:grpSp>
+        <p:nvGrpSpPr>
+          <p:cNvPr id="322" name="Image"/>
+          <p:cNvGrpSpPr/>
+          <p:nvPr/>
+        </p:nvGrpSpPr>
+        <p:grpSpPr>
+          <a:xfrm>
+            <a:off x="596900" y="3466055"/>
+            <a:ext cx="13436600" cy="2275391"/>
+            <a:chOff x="0" y="0"/>
+            <a:chExt cx="13436600" cy="2275390"/>
+          </a:xfrm>
+        </p:grpSpPr>
+        <p:pic>
+          <p:nvPicPr>
+            <p:cNvPr id="321" name="Image" descr="Image"/>
+            <p:cNvPicPr>
+              <a:picLocks noChangeAspect="1"/>
+            </p:cNvPicPr>
+            <p:nvPr/>
+          </p:nvPicPr>
+          <p:blipFill>
+            <a:blip r:embed="rId2">
+              <a:extLst/>
+            </a:blip>
+            <a:stretch>
+              <a:fillRect/>
+            </a:stretch>
+          </p:blipFill>
+          <p:spPr>
+            <a:xfrm>
+              <a:off x="215900" y="139700"/>
+              <a:ext cx="13004800" cy="1716591"/>
+            </a:xfrm>
+            <a:prstGeom prst="rect">
+              <a:avLst/>
+            </a:prstGeom>
+            <a:ln>
+              <a:noFill/>
+            </a:ln>
+            <a:effectLst/>
+          </p:spPr>
+        </p:pic>
+        <p:pic>
+          <p:nvPicPr>
+            <p:cNvPr id="320" name="Image" descr="Image"/>
+            <p:cNvPicPr>
+              <a:picLocks noChangeAspect="0"/>
+            </p:cNvPicPr>
+            <p:nvPr/>
+          </p:nvPicPr>
+          <p:blipFill>
+            <a:blip r:embed="rId3">
+              <a:extLst/>
+            </a:blip>
+            <a:stretch>
+              <a:fillRect/>
+            </a:stretch>
+          </p:blipFill>
+          <p:spPr>
+            <a:xfrm>
+              <a:off x="0" y="0"/>
+              <a:ext cx="13436600" cy="2275391"/>
+            </a:xfrm>
+            <a:prstGeom prst="rect">
+              <a:avLst/>
+            </a:prstGeom>
+            <a:effectLst/>
+          </p:spPr>
+        </p:pic>
+      </p:grpSp>
+    </p:spTree>
+  </p:cSld>
+  <p:clrMapOvr>
+    <a:masterClrMapping/>
+  </p:clrMapOvr>
+  <p:transition xmlns:p14="http://schemas.microsoft.com/office/powerpoint/2010/main" spd="med" advClick="1"/>
+</p:sld>
+</file>
+
+<file path=ppt/slides/slide38.xml><?xml version="1.0" encoding="utf-8"?>
+<p:sld xmlns:a="http://schemas.openxmlformats.org/drawingml/2006/main" xmlns:r="http://schemas.openxmlformats.org/officeDocument/2006/relationships" xmlns:p="http://schemas.openxmlformats.org/presentationml/2006/main" showMasterSp="1" showMasterPhAnim="1">
+  <p:cSld>
+    <p:spTree>
+      <p:nvGrpSpPr>
+        <p:cNvPr id="1" name=""/>
+        <p:cNvGrpSpPr/>
+        <p:nvPr/>
+      </p:nvGrpSpPr>
+      <p:grpSpPr>
+        <a:xfrm>
+          <a:off x="0" y="0"/>
+          <a:ext cx="0" cy="0"/>
+          <a:chOff x="0" y="0"/>
+          <a:chExt cx="0" cy="0"/>
+        </a:xfrm>
+      </p:grpSpPr>
+      <p:sp>
+        <p:nvSpPr>
+          <p:cNvPr id="324" name="Calling the Business Layer through the WebServer"/>
+          <p:cNvSpPr txBox="1"/>
+          <p:nvPr>
+            <p:ph type="title"/>
+          </p:nvPr>
+        </p:nvSpPr>
+        <p:spPr>
+          <a:prstGeom prst="rect">
+            <a:avLst/>
+          </a:prstGeom>
+        </p:spPr>
+        <p:txBody>
+          <a:bodyPr/>
+          <a:lstStyle>
+            <a:lvl1pPr defTabSz="484886">
+              <a:defRPr sz="6640"/>
+            </a:lvl1pPr>
+          </a:lstStyle>
+          <a:p>
+            <a:pPr/>
+            <a:r>
+              <a:t>Calling the Business Layer through the WebServer</a:t>
+            </a:r>
+          </a:p>
+        </p:txBody>
+      </p:sp>
+      <p:pic>
+        <p:nvPicPr>
+          <p:cNvPr id="325" name="Image" descr="Image"/>
+          <p:cNvPicPr>
+            <a:picLocks noChangeAspect="1"/>
+          </p:cNvPicPr>
+          <p:nvPr/>
+        </p:nvPicPr>
+        <p:blipFill>
+          <a:blip r:embed="rId2">
+            <a:extLst/>
+          </a:blip>
+          <a:stretch>
+            <a:fillRect/>
+          </a:stretch>
+        </p:blipFill>
+        <p:spPr>
+          <a:xfrm>
+            <a:off x="1257300" y="3695700"/>
+            <a:ext cx="9093200" cy="1206500"/>
+          </a:xfrm>
+          <a:prstGeom prst="rect">
+            <a:avLst/>
+          </a:prstGeom>
+          <a:ln w="12700">
+            <a:miter lim="400000"/>
+          </a:ln>
+        </p:spPr>
+      </p:pic>
+    </p:spTree>
+  </p:cSld>
+  <p:clrMapOvr>
+    <a:masterClrMapping/>
+  </p:clrMapOvr>
+  <p:transition xmlns:p14="http://schemas.microsoft.com/office/powerpoint/2010/main" spd="med" advClick="1"/>
+</p:sld>
+</file>
+
+<file path=ppt/slides/slide39.xml><?xml version="1.0" encoding="utf-8"?>
+<p:sld xmlns:a="http://schemas.openxmlformats.org/drawingml/2006/main" xmlns:r="http://schemas.openxmlformats.org/officeDocument/2006/relationships" xmlns:p="http://schemas.openxmlformats.org/presentationml/2006/main" showMasterSp="1" showMasterPhAnim="1">
+  <p:cSld>
+    <p:spTree>
+      <p:nvGrpSpPr>
+        <p:cNvPr id="1" name=""/>
+        <p:cNvGrpSpPr/>
+        <p:nvPr/>
+      </p:nvGrpSpPr>
+      <p:grpSpPr>
+        <a:xfrm>
+          <a:off x="0" y="0"/>
+          <a:ext cx="0" cy="0"/>
+          <a:chOff x="0" y="0"/>
+          <a:chExt cx="0" cy="0"/>
+        </a:xfrm>
+      </p:grpSpPr>
+      <p:sp>
+        <p:nvSpPr>
+          <p:cNvPr id="327" name="References"/>
+          <p:cNvSpPr txBox="1"/>
+          <p:nvPr>
+            <p:ph type="title"/>
+          </p:nvPr>
+        </p:nvSpPr>
+        <p:spPr>
+          <a:prstGeom prst="rect">
+            <a:avLst/>
+          </a:prstGeom>
+        </p:spPr>
+        <p:txBody>
+          <a:bodyPr/>
+          <a:lstStyle/>
+          <a:p>
+            <a:pPr/>
+            <a:r>
+              <a:t>References</a:t>
             </a:r>
           </a:p>
         </p:txBody>
       </p:sp>
       <p:sp>
         <p:nvSpPr>
-          <p:cNvPr id="271" name="Docker Swarm (https://docs.docker.com/engine/swarm/)…"/>
+          <p:cNvPr id="328" name="Three tier web application with docker compose (https://serversforhackers.com/dockerized-app/docker-compose)…"/>
           <p:cNvSpPr txBox="1"/>
           <p:nvPr>
             <p:ph type="body" idx="1"/>
@@ -6567,13 +8355,21 @@
           <a:p>
             <a:pPr/>
             <a:r>
-              <a:t>Docker Swarm (</a:t>
+              <a:t>Three tier web application with docker compose (</a:t>
             </a:r>
             <a:r>
               <a:rPr u="sng">
+                <a:solidFill>
+                  <a:srgbClr val="0000FF"/>
+                </a:solidFill>
+                <a:uFill>
+                  <a:solidFill>
+                    <a:srgbClr val="0000FF"/>
+                  </a:solidFill>
+                </a:uFill>
                 <a:hlinkClick r:id="rId2" invalidUrl="" action="" tgtFrame="" tooltip="" history="1" highlightClick="0" endSnd="0"/>
               </a:rPr>
-              <a:t>https://docs.docker.com/engine/swarm/</a:t>
+              <a:t>https://serversforhackers.com/dockerized-app/docker-compose</a:t>
             </a:r>
             <a:r>
               <a:t>)</a:t>
@@ -6582,13 +8378,21 @@
           <a:p>
             <a:pPr/>
             <a:r>
-              <a:t>Nodejs (</a:t>
+              <a:t>Great tutorial for around $10 (</a:t>
             </a:r>
             <a:r>
               <a:rPr u="sng">
+                <a:solidFill>
+                  <a:srgbClr val="0000FF"/>
+                </a:solidFill>
+                <a:uFill>
+                  <a:solidFill>
+                    <a:srgbClr val="0000FF"/>
+                  </a:solidFill>
+                </a:uFill>
                 <a:hlinkClick r:id="rId3" invalidUrl="" action="" tgtFrame="" tooltip="" history="1" highlightClick="0" endSnd="0"/>
               </a:rPr>
-              <a:t>https://nodejs.org/en/</a:t>
+              <a:t>https://www.udemy.com/docker-mastery/</a:t>
             </a:r>
             <a:r>
               <a:t>)</a:t>
@@ -6597,13 +8401,44 @@
           <a:p>
             <a:pPr/>
             <a:r>
-              <a:t>Source code and slides (</a:t>
+              <a:t>Main docker site (</a:t>
             </a:r>
             <a:r>
               <a:rPr u="sng">
+                <a:solidFill>
+                  <a:srgbClr val="0000FF"/>
+                </a:solidFill>
+                <a:uFill>
+                  <a:solidFill>
+                    <a:srgbClr val="0000FF"/>
+                  </a:solidFill>
+                </a:uFill>
                 <a:hlinkClick r:id="rId4" invalidUrl="" action="" tgtFrame="" tooltip="" history="1" highlightClick="0" endSnd="0"/>
               </a:rPr>
-              <a:t>https://github.com/burtwalsh/dockertutorial</a:t>
+              <a:t>https://www.docker.com/</a:t>
+            </a:r>
+            <a:r>
+              <a:t>)</a:t>
+            </a:r>
+          </a:p>
+          <a:p>
+            <a:pPr/>
+            <a:r>
+              <a:t>Docker hub for publishing and pulling (</a:t>
+            </a:r>
+            <a:r>
+              <a:rPr u="sng">
+                <a:solidFill>
+                  <a:srgbClr val="0000FF"/>
+                </a:solidFill>
+                <a:uFill>
+                  <a:solidFill>
+                    <a:srgbClr val="0000FF"/>
+                  </a:solidFill>
+                </a:uFill>
+                <a:hlinkClick r:id="rId5" invalidUrl="" action="" tgtFrame="" tooltip="" history="1" highlightClick="0" endSnd="0"/>
+              </a:rPr>
+              <a:t>https://hub.docker.com/</a:t>
             </a:r>
             <a:r>
               <a:t>)</a:t>
@@ -6654,7 +8489,7 @@
           <a:bodyPr/>
           <a:lstStyle>
             <a:lvl1pPr defTabSz="484886">
-              <a:defRPr sz="6640"/>
+              <a:defRPr sz="6600"/>
             </a:lvl1pPr>
           </a:lstStyle>
           <a:p>
@@ -6681,7 +8516,7 @@
         </p:grpSpPr>
         <p:pic>
           <p:nvPicPr>
-            <p:cNvPr id="132" name="Image" descr="Image"/>
+            <p:cNvPr id="131" name="Image" descr="Image"/>
             <p:cNvPicPr>
               <a:picLocks noChangeAspect="1"/>
             </p:cNvPicPr>
@@ -6703,17 +8538,18 @@
             <a:prstGeom prst="rect">
               <a:avLst/>
             </a:prstGeom>
-            <a:ln>
-              <a:noFill/>
+            <a:ln w="12700" cap="flat">
+              <a:noFill/>
+              <a:miter lim="400000"/>
             </a:ln>
             <a:effectLst/>
           </p:spPr>
         </p:pic>
         <p:pic>
           <p:nvPicPr>
-            <p:cNvPr id="131" name="Image" descr="Image"/>
+            <p:cNvPr id="132" name="Image" descr="Image"/>
             <p:cNvPicPr>
-              <a:picLocks noChangeAspect="0"/>
+              <a:picLocks noChangeAspect="1"/>
             </p:cNvPicPr>
             <p:nvPr/>
           </p:nvPicPr>
@@ -6733,10 +8569,165 @@
             <a:prstGeom prst="rect">
               <a:avLst/>
             </a:prstGeom>
+            <a:ln w="12700" cap="flat">
+              <a:noFill/>
+              <a:miter lim="400000"/>
+            </a:ln>
             <a:effectLst/>
           </p:spPr>
         </p:pic>
       </p:grpSp>
+    </p:spTree>
+  </p:cSld>
+  <p:clrMapOvr>
+    <a:masterClrMapping/>
+  </p:clrMapOvr>
+  <p:transition xmlns:p14="http://schemas.microsoft.com/office/powerpoint/2010/main" spd="med" advClick="1"/>
+</p:sld>
+</file>
+
+<file path=ppt/slides/slide40.xml><?xml version="1.0" encoding="utf-8"?>
+<p:sld xmlns:a="http://schemas.openxmlformats.org/drawingml/2006/main" xmlns:r="http://schemas.openxmlformats.org/officeDocument/2006/relationships" xmlns:p="http://schemas.openxmlformats.org/presentationml/2006/main" showMasterSp="1" showMasterPhAnim="1">
+  <p:cSld>
+    <p:spTree>
+      <p:nvGrpSpPr>
+        <p:cNvPr id="1" name=""/>
+        <p:cNvGrpSpPr/>
+        <p:nvPr/>
+      </p:nvGrpSpPr>
+      <p:grpSpPr>
+        <a:xfrm>
+          <a:off x="0" y="0"/>
+          <a:ext cx="0" cy="0"/>
+          <a:chOff x="0" y="0"/>
+          <a:chExt cx="0" cy="0"/>
+        </a:xfrm>
+      </p:grpSpPr>
+      <p:sp>
+        <p:nvSpPr>
+          <p:cNvPr id="330" name="Other Things to Look At"/>
+          <p:cNvSpPr txBox="1"/>
+          <p:nvPr>
+            <p:ph type="title"/>
+          </p:nvPr>
+        </p:nvSpPr>
+        <p:spPr>
+          <a:prstGeom prst="rect">
+            <a:avLst/>
+          </a:prstGeom>
+        </p:spPr>
+        <p:txBody>
+          <a:bodyPr/>
+          <a:lstStyle>
+            <a:lvl1pPr defTabSz="572516">
+              <a:defRPr sz="7800"/>
+            </a:lvl1pPr>
+          </a:lstStyle>
+          <a:p>
+            <a:pPr/>
+            <a:r>
+              <a:t>Other Things to Look At</a:t>
+            </a:r>
+          </a:p>
+        </p:txBody>
+      </p:sp>
+      <p:sp>
+        <p:nvSpPr>
+          <p:cNvPr id="331" name="Docker Swarm (https://docs.docker.com/engine/swarm/)…"/>
+          <p:cNvSpPr txBox="1"/>
+          <p:nvPr>
+            <p:ph type="body" idx="1"/>
+          </p:nvPr>
+        </p:nvSpPr>
+        <p:spPr>
+          <a:xfrm>
+            <a:off x="952500" y="2628900"/>
+            <a:ext cx="11099800" cy="6286500"/>
+          </a:xfrm>
+          <a:prstGeom prst="rect">
+            <a:avLst/>
+          </a:prstGeom>
+        </p:spPr>
+        <p:txBody>
+          <a:bodyPr/>
+          <a:lstStyle/>
+          <a:p>
+            <a:pPr/>
+            <a:r>
+              <a:t>Docker Swarm (</a:t>
+            </a:r>
+            <a:r>
+              <a:rPr u="sng">
+                <a:solidFill>
+                  <a:srgbClr val="0000FF"/>
+                </a:solidFill>
+                <a:uFill>
+                  <a:solidFill>
+                    <a:srgbClr val="0000FF"/>
+                  </a:solidFill>
+                </a:uFill>
+                <a:hlinkClick r:id="rId2" invalidUrl="" action="" tgtFrame="" tooltip="" history="1" highlightClick="0" endSnd="0"/>
+              </a:rPr>
+              <a:t>https://docs.docker.com/engine/swarm/</a:t>
+            </a:r>
+            <a:r>
+              <a:t>)</a:t>
+            </a:r>
+          </a:p>
+          <a:p>
+            <a:pPr/>
+            <a:r>
+              <a:t>Nodejs (</a:t>
+            </a:r>
+            <a:r>
+              <a:rPr u="sng">
+                <a:solidFill>
+                  <a:srgbClr val="0000FF"/>
+                </a:solidFill>
+                <a:uFill>
+                  <a:solidFill>
+                    <a:srgbClr val="0000FF"/>
+                  </a:solidFill>
+                </a:uFill>
+                <a:hlinkClick r:id="rId3" invalidUrl="" action="" tgtFrame="" tooltip="" history="1" highlightClick="0" endSnd="0"/>
+              </a:rPr>
+              <a:t>https://nodejs.org/en/</a:t>
+            </a:r>
+            <a:r>
+              <a:t>)</a:t>
+            </a:r>
+          </a:p>
+          <a:p>
+            <a:pPr/>
+            <a:r>
+              <a:t>Source code and slides (</a:t>
+            </a:r>
+            <a:r>
+              <a:rPr u="sng">
+                <a:solidFill>
+                  <a:srgbClr val="0000FF"/>
+                </a:solidFill>
+                <a:uFill>
+                  <a:solidFill>
+                    <a:srgbClr val="0000FF"/>
+                  </a:solidFill>
+                </a:uFill>
+                <a:hlinkClick r:id="rId4" invalidUrl="" action="" tgtFrame="" tooltip="" history="1" highlightClick="0" endSnd="0"/>
+              </a:rPr>
+              <a:t>https://github.com/burtwalsh/dockertutorial</a:t>
+            </a:r>
+            <a:r>
+              <a:t>)</a:t>
+            </a:r>
+          </a:p>
+          <a:p>
+            <a:pPr/>
+            <a:r>
+              <a:t>https://moleculer.services/</a:t>
+            </a:r>
+          </a:p>
+        </p:txBody>
+      </p:sp>
     </p:spTree>
   </p:cSld>
   <p:clrMapOvr>
@@ -6771,15 +8762,15 @@
         </p:nvGrpSpPr>
         <p:grpSpPr>
           <a:xfrm>
-            <a:off x="158353" y="2431667"/>
-            <a:ext cx="12433846" cy="5220466"/>
+            <a:off x="158353" y="2431666"/>
+            <a:ext cx="12433847" cy="5220469"/>
             <a:chOff x="0" y="0"/>
-            <a:chExt cx="12433845" cy="5220464"/>
+            <a:chExt cx="12433846" cy="5220467"/>
           </a:xfrm>
         </p:grpSpPr>
         <p:pic>
           <p:nvPicPr>
-            <p:cNvPr id="136" name="Image" descr="Image"/>
+            <p:cNvPr id="135" name="Image" descr="Image"/>
             <p:cNvPicPr>
               <a:picLocks noChangeAspect="1"/>
             </p:cNvPicPr>
@@ -6796,22 +8787,23 @@
           <p:spPr>
             <a:xfrm>
               <a:off x="215900" y="139700"/>
-              <a:ext cx="12002046" cy="4661665"/>
+              <a:ext cx="12002047" cy="4661667"/>
             </a:xfrm>
             <a:prstGeom prst="rect">
               <a:avLst/>
             </a:prstGeom>
-            <a:ln>
-              <a:noFill/>
+            <a:ln w="12700" cap="flat">
+              <a:noFill/>
+              <a:miter lim="400000"/>
             </a:ln>
             <a:effectLst/>
           </p:spPr>
         </p:pic>
         <p:pic>
           <p:nvPicPr>
-            <p:cNvPr id="135" name="Image" descr="Image"/>
+            <p:cNvPr id="136" name="Image" descr="Image"/>
             <p:cNvPicPr>
-              <a:picLocks noChangeAspect="0"/>
+              <a:picLocks noChangeAspect="1"/>
             </p:cNvPicPr>
             <p:nvPr/>
           </p:nvPicPr>
@@ -6825,12 +8817,16 @@
           </p:blipFill>
           <p:spPr>
             <a:xfrm>
-              <a:off x="0" y="0"/>
-              <a:ext cx="12433846" cy="5220465"/>
+              <a:off x="0" y="-1"/>
+              <a:ext cx="12433847" cy="5220468"/>
             </a:xfrm>
             <a:prstGeom prst="rect">
               <a:avLst/>
             </a:prstGeom>
+            <a:ln w="12700" cap="flat">
+              <a:noFill/>
+              <a:miter lim="400000"/>
+            </a:ln>
             <a:effectLst/>
           </p:spPr>
         </p:pic>
@@ -6843,8 +8839,8 @@
         </p:nvSpPr>
         <p:spPr>
           <a:xfrm>
-            <a:off x="329488" y="1725270"/>
-            <a:ext cx="9429735" cy="461060"/>
+            <a:off x="329487" y="1725270"/>
+            <a:ext cx="9429737" cy="461059"/>
           </a:xfrm>
           <a:prstGeom prst="rect">
             <a:avLst/>
@@ -6863,7 +8859,14 @@
             <a:spAutoFit/>
           </a:bodyPr>
           <a:lstStyle>
-            <a:lvl1pPr algn="l"/>
+            <a:lvl1pPr algn="l">
+              <a:defRPr b="1">
+                <a:latin typeface="+mn-lt"/>
+                <a:ea typeface="+mn-ea"/>
+                <a:cs typeface="+mn-cs"/>
+                <a:sym typeface="Helvetica Neue"/>
+              </a:defRPr>
+            </a:lvl1pPr>
           </a:lstStyle>
           <a:p>
             <a:pPr/>
@@ -6916,7 +8919,7 @@
           <a:bodyPr/>
           <a:lstStyle>
             <a:lvl1pPr defTabSz="519937">
-              <a:defRPr sz="7119"/>
+              <a:defRPr sz="7100"/>
             </a:lvl1pPr>
           </a:lstStyle>
           <a:p>
@@ -6939,9 +8942,6 @@
           <a:prstGeom prst="rect">
             <a:avLst/>
           </a:prstGeom>
-          <a:ln w="9525">
-            <a:round/>
-          </a:ln>
         </p:spPr>
         <p:txBody>
           <a:bodyPr/>
@@ -6955,11 +8955,12 @@
               <a:buBlip>
                 <a:blip r:embed="rId2"/>
               </a:buBlip>
-              <a:defRPr spc="-32"/>
+              <a:defRPr spc="-100"/>
             </a:pPr>
             <a:r>
               <a:t>apt-get update -y             (updates all current packages)</a:t>
             </a:r>
+            <a:endParaRPr spc="-32"/>
           </a:p>
           <a:p>
             <a:pPr>
@@ -6970,11 +8971,12 @@
               <a:buBlip>
                 <a:blip r:embed="rId2"/>
               </a:buBlip>
-              <a:defRPr spc="-32"/>
+              <a:defRPr spc="-100"/>
             </a:pPr>
             <a:r>
               <a:t>apt-get install -y nodejs   (installs nodejs)</a:t>
             </a:r>
+            <a:endParaRPr spc="-32"/>
           </a:p>
           <a:p>
             <a:pPr>
@@ -6985,11 +8987,12 @@
               <a:buBlip>
                 <a:blip r:embed="rId2"/>
               </a:buBlip>
-              <a:defRPr spc="-32"/>
+              <a:defRPr spc="-100"/>
             </a:pPr>
             <a:r>
               <a:t>apt-get install -y npm.      (installs package manager)</a:t>
             </a:r>
+            <a:endParaRPr spc="-32"/>
           </a:p>
           <a:p>
             <a:pPr>
@@ -7000,11 +9003,12 @@
               <a:buBlip>
                 <a:blip r:embed="rId2"/>
               </a:buBlip>
-              <a:defRPr spc="-32"/>
+              <a:defRPr spc="-100"/>
             </a:pPr>
             <a:r>
               <a:t>mkdir myweb                   (creates a new directory)</a:t>
             </a:r>
+            <a:endParaRPr spc="-32"/>
           </a:p>
           <a:p>
             <a:pPr>
@@ -7015,11 +9019,12 @@
               <a:buBlip>
                 <a:blip r:embed="rId2"/>
               </a:buBlip>
-              <a:defRPr spc="-32"/>
+              <a:defRPr spc="-100"/>
             </a:pPr>
             <a:r>
               <a:t>cd myweb                         (changes directory)</a:t>
             </a:r>
+            <a:endParaRPr spc="-32"/>
           </a:p>
           <a:p>
             <a:pPr>
@@ -7030,11 +9035,12 @@
               <a:buBlip>
                 <a:blip r:embed="rId2"/>
               </a:buBlip>
-              <a:defRPr spc="-32"/>
+              <a:defRPr spc="-100"/>
             </a:pPr>
             <a:r>
               <a:t>npm init                             (create a node project)</a:t>
             </a:r>
+            <a:endParaRPr spc="-32"/>
           </a:p>
           <a:p>
             <a:pPr>
@@ -7045,7 +9051,7 @@
               <a:buBlip>
                 <a:blip r:embed="rId2"/>
               </a:buBlip>
-              <a:defRPr spc="-32"/>
+              <a:defRPr spc="-100"/>
             </a:pPr>
             <a:r>
               <a:t>npm install -y express —save  (install web software)</a:t>
@@ -7095,7 +9101,7 @@
         </p:grpSpPr>
         <p:pic>
           <p:nvPicPr>
-            <p:cNvPr id="144" name="Image" descr="Image"/>
+            <p:cNvPr id="143" name="Image" descr="Image"/>
             <p:cNvPicPr>
               <a:picLocks noChangeAspect="1"/>
             </p:cNvPicPr>
@@ -7117,17 +9123,18 @@
             <a:prstGeom prst="rect">
               <a:avLst/>
             </a:prstGeom>
-            <a:ln>
-              <a:noFill/>
+            <a:ln w="12700" cap="flat">
+              <a:noFill/>
+              <a:miter lim="400000"/>
             </a:ln>
             <a:effectLst/>
           </p:spPr>
         </p:pic>
         <p:pic>
           <p:nvPicPr>
-            <p:cNvPr id="143" name="Image" descr="Image"/>
+            <p:cNvPr id="144" name="Image" descr="Image"/>
             <p:cNvPicPr>
-              <a:picLocks noChangeAspect="0"/>
+              <a:picLocks noChangeAspect="1"/>
             </p:cNvPicPr>
             <p:nvPr/>
           </p:nvPicPr>
@@ -7147,6 +9154,10 @@
             <a:prstGeom prst="rect">
               <a:avLst/>
             </a:prstGeom>
+            <a:ln w="12700" cap="flat">
+              <a:noFill/>
+              <a:miter lim="400000"/>
+            </a:ln>
             <a:effectLst/>
           </p:spPr>
         </p:pic>
@@ -7160,7 +9171,7 @@
         <p:spPr>
           <a:xfrm>
             <a:off x="1424482" y="537820"/>
-            <a:ext cx="5379693" cy="829360"/>
+            <a:ext cx="5379693" cy="829359"/>
           </a:xfrm>
           <a:prstGeom prst="rect">
             <a:avLst/>
@@ -7179,7 +9190,14 @@
             <a:spAutoFit/>
           </a:bodyPr>
           <a:lstStyle>
-            <a:lvl1pPr algn="l"/>
+            <a:lvl1pPr algn="l">
+              <a:defRPr b="1">
+                <a:latin typeface="+mn-lt"/>
+                <a:ea typeface="+mn-ea"/>
+                <a:cs typeface="+mn-cs"/>
+                <a:sym typeface="Helvetica Neue"/>
+              </a:defRPr>
+            </a:lvl1pPr>
           </a:lstStyle>
           <a:p>
             <a:pPr/>
@@ -7232,7 +9250,7 @@
           <a:bodyPr/>
           <a:lstStyle>
             <a:lvl1pPr defTabSz="484886">
-              <a:defRPr sz="6640"/>
+              <a:defRPr sz="6600"/>
             </a:lvl1pPr>
           </a:lstStyle>
           <a:p>
@@ -7337,7 +9355,7 @@
           <a:bodyPr/>
           <a:lstStyle>
             <a:lvl1pPr defTabSz="531622">
-              <a:defRPr sz="7280"/>
+              <a:defRPr sz="7200"/>
             </a:lvl1pPr>
           </a:lstStyle>
           <a:p>
@@ -7357,14 +9375,14 @@
         <p:grpSpPr>
           <a:xfrm>
             <a:off x="520700" y="2320207"/>
-            <a:ext cx="13436600" cy="6662586"/>
+            <a:ext cx="13436600" cy="6662588"/>
             <a:chOff x="0" y="0"/>
-            <a:chExt cx="13436600" cy="6662585"/>
+            <a:chExt cx="13436600" cy="6662587"/>
           </a:xfrm>
         </p:grpSpPr>
         <p:pic>
           <p:nvPicPr>
-            <p:cNvPr id="153" name="Image" descr="Image"/>
+            <p:cNvPr id="152" name="Image" descr="Image"/>
             <p:cNvPicPr>
               <a:picLocks noChangeAspect="1"/>
             </p:cNvPicPr>
@@ -7381,22 +9399,23 @@
           <p:spPr>
             <a:xfrm>
               <a:off x="215900" y="139700"/>
-              <a:ext cx="13004800" cy="6103786"/>
+              <a:ext cx="13004800" cy="6103788"/>
             </a:xfrm>
             <a:prstGeom prst="rect">
               <a:avLst/>
             </a:prstGeom>
-            <a:ln>
-              <a:noFill/>
+            <a:ln w="12700" cap="flat">
+              <a:noFill/>
+              <a:miter lim="400000"/>
             </a:ln>
             <a:effectLst/>
           </p:spPr>
         </p:pic>
         <p:pic>
           <p:nvPicPr>
-            <p:cNvPr id="152" name="Image" descr="Image"/>
+            <p:cNvPr id="153" name="Image" descr="Image"/>
             <p:cNvPicPr>
-              <a:picLocks noChangeAspect="0"/>
+              <a:picLocks noChangeAspect="1"/>
             </p:cNvPicPr>
             <p:nvPr/>
           </p:nvPicPr>
@@ -7411,11 +9430,15 @@
           <p:spPr>
             <a:xfrm>
               <a:off x="0" y="0"/>
-              <a:ext cx="13436600" cy="6662586"/>
+              <a:ext cx="13436600" cy="6662588"/>
             </a:xfrm>
             <a:prstGeom prst="rect">
               <a:avLst/>
             </a:prstGeom>
+            <a:ln w="12700" cap="flat">
+              <a:noFill/>
+              <a:miter lim="400000"/>
+            </a:ln>
             <a:effectLst/>
           </p:spPr>
         </p:pic>
@@ -7440,10 +9463,10 @@
         <a:srgbClr val="FFFFFF"/>
       </a:lt1>
       <a:dk2>
-        <a:srgbClr val="5E5E5E"/>
+        <a:srgbClr val="A7A7A7"/>
       </a:dk2>
       <a:lt2>
-        <a:srgbClr val="D6D5D5"/>
+        <a:srgbClr val="535353"/>
       </a:lt2>
       <a:accent1>
         <a:srgbClr val="00A2FF"/>
@@ -7472,14 +9495,14 @@
     </a:clrScheme>
     <a:fontScheme name="White">
       <a:majorFont>
-        <a:latin typeface="Helvetica Neue Medium"/>
-        <a:ea typeface="Helvetica Neue Medium"/>
-        <a:cs typeface="Helvetica Neue Medium"/>
+        <a:latin typeface="Helvetica"/>
+        <a:ea typeface="Helvetica"/>
+        <a:cs typeface="Helvetica"/>
       </a:majorFont>
       <a:minorFont>
-        <a:latin typeface="Helvetica Neue Medium"/>
-        <a:ea typeface="Helvetica Neue Medium"/>
-        <a:cs typeface="Helvetica Neue Medium"/>
+        <a:latin typeface="Helvetica Neue"/>
+        <a:ea typeface="Helvetica Neue"/>
+        <a:cs typeface="Helvetica Neue"/>
       </a:minorFont>
     </a:fontScheme>
     <a:fmtScheme name="White">
@@ -7620,11 +9643,14 @@
     <a:spDef>
       <a:spPr>
         <a:solidFill>
-          <a:schemeClr val="accent1"/>
+          <a:srgbClr val="FFFFFF"/>
         </a:solidFill>
-        <a:ln w="12700" cap="flat">
-          <a:noFill/>
-          <a:miter lim="400000"/>
+        <a:ln w="25400" cap="flat">
+          <a:solidFill>
+            <a:schemeClr val="accent1"/>
+          </a:solidFill>
+          <a:prstDash val="solid"/>
+          <a:round/>
         </a:ln>
         <a:effectLst/>
         <a:sp3d/>
@@ -7648,18 +9674,18 @@
           <a:buFontTx/>
           <a:buNone/>
           <a:tabLst/>
-          <a:defRPr b="0" baseline="0" cap="none" i="0" spc="0" strike="noStrike" sz="2200" u="none" kumimoji="0" normalizeH="0">
+          <a:defRPr b="0" baseline="0" cap="none" i="0" spc="0" strike="noStrike" sz="2400" u="none" kumimoji="0" normalizeH="0">
             <a:ln>
               <a:noFill/>
             </a:ln>
             <a:solidFill>
-              <a:srgbClr val="FFFFFF"/>
+              <a:srgbClr val="000000"/>
             </a:solidFill>
             <a:effectLst/>
             <a:uFillTx/>
-            <a:latin typeface="+mn-lt"/>
-            <a:ea typeface="+mn-ea"/>
-            <a:cs typeface="+mn-cs"/>
+            <a:latin typeface="Helvetica Neue Medium"/>
+            <a:ea typeface="Helvetica Neue Medium"/>
+            <a:cs typeface="Helvetica Neue Medium"/>
             <a:sym typeface="Helvetica Neue Medium"/>
           </a:defRPr>
         </a:defPPr>
@@ -7910,10 +9936,10 @@
         <a:noFill/>
         <a:ln w="25400" cap="flat">
           <a:solidFill>
-            <a:srgbClr val="000000"/>
+            <a:schemeClr val="accent1"/>
           </a:solidFill>
           <a:prstDash val="solid"/>
-          <a:miter lim="400000"/>
+          <a:round/>
         </a:ln>
         <a:effectLst/>
         <a:sp3d/>
@@ -8219,7 +10245,7 @@
           <a:buFontTx/>
           <a:buNone/>
           <a:tabLst/>
-          <a:defRPr b="1" baseline="0" cap="none" i="0" spc="0" strike="noStrike" sz="2400" u="none" kumimoji="0" normalizeH="0">
+          <a:defRPr b="0" baseline="0" cap="none" i="0" spc="0" strike="noStrike" sz="2400" u="none" kumimoji="0" normalizeH="0">
             <a:ln>
               <a:noFill/>
             </a:ln>
@@ -8228,10 +10254,10 @@
             </a:solidFill>
             <a:effectLst/>
             <a:uFillTx/>
-            <a:latin typeface="Helvetica Neue"/>
-            <a:ea typeface="Helvetica Neue"/>
-            <a:cs typeface="Helvetica Neue"/>
-            <a:sym typeface="Helvetica Neue"/>
+            <a:latin typeface="Helvetica Neue Medium"/>
+            <a:ea typeface="Helvetica Neue Medium"/>
+            <a:cs typeface="Helvetica Neue Medium"/>
+            <a:sym typeface="Helvetica Neue Medium"/>
           </a:defRPr>
         </a:defPPr>
         <a:lvl1pPr marL="0" marR="0" indent="0" algn="l" defTabSz="914400" rtl="0" fontAlgn="auto" latinLnBrk="1" hangingPunct="0">
@@ -8491,10 +10517,10 @@
         <a:srgbClr val="FFFFFF"/>
       </a:lt1>
       <a:dk2>
-        <a:srgbClr val="5E5E5E"/>
+        <a:srgbClr val="A7A7A7"/>
       </a:dk2>
       <a:lt2>
-        <a:srgbClr val="D6D5D5"/>
+        <a:srgbClr val="535353"/>
       </a:lt2>
       <a:accent1>
         <a:srgbClr val="00A2FF"/>
@@ -8523,14 +10549,14 @@
     </a:clrScheme>
     <a:fontScheme name="White">
       <a:majorFont>
-        <a:latin typeface="Helvetica Neue Medium"/>
-        <a:ea typeface="Helvetica Neue Medium"/>
-        <a:cs typeface="Helvetica Neue Medium"/>
+        <a:latin typeface="Helvetica"/>
+        <a:ea typeface="Helvetica"/>
+        <a:cs typeface="Helvetica"/>
       </a:majorFont>
       <a:minorFont>
-        <a:latin typeface="Helvetica Neue Medium"/>
-        <a:ea typeface="Helvetica Neue Medium"/>
-        <a:cs typeface="Helvetica Neue Medium"/>
+        <a:latin typeface="Helvetica Neue"/>
+        <a:ea typeface="Helvetica Neue"/>
+        <a:cs typeface="Helvetica Neue"/>
       </a:minorFont>
     </a:fontScheme>
     <a:fmtScheme name="White">
@@ -8671,11 +10697,14 @@
     <a:spDef>
       <a:spPr>
         <a:solidFill>
-          <a:schemeClr val="accent1"/>
+          <a:srgbClr val="FFFFFF"/>
         </a:solidFill>
-        <a:ln w="12700" cap="flat">
-          <a:noFill/>
-          <a:miter lim="400000"/>
+        <a:ln w="25400" cap="flat">
+          <a:solidFill>
+            <a:schemeClr val="accent1"/>
+          </a:solidFill>
+          <a:prstDash val="solid"/>
+          <a:round/>
         </a:ln>
         <a:effectLst/>
         <a:sp3d/>
@@ -8699,18 +10728,18 @@
           <a:buFontTx/>
           <a:buNone/>
           <a:tabLst/>
-          <a:defRPr b="0" baseline="0" cap="none" i="0" spc="0" strike="noStrike" sz="2200" u="none" kumimoji="0" normalizeH="0">
+          <a:defRPr b="0" baseline="0" cap="none" i="0" spc="0" strike="noStrike" sz="2400" u="none" kumimoji="0" normalizeH="0">
             <a:ln>
               <a:noFill/>
             </a:ln>
             <a:solidFill>
-              <a:srgbClr val="FFFFFF"/>
+              <a:srgbClr val="000000"/>
             </a:solidFill>
             <a:effectLst/>
             <a:uFillTx/>
-            <a:latin typeface="+mn-lt"/>
-            <a:ea typeface="+mn-ea"/>
-            <a:cs typeface="+mn-cs"/>
+            <a:latin typeface="Helvetica Neue Medium"/>
+            <a:ea typeface="Helvetica Neue Medium"/>
+            <a:cs typeface="Helvetica Neue Medium"/>
             <a:sym typeface="Helvetica Neue Medium"/>
           </a:defRPr>
         </a:defPPr>
@@ -8961,10 +10990,10 @@
         <a:noFill/>
         <a:ln w="25400" cap="flat">
           <a:solidFill>
-            <a:srgbClr val="000000"/>
+            <a:schemeClr val="accent1"/>
           </a:solidFill>
           <a:prstDash val="solid"/>
-          <a:miter lim="400000"/>
+          <a:round/>
         </a:ln>
         <a:effectLst/>
         <a:sp3d/>
@@ -9270,7 +11299,7 @@
           <a:buFontTx/>
           <a:buNone/>
           <a:tabLst/>
-          <a:defRPr b="1" baseline="0" cap="none" i="0" spc="0" strike="noStrike" sz="2400" u="none" kumimoji="0" normalizeH="0">
+          <a:defRPr b="0" baseline="0" cap="none" i="0" spc="0" strike="noStrike" sz="2400" u="none" kumimoji="0" normalizeH="0">
             <a:ln>
               <a:noFill/>
             </a:ln>
@@ -9279,10 +11308,10 @@
             </a:solidFill>
             <a:effectLst/>
             <a:uFillTx/>
-            <a:latin typeface="Helvetica Neue"/>
-            <a:ea typeface="Helvetica Neue"/>
-            <a:cs typeface="Helvetica Neue"/>
-            <a:sym typeface="Helvetica Neue"/>
+            <a:latin typeface="Helvetica Neue Medium"/>
+            <a:ea typeface="Helvetica Neue Medium"/>
+            <a:cs typeface="Helvetica Neue Medium"/>
+            <a:sym typeface="Helvetica Neue Medium"/>
           </a:defRPr>
         </a:defPPr>
         <a:lvl1pPr marL="0" marR="0" indent="0" algn="l" defTabSz="914400" rtl="0" fontAlgn="auto" latinLnBrk="1" hangingPunct="0">
